--- a/学习资料/php文件操作.pptx
+++ b/学习资料/php文件操作.pptx
@@ -1,26 +1,26 @@
 
 <file path=ppt/presentation.xml><?xml version="1.0" encoding="utf-8"?>
-<p:presentation xmlns:a="http://schemas.openxmlformats.org/drawingml/2006/main" xmlns:r="http://schemas.openxmlformats.org/officeDocument/2006/relationships" xmlns:p="http://schemas.openxmlformats.org/presentationml/2006/main" saveSubsetFonts="1" autoCompressPictures="0">
+<p:presentation xmlns:a="http://schemas.openxmlformats.org/drawingml/2006/main" xmlns:r="http://schemas.openxmlformats.org/officeDocument/2006/relationships" xmlns:p="http://schemas.openxmlformats.org/presentationml/2006/main" autoCompressPictures="0">
   <p:sldMasterIdLst>
-    <p:sldMasterId id="2147483660" r:id="rId1"/>
+    <p:sldMasterId id="2147483648" r:id="rId1"/>
   </p:sldMasterIdLst>
   <p:notesMasterIdLst>
-    <p:notesMasterId r:id="rId15"/>
+    <p:notesMasterId r:id="rId4"/>
   </p:notesMasterIdLst>
   <p:sldIdLst>
-    <p:sldId id="257" r:id="rId2"/>
-    <p:sldId id="258" r:id="rId3"/>
-    <p:sldId id="259" r:id="rId4"/>
-    <p:sldId id="264" r:id="rId5"/>
-    <p:sldId id="260" r:id="rId6"/>
-    <p:sldId id="263" r:id="rId7"/>
-    <p:sldId id="261" r:id="rId8"/>
-    <p:sldId id="266" r:id="rId9"/>
-    <p:sldId id="267" r:id="rId10"/>
-    <p:sldId id="268" r:id="rId11"/>
-    <p:sldId id="269" r:id="rId12"/>
-    <p:sldId id="271" r:id="rId13"/>
-    <p:sldId id="270" r:id="rId14"/>
+    <p:sldId id="257" r:id="rId3"/>
+    <p:sldId id="258" r:id="rId5"/>
+    <p:sldId id="259" r:id="rId6"/>
+    <p:sldId id="264" r:id="rId7"/>
+    <p:sldId id="260" r:id="rId8"/>
+    <p:sldId id="263" r:id="rId9"/>
+    <p:sldId id="261" r:id="rId10"/>
+    <p:sldId id="266" r:id="rId11"/>
+    <p:sldId id="267" r:id="rId12"/>
+    <p:sldId id="268" r:id="rId13"/>
+    <p:sldId id="269" r:id="rId14"/>
+    <p:sldId id="271" r:id="rId15"/>
+    <p:sldId id="270" r:id="rId16"/>
   </p:sldIdLst>
   <p:sldSz cx="12192000" cy="6858000"/>
   <p:notesSz cx="6858000" cy="9144000"/>
@@ -119,11 +119,6 @@
       </a:defRPr>
     </a:lvl9pPr>
   </p:defaultTextStyle>
-  <p:extLst>
-    <p:ext uri="{EFAFB233-063F-42B5-8137-9DF3F51BA10A}">
-      <p15:sldGuideLst xmlns:p15="http://schemas.microsoft.com/office/powerpoint/2012/main"/>
-    </p:ext>
-  </p:extLst>
 </p:presentation>
 </file>
 
@@ -209,7 +204,6 @@
           <a:p>
             <a:fld id="{73561573-CC60-B347-8D6F-66EC940EC895}" type="datetimeFigureOut">
               <a:rPr lang="en-US" smtClean="0"/>
-              <a:t>8/8/18</a:t>
             </a:fld>
             <a:endParaRPr lang="en-US"/>
           </a:p>
@@ -276,6 +270,7 @@
               <a:rPr lang="en-US" smtClean="0"/>
               <a:t>Click to edit Master text styles</a:t>
             </a:r>
+            <a:endParaRPr lang="en-US" smtClean="0"/>
           </a:p>
           <a:p>
             <a:pPr lvl="1"/>
@@ -283,6 +278,7 @@
               <a:rPr lang="en-US" smtClean="0"/>
               <a:t>Second level</a:t>
             </a:r>
+            <a:endParaRPr lang="en-US" smtClean="0"/>
           </a:p>
           <a:p>
             <a:pPr lvl="2"/>
@@ -290,6 +286,7 @@
               <a:rPr lang="en-US" smtClean="0"/>
               <a:t>Third level</a:t>
             </a:r>
+            <a:endParaRPr lang="en-US" smtClean="0"/>
           </a:p>
           <a:p>
             <a:pPr lvl="3"/>
@@ -297,6 +294,7 @@
               <a:rPr lang="en-US" smtClean="0"/>
               <a:t>Fourth level</a:t>
             </a:r>
+            <a:endParaRPr lang="en-US" smtClean="0"/>
           </a:p>
           <a:p>
             <a:pPr lvl="4"/>
@@ -368,18 +366,12 @@
           <a:p>
             <a:fld id="{6FC20CAF-84D7-ED43-AA13-1F13D53B651A}" type="slidenum">
               <a:rPr lang="en-US" smtClean="0"/>
-              <a:t>‹#›</a:t>
             </a:fld>
             <a:endParaRPr lang="en-US"/>
           </a:p>
         </p:txBody>
       </p:sp>
     </p:spTree>
-    <p:extLst>
-      <p:ext uri="{BB962C8B-B14F-4D97-AF65-F5344CB8AC3E}">
-        <p14:creationId xmlns:p14="http://schemas.microsoft.com/office/powerpoint/2010/main" val="113986530"/>
-      </p:ext>
-    </p:extLst>
   </p:cSld>
   <p:clrMap bg1="lt1" tx1="dk1" bg2="lt2" tx2="dk2" accent1="accent1" accent2="accent2" accent3="accent3" accent4="accent4" accent5="accent5" accent6="accent6" hlink="hlink" folHlink="folHlink"/>
   <p:notesStyle>
@@ -542,18 +534,12 @@
           <a:p>
             <a:fld id="{FAAB4DEA-DCF1-E64D-8B4D-F3341A63145D}" type="slidenum">
               <a:rPr lang="en-US" smtClean="0"/>
-              <a:t>1</a:t>
             </a:fld>
             <a:endParaRPr lang="en-US"/>
           </a:p>
         </p:txBody>
       </p:sp>
     </p:spTree>
-    <p:extLst>
-      <p:ext uri="{BB962C8B-B14F-4D97-AF65-F5344CB8AC3E}">
-        <p14:creationId xmlns:p14="http://schemas.microsoft.com/office/powerpoint/2010/main" val="216196586"/>
-      </p:ext>
-    </p:extLst>
   </p:cSld>
   <p:clrMapOvr>
     <a:masterClrMapping/>
@@ -626,18 +612,12 @@
           <a:p>
             <a:fld id="{FAAB4DEA-DCF1-E64D-8B4D-F3341A63145D}" type="slidenum">
               <a:rPr lang="en-US" smtClean="0"/>
-              <a:t>10</a:t>
             </a:fld>
             <a:endParaRPr lang="en-US"/>
           </a:p>
         </p:txBody>
       </p:sp>
     </p:spTree>
-    <p:extLst>
-      <p:ext uri="{BB962C8B-B14F-4D97-AF65-F5344CB8AC3E}">
-        <p14:creationId xmlns:p14="http://schemas.microsoft.com/office/powerpoint/2010/main" val="1330982217"/>
-      </p:ext>
-    </p:extLst>
   </p:cSld>
   <p:clrMapOvr>
     <a:masterClrMapping/>
@@ -710,18 +690,12 @@
           <a:p>
             <a:fld id="{FAAB4DEA-DCF1-E64D-8B4D-F3341A63145D}" type="slidenum">
               <a:rPr lang="en-US" smtClean="0"/>
-              <a:t>11</a:t>
             </a:fld>
             <a:endParaRPr lang="en-US"/>
           </a:p>
         </p:txBody>
       </p:sp>
     </p:spTree>
-    <p:extLst>
-      <p:ext uri="{BB962C8B-B14F-4D97-AF65-F5344CB8AC3E}">
-        <p14:creationId xmlns:p14="http://schemas.microsoft.com/office/powerpoint/2010/main" val="793585857"/>
-      </p:ext>
-    </p:extLst>
   </p:cSld>
   <p:clrMapOvr>
     <a:masterClrMapping/>
@@ -794,18 +768,12 @@
           <a:p>
             <a:fld id="{FAAB4DEA-DCF1-E64D-8B4D-F3341A63145D}" type="slidenum">
               <a:rPr lang="en-US" smtClean="0"/>
-              <a:t>12</a:t>
             </a:fld>
             <a:endParaRPr lang="en-US"/>
           </a:p>
         </p:txBody>
       </p:sp>
     </p:spTree>
-    <p:extLst>
-      <p:ext uri="{BB962C8B-B14F-4D97-AF65-F5344CB8AC3E}">
-        <p14:creationId xmlns:p14="http://schemas.microsoft.com/office/powerpoint/2010/main" val="1770640579"/>
-      </p:ext>
-    </p:extLst>
   </p:cSld>
   <p:clrMapOvr>
     <a:masterClrMapping/>
@@ -878,18 +846,12 @@
           <a:p>
             <a:fld id="{FAAB4DEA-DCF1-E64D-8B4D-F3341A63145D}" type="slidenum">
               <a:rPr lang="en-US" smtClean="0"/>
-              <a:t>13</a:t>
             </a:fld>
             <a:endParaRPr lang="en-US"/>
           </a:p>
         </p:txBody>
       </p:sp>
     </p:spTree>
-    <p:extLst>
-      <p:ext uri="{BB962C8B-B14F-4D97-AF65-F5344CB8AC3E}">
-        <p14:creationId xmlns:p14="http://schemas.microsoft.com/office/powerpoint/2010/main" val="711845777"/>
-      </p:ext>
-    </p:extLst>
   </p:cSld>
   <p:clrMapOvr>
     <a:masterClrMapping/>
@@ -962,18 +924,12 @@
           <a:p>
             <a:fld id="{FAAB4DEA-DCF1-E64D-8B4D-F3341A63145D}" type="slidenum">
               <a:rPr lang="en-US" smtClean="0"/>
-              <a:t>2</a:t>
             </a:fld>
             <a:endParaRPr lang="en-US"/>
           </a:p>
         </p:txBody>
       </p:sp>
     </p:spTree>
-    <p:extLst>
-      <p:ext uri="{BB962C8B-B14F-4D97-AF65-F5344CB8AC3E}">
-        <p14:creationId xmlns:p14="http://schemas.microsoft.com/office/powerpoint/2010/main" val="1849332301"/>
-      </p:ext>
-    </p:extLst>
   </p:cSld>
   <p:clrMapOvr>
     <a:masterClrMapping/>
@@ -1046,18 +1002,12 @@
           <a:p>
             <a:fld id="{FAAB4DEA-DCF1-E64D-8B4D-F3341A63145D}" type="slidenum">
               <a:rPr lang="en-US" smtClean="0"/>
-              <a:t>3</a:t>
             </a:fld>
             <a:endParaRPr lang="en-US"/>
           </a:p>
         </p:txBody>
       </p:sp>
     </p:spTree>
-    <p:extLst>
-      <p:ext uri="{BB962C8B-B14F-4D97-AF65-F5344CB8AC3E}">
-        <p14:creationId xmlns:p14="http://schemas.microsoft.com/office/powerpoint/2010/main" val="891747189"/>
-      </p:ext>
-    </p:extLst>
   </p:cSld>
   <p:clrMapOvr>
     <a:masterClrMapping/>
@@ -1130,18 +1080,12 @@
           <a:p>
             <a:fld id="{FAAB4DEA-DCF1-E64D-8B4D-F3341A63145D}" type="slidenum">
               <a:rPr lang="en-US" smtClean="0"/>
-              <a:t>4</a:t>
             </a:fld>
             <a:endParaRPr lang="en-US"/>
           </a:p>
         </p:txBody>
       </p:sp>
     </p:spTree>
-    <p:extLst>
-      <p:ext uri="{BB962C8B-B14F-4D97-AF65-F5344CB8AC3E}">
-        <p14:creationId xmlns:p14="http://schemas.microsoft.com/office/powerpoint/2010/main" val="171405584"/>
-      </p:ext>
-    </p:extLst>
   </p:cSld>
   <p:clrMapOvr>
     <a:masterClrMapping/>
@@ -1214,18 +1158,12 @@
           <a:p>
             <a:fld id="{FAAB4DEA-DCF1-E64D-8B4D-F3341A63145D}" type="slidenum">
               <a:rPr lang="en-US" smtClean="0"/>
-              <a:t>5</a:t>
             </a:fld>
             <a:endParaRPr lang="en-US"/>
           </a:p>
         </p:txBody>
       </p:sp>
     </p:spTree>
-    <p:extLst>
-      <p:ext uri="{BB962C8B-B14F-4D97-AF65-F5344CB8AC3E}">
-        <p14:creationId xmlns:p14="http://schemas.microsoft.com/office/powerpoint/2010/main" val="1769410617"/>
-      </p:ext>
-    </p:extLst>
   </p:cSld>
   <p:clrMapOvr>
     <a:masterClrMapping/>
@@ -1298,18 +1236,12 @@
           <a:p>
             <a:fld id="{FAAB4DEA-DCF1-E64D-8B4D-F3341A63145D}" type="slidenum">
               <a:rPr lang="en-US" smtClean="0"/>
-              <a:t>6</a:t>
             </a:fld>
             <a:endParaRPr lang="en-US"/>
           </a:p>
         </p:txBody>
       </p:sp>
     </p:spTree>
-    <p:extLst>
-      <p:ext uri="{BB962C8B-B14F-4D97-AF65-F5344CB8AC3E}">
-        <p14:creationId xmlns:p14="http://schemas.microsoft.com/office/powerpoint/2010/main" val="1914216569"/>
-      </p:ext>
-    </p:extLst>
   </p:cSld>
   <p:clrMapOvr>
     <a:masterClrMapping/>
@@ -1382,18 +1314,12 @@
           <a:p>
             <a:fld id="{FAAB4DEA-DCF1-E64D-8B4D-F3341A63145D}" type="slidenum">
               <a:rPr lang="en-US" smtClean="0"/>
-              <a:t>7</a:t>
             </a:fld>
             <a:endParaRPr lang="en-US"/>
           </a:p>
         </p:txBody>
       </p:sp>
     </p:spTree>
-    <p:extLst>
-      <p:ext uri="{BB962C8B-B14F-4D97-AF65-F5344CB8AC3E}">
-        <p14:creationId xmlns:p14="http://schemas.microsoft.com/office/powerpoint/2010/main" val="1773724670"/>
-      </p:ext>
-    </p:extLst>
   </p:cSld>
   <p:clrMapOvr>
     <a:masterClrMapping/>
@@ -1466,18 +1392,12 @@
           <a:p>
             <a:fld id="{FAAB4DEA-DCF1-E64D-8B4D-F3341A63145D}" type="slidenum">
               <a:rPr lang="en-US" smtClean="0"/>
-              <a:t>8</a:t>
             </a:fld>
             <a:endParaRPr lang="en-US"/>
           </a:p>
         </p:txBody>
       </p:sp>
     </p:spTree>
-    <p:extLst>
-      <p:ext uri="{BB962C8B-B14F-4D97-AF65-F5344CB8AC3E}">
-        <p14:creationId xmlns:p14="http://schemas.microsoft.com/office/powerpoint/2010/main" val="2129573960"/>
-      </p:ext>
-    </p:extLst>
   </p:cSld>
   <p:clrMapOvr>
     <a:masterClrMapping/>
@@ -1550,18 +1470,12 @@
           <a:p>
             <a:fld id="{FAAB4DEA-DCF1-E64D-8B4D-F3341A63145D}" type="slidenum">
               <a:rPr lang="en-US" smtClean="0"/>
-              <a:t>9</a:t>
             </a:fld>
             <a:endParaRPr lang="en-US"/>
           </a:p>
         </p:txBody>
       </p:sp>
     </p:spTree>
-    <p:extLst>
-      <p:ext uri="{BB962C8B-B14F-4D97-AF65-F5344CB8AC3E}">
-        <p14:creationId xmlns:p14="http://schemas.microsoft.com/office/powerpoint/2010/main" val="569095700"/>
-      </p:ext>
-    </p:extLst>
   </p:cSld>
   <p:clrMapOvr>
     <a:masterClrMapping/>
@@ -1708,7 +1622,6 @@
           <a:p>
             <a:fld id="{5D7FFDE8-09C1-B048-A0D5-2EAEB84C6295}" type="datetimeFigureOut">
               <a:rPr lang="en-US" smtClean="0"/>
-              <a:t>8/8/18</a:t>
             </a:fld>
             <a:endParaRPr lang="en-US"/>
           </a:p>
@@ -1760,7 +1673,6 @@
           <a:p>
             <a:fld id="{15169FE7-F287-764F-B888-58B589607C0F}" type="slidenum">
               <a:rPr lang="en-US" smtClean="0"/>
-              <a:t>‹#›</a:t>
             </a:fld>
             <a:endParaRPr lang="en-US"/>
           </a:p>
@@ -1865,6 +1777,7 @@
               <a:rPr lang="en-US" smtClean="0"/>
               <a:t>Click to edit Master text styles</a:t>
             </a:r>
+            <a:endParaRPr lang="en-US" smtClean="0"/>
           </a:p>
           <a:p>
             <a:pPr lvl="1"/>
@@ -1872,6 +1785,7 @@
               <a:rPr lang="en-US" smtClean="0"/>
               <a:t>Second level</a:t>
             </a:r>
+            <a:endParaRPr lang="en-US" smtClean="0"/>
           </a:p>
           <a:p>
             <a:pPr lvl="2"/>
@@ -1879,6 +1793,7 @@
               <a:rPr lang="en-US" smtClean="0"/>
               <a:t>Third level</a:t>
             </a:r>
+            <a:endParaRPr lang="en-US" smtClean="0"/>
           </a:p>
           <a:p>
             <a:pPr lvl="3"/>
@@ -1886,6 +1801,7 @@
               <a:rPr lang="en-US" smtClean="0"/>
               <a:t>Fourth level</a:t>
             </a:r>
+            <a:endParaRPr lang="en-US" smtClean="0"/>
           </a:p>
           <a:p>
             <a:pPr lvl="4"/>
@@ -1914,7 +1830,6 @@
           <a:p>
             <a:fld id="{5D7FFDE8-09C1-B048-A0D5-2EAEB84C6295}" type="datetimeFigureOut">
               <a:rPr lang="en-US" smtClean="0"/>
-              <a:t>8/8/18</a:t>
             </a:fld>
             <a:endParaRPr lang="en-US"/>
           </a:p>
@@ -1956,7 +1871,6 @@
           <a:p>
             <a:fld id="{15169FE7-F287-764F-B888-58B589607C0F}" type="slidenum">
               <a:rPr lang="en-US" smtClean="0"/>
-              <a:t>‹#›</a:t>
             </a:fld>
             <a:endParaRPr lang="en-US"/>
           </a:p>
@@ -2075,6 +1989,7 @@
               <a:rPr lang="en-US" smtClean="0"/>
               <a:t>Click to edit Master text styles</a:t>
             </a:r>
+            <a:endParaRPr lang="en-US" smtClean="0"/>
           </a:p>
           <a:p>
             <a:pPr lvl="1"/>
@@ -2082,6 +1997,7 @@
               <a:rPr lang="en-US" smtClean="0"/>
               <a:t>Second level</a:t>
             </a:r>
+            <a:endParaRPr lang="en-US" smtClean="0"/>
           </a:p>
           <a:p>
             <a:pPr lvl="2"/>
@@ -2089,6 +2005,7 @@
               <a:rPr lang="en-US" smtClean="0"/>
               <a:t>Third level</a:t>
             </a:r>
+            <a:endParaRPr lang="en-US" smtClean="0"/>
           </a:p>
           <a:p>
             <a:pPr lvl="3"/>
@@ -2096,6 +2013,7 @@
               <a:rPr lang="en-US" smtClean="0"/>
               <a:t>Fourth level</a:t>
             </a:r>
+            <a:endParaRPr lang="en-US" smtClean="0"/>
           </a:p>
           <a:p>
             <a:pPr lvl="4"/>
@@ -2124,7 +2042,6 @@
           <a:p>
             <a:fld id="{5D7FFDE8-09C1-B048-A0D5-2EAEB84C6295}" type="datetimeFigureOut">
               <a:rPr lang="en-US" smtClean="0"/>
-              <a:t>8/8/18</a:t>
             </a:fld>
             <a:endParaRPr lang="en-US"/>
           </a:p>
@@ -2166,7 +2083,6 @@
           <a:p>
             <a:fld id="{15169FE7-F287-764F-B888-58B589607C0F}" type="slidenum">
               <a:rPr lang="en-US" smtClean="0"/>
-              <a:t>‹#›</a:t>
             </a:fld>
             <a:endParaRPr lang="en-US"/>
           </a:p>
@@ -2271,6 +2187,7 @@
               <a:rPr lang="en-US" smtClean="0"/>
               <a:t>Click to edit Master text styles</a:t>
             </a:r>
+            <a:endParaRPr lang="en-US" smtClean="0"/>
           </a:p>
           <a:p>
             <a:pPr lvl="1"/>
@@ -2278,6 +2195,7 @@
               <a:rPr lang="en-US" smtClean="0"/>
               <a:t>Second level</a:t>
             </a:r>
+            <a:endParaRPr lang="en-US" smtClean="0"/>
           </a:p>
           <a:p>
             <a:pPr lvl="2"/>
@@ -2285,6 +2203,7 @@
               <a:rPr lang="en-US" smtClean="0"/>
               <a:t>Third level</a:t>
             </a:r>
+            <a:endParaRPr lang="en-US" smtClean="0"/>
           </a:p>
           <a:p>
             <a:pPr lvl="3"/>
@@ -2292,6 +2211,7 @@
               <a:rPr lang="en-US" smtClean="0"/>
               <a:t>Fourth level</a:t>
             </a:r>
+            <a:endParaRPr lang="en-US" smtClean="0"/>
           </a:p>
           <a:p>
             <a:pPr lvl="4"/>
@@ -2320,7 +2240,6 @@
           <a:p>
             <a:fld id="{5D7FFDE8-09C1-B048-A0D5-2EAEB84C6295}" type="datetimeFigureOut">
               <a:rPr lang="en-US" smtClean="0"/>
-              <a:t>8/8/18</a:t>
             </a:fld>
             <a:endParaRPr lang="en-US"/>
           </a:p>
@@ -2362,7 +2281,6 @@
           <a:p>
             <a:fld id="{15169FE7-F287-764F-B888-58B589607C0F}" type="slidenum">
               <a:rPr lang="en-US" smtClean="0"/>
-              <a:t>‹#›</a:t>
             </a:fld>
             <a:endParaRPr lang="en-US"/>
           </a:p>
@@ -2574,6 +2492,7 @@
               <a:rPr lang="en-US" smtClean="0"/>
               <a:t>Click to edit Master text styles</a:t>
             </a:r>
+            <a:endParaRPr lang="en-US" smtClean="0"/>
           </a:p>
         </p:txBody>
       </p:sp>
@@ -2594,7 +2513,6 @@
           <a:p>
             <a:fld id="{5D7FFDE8-09C1-B048-A0D5-2EAEB84C6295}" type="datetimeFigureOut">
               <a:rPr lang="en-US" smtClean="0"/>
-              <a:t>8/8/18</a:t>
             </a:fld>
             <a:endParaRPr lang="en-US"/>
           </a:p>
@@ -2636,7 +2554,6 @@
           <a:p>
             <a:fld id="{15169FE7-F287-764F-B888-58B589607C0F}" type="slidenum">
               <a:rPr lang="en-US" smtClean="0"/>
-              <a:t>‹#›</a:t>
             </a:fld>
             <a:endParaRPr lang="en-US"/>
           </a:p>
@@ -2751,6 +2668,7 @@
               <a:rPr lang="en-US" smtClean="0"/>
               <a:t>Click to edit Master text styles</a:t>
             </a:r>
+            <a:endParaRPr lang="en-US" smtClean="0"/>
           </a:p>
           <a:p>
             <a:pPr lvl="1"/>
@@ -2758,6 +2676,7 @@
               <a:rPr lang="en-US" smtClean="0"/>
               <a:t>Second level</a:t>
             </a:r>
+            <a:endParaRPr lang="en-US" smtClean="0"/>
           </a:p>
           <a:p>
             <a:pPr lvl="2"/>
@@ -2765,6 +2684,7 @@
               <a:rPr lang="en-US" smtClean="0"/>
               <a:t>Third level</a:t>
             </a:r>
+            <a:endParaRPr lang="en-US" smtClean="0"/>
           </a:p>
           <a:p>
             <a:pPr lvl="3"/>
@@ -2772,6 +2692,7 @@
               <a:rPr lang="en-US" smtClean="0"/>
               <a:t>Fourth level</a:t>
             </a:r>
+            <a:endParaRPr lang="en-US" smtClean="0"/>
           </a:p>
           <a:p>
             <a:pPr lvl="4"/>
@@ -2808,6 +2729,7 @@
               <a:rPr lang="en-US" smtClean="0"/>
               <a:t>Click to edit Master text styles</a:t>
             </a:r>
+            <a:endParaRPr lang="en-US" smtClean="0"/>
           </a:p>
           <a:p>
             <a:pPr lvl="1"/>
@@ -2815,6 +2737,7 @@
               <a:rPr lang="en-US" smtClean="0"/>
               <a:t>Second level</a:t>
             </a:r>
+            <a:endParaRPr lang="en-US" smtClean="0"/>
           </a:p>
           <a:p>
             <a:pPr lvl="2"/>
@@ -2822,6 +2745,7 @@
               <a:rPr lang="en-US" smtClean="0"/>
               <a:t>Third level</a:t>
             </a:r>
+            <a:endParaRPr lang="en-US" smtClean="0"/>
           </a:p>
           <a:p>
             <a:pPr lvl="3"/>
@@ -2829,6 +2753,7 @@
               <a:rPr lang="en-US" smtClean="0"/>
               <a:t>Fourth level</a:t>
             </a:r>
+            <a:endParaRPr lang="en-US" smtClean="0"/>
           </a:p>
           <a:p>
             <a:pPr lvl="4"/>
@@ -2857,7 +2782,6 @@
           <a:p>
             <a:fld id="{5D7FFDE8-09C1-B048-A0D5-2EAEB84C6295}" type="datetimeFigureOut">
               <a:rPr lang="en-US" smtClean="0"/>
-              <a:t>8/8/18</a:t>
             </a:fld>
             <a:endParaRPr lang="en-US"/>
           </a:p>
@@ -2899,7 +2823,6 @@
           <a:p>
             <a:fld id="{15169FE7-F287-764F-B888-58B589607C0F}" type="slidenum">
               <a:rPr lang="en-US" smtClean="0"/>
-              <a:t>‹#›</a:t>
             </a:fld>
             <a:endParaRPr lang="en-US"/>
           </a:p>
@@ -3060,6 +2983,7 @@
               <a:rPr lang="en-US" smtClean="0"/>
               <a:t>Click to edit Master text styles</a:t>
             </a:r>
+            <a:endParaRPr lang="en-US" smtClean="0"/>
           </a:p>
         </p:txBody>
       </p:sp>
@@ -3088,6 +3012,7 @@
               <a:rPr lang="en-US" smtClean="0"/>
               <a:t>Click to edit Master text styles</a:t>
             </a:r>
+            <a:endParaRPr lang="en-US" smtClean="0"/>
           </a:p>
           <a:p>
             <a:pPr lvl="1"/>
@@ -3095,6 +3020,7 @@
               <a:rPr lang="en-US" smtClean="0"/>
               <a:t>Second level</a:t>
             </a:r>
+            <a:endParaRPr lang="en-US" smtClean="0"/>
           </a:p>
           <a:p>
             <a:pPr lvl="2"/>
@@ -3102,6 +3028,7 @@
               <a:rPr lang="en-US" smtClean="0"/>
               <a:t>Third level</a:t>
             </a:r>
+            <a:endParaRPr lang="en-US" smtClean="0"/>
           </a:p>
           <a:p>
             <a:pPr lvl="3"/>
@@ -3109,6 +3036,7 @@
               <a:rPr lang="en-US" smtClean="0"/>
               <a:t>Fourth level</a:t>
             </a:r>
+            <a:endParaRPr lang="en-US" smtClean="0"/>
           </a:p>
           <a:p>
             <a:pPr lvl="4"/>
@@ -3191,6 +3119,7 @@
               <a:rPr lang="en-US" smtClean="0"/>
               <a:t>Click to edit Master text styles</a:t>
             </a:r>
+            <a:endParaRPr lang="en-US" smtClean="0"/>
           </a:p>
         </p:txBody>
       </p:sp>
@@ -3219,6 +3148,7 @@
               <a:rPr lang="en-US" smtClean="0"/>
               <a:t>Click to edit Master text styles</a:t>
             </a:r>
+            <a:endParaRPr lang="en-US" smtClean="0"/>
           </a:p>
           <a:p>
             <a:pPr lvl="1"/>
@@ -3226,6 +3156,7 @@
               <a:rPr lang="en-US" smtClean="0"/>
               <a:t>Second level</a:t>
             </a:r>
+            <a:endParaRPr lang="en-US" smtClean="0"/>
           </a:p>
           <a:p>
             <a:pPr lvl="2"/>
@@ -3233,6 +3164,7 @@
               <a:rPr lang="en-US" smtClean="0"/>
               <a:t>Third level</a:t>
             </a:r>
+            <a:endParaRPr lang="en-US" smtClean="0"/>
           </a:p>
           <a:p>
             <a:pPr lvl="3"/>
@@ -3240,6 +3172,7 @@
               <a:rPr lang="en-US" smtClean="0"/>
               <a:t>Fourth level</a:t>
             </a:r>
+            <a:endParaRPr lang="en-US" smtClean="0"/>
           </a:p>
           <a:p>
             <a:pPr lvl="4"/>
@@ -3268,7 +3201,6 @@
           <a:p>
             <a:fld id="{5D7FFDE8-09C1-B048-A0D5-2EAEB84C6295}" type="datetimeFigureOut">
               <a:rPr lang="en-US" smtClean="0"/>
-              <a:t>8/8/18</a:t>
             </a:fld>
             <a:endParaRPr lang="en-US"/>
           </a:p>
@@ -3310,7 +3242,6 @@
           <a:p>
             <a:fld id="{15169FE7-F287-764F-B888-58B589607C0F}" type="slidenum">
               <a:rPr lang="en-US" smtClean="0"/>
-              <a:t>‹#›</a:t>
             </a:fld>
             <a:endParaRPr lang="en-US"/>
           </a:p>
@@ -3412,7 +3343,6 @@
           <a:p>
             <a:fld id="{5D7FFDE8-09C1-B048-A0D5-2EAEB84C6295}" type="datetimeFigureOut">
               <a:rPr lang="en-US" smtClean="0"/>
-              <a:t>8/8/18</a:t>
             </a:fld>
             <a:endParaRPr lang="en-US"/>
           </a:p>
@@ -3454,7 +3384,6 @@
           <a:p>
             <a:fld id="{15169FE7-F287-764F-B888-58B589607C0F}" type="slidenum">
               <a:rPr lang="en-US" smtClean="0"/>
-              <a:t>‹#›</a:t>
             </a:fld>
             <a:endParaRPr lang="en-US"/>
           </a:p>
@@ -3533,7 +3462,6 @@
           <a:p>
             <a:fld id="{5D7FFDE8-09C1-B048-A0D5-2EAEB84C6295}" type="datetimeFigureOut">
               <a:rPr lang="en-US" smtClean="0"/>
-              <a:t>8/8/18</a:t>
             </a:fld>
             <a:endParaRPr lang="en-US"/>
           </a:p>
@@ -3575,7 +3503,6 @@
           <a:p>
             <a:fld id="{15169FE7-F287-764F-B888-58B589607C0F}" type="slidenum">
               <a:rPr lang="en-US" smtClean="0"/>
-              <a:t>‹#›</a:t>
             </a:fld>
             <a:endParaRPr lang="en-US"/>
           </a:p>
@@ -3665,6 +3592,7 @@
               <a:rPr lang="en-US" smtClean="0"/>
               <a:t>Click to edit Master text styles</a:t>
             </a:r>
+            <a:endParaRPr lang="en-US" smtClean="0"/>
           </a:p>
           <a:p>
             <a:pPr lvl="1"/>
@@ -3672,6 +3600,7 @@
               <a:rPr lang="en-US" smtClean="0"/>
               <a:t>Second level</a:t>
             </a:r>
+            <a:endParaRPr lang="en-US" smtClean="0"/>
           </a:p>
           <a:p>
             <a:pPr lvl="2"/>
@@ -3679,6 +3608,7 @@
               <a:rPr lang="en-US" smtClean="0"/>
               <a:t>Third level</a:t>
             </a:r>
+            <a:endParaRPr lang="en-US" smtClean="0"/>
           </a:p>
           <a:p>
             <a:pPr lvl="3"/>
@@ -3686,6 +3616,7 @@
               <a:rPr lang="en-US" smtClean="0"/>
               <a:t>Fourth level</a:t>
             </a:r>
+            <a:endParaRPr lang="en-US" smtClean="0"/>
           </a:p>
           <a:p>
             <a:pPr lvl="4"/>
@@ -3759,6 +3690,7 @@
               <a:rPr lang="en-US" smtClean="0"/>
               <a:t>Click to edit Master text styles</a:t>
             </a:r>
+            <a:endParaRPr lang="en-US" smtClean="0"/>
           </a:p>
         </p:txBody>
       </p:sp>
@@ -3779,7 +3711,6 @@
           <a:p>
             <a:fld id="{5D7FFDE8-09C1-B048-A0D5-2EAEB84C6295}" type="datetimeFigureOut">
               <a:rPr lang="en-US" smtClean="0"/>
-              <a:t>8/8/18</a:t>
             </a:fld>
             <a:endParaRPr lang="en-US"/>
           </a:p>
@@ -3821,7 +3752,6 @@
           <a:p>
             <a:fld id="{15169FE7-F287-764F-B888-58B589607C0F}" type="slidenum">
               <a:rPr lang="en-US" smtClean="0"/>
-              <a:t>‹#›</a:t>
             </a:fld>
             <a:endParaRPr lang="en-US"/>
           </a:p>
@@ -4058,7 +3988,7 @@
             <a:spLocks noGrp="1" noChangeAspect="1"/>
           </p:cNvSpPr>
           <p:nvPr>
-            <p:ph type="pic" idx="1"/>
+            <p:ph type="pic" idx="1" hasCustomPrompt="1"/>
           </p:nvPr>
         </p:nvSpPr>
         <p:spPr>
@@ -4190,6 +4120,7 @@
               <a:rPr lang="en-US" smtClean="0"/>
               <a:t>Click to edit Master text styles</a:t>
             </a:r>
+            <a:endParaRPr lang="en-US" smtClean="0"/>
           </a:p>
         </p:txBody>
       </p:sp>
@@ -4219,7 +4150,6 @@
           <a:p>
             <a:fld id="{5D7FFDE8-09C1-B048-A0D5-2EAEB84C6295}" type="datetimeFigureOut">
               <a:rPr lang="en-US" smtClean="0"/>
-              <a:t>8/8/18</a:t>
             </a:fld>
             <a:endParaRPr lang="en-US"/>
           </a:p>
@@ -4266,7 +4196,6 @@
           <a:p>
             <a:fld id="{15169FE7-F287-764F-B888-58B589607C0F}" type="slidenum">
               <a:rPr lang="en-US" smtClean="0"/>
-              <a:t>‹#›</a:t>
             </a:fld>
             <a:endParaRPr lang="en-US"/>
           </a:p>
@@ -4391,7 +4320,7 @@
           <p:nvPr/>
         </p:nvPicPr>
         <p:blipFill rotWithShape="1">
-          <a:blip r:embed="rId13">
+          <a:blip r:embed="rId12">
             <a:extLst>
               <a:ext uri="{28A0092B-C50C-407E-A947-70E740481C1C}">
                 <a14:useLocalDpi xmlns:a14="http://schemas.microsoft.com/office/drawing/2010/main" val="0"/>
@@ -4399,7 +4328,9 @@
             </a:extLst>
           </a:blip>
           <a:srcRect t="1538" b="-1538"/>
-          <a:stretch/>
+          <a:stretch>
+            <a:fillRect/>
+          </a:stretch>
         </p:blipFill>
         <p:spPr bwMode="black">
           <a:xfrm>
@@ -4474,6 +4405,7 @@
               <a:rPr lang="en-US" dirty="0"/>
               <a:t>Edit Master text styles</a:t>
             </a:r>
+            <a:endParaRPr lang="en-US" dirty="0"/>
           </a:p>
           <a:p>
             <a:pPr lvl="1"/>
@@ -4481,6 +4413,7 @@
               <a:rPr lang="en-US" dirty="0"/>
               <a:t>Second level</a:t>
             </a:r>
+            <a:endParaRPr lang="en-US" dirty="0"/>
           </a:p>
           <a:p>
             <a:pPr lvl="2"/>
@@ -4488,6 +4421,7 @@
               <a:rPr lang="en-US" dirty="0"/>
               <a:t>Third level</a:t>
             </a:r>
+            <a:endParaRPr lang="en-US" dirty="0"/>
           </a:p>
           <a:p>
             <a:pPr lvl="3"/>
@@ -4495,6 +4429,7 @@
               <a:rPr lang="en-US" dirty="0"/>
               <a:t>Fourth level</a:t>
             </a:r>
+            <a:endParaRPr lang="en-US" dirty="0"/>
           </a:p>
           <a:p>
             <a:pPr lvl="4"/>
@@ -4502,6 +4437,7 @@
               <a:rPr lang="en-US" dirty="0"/>
               <a:t>Fifth level</a:t>
             </a:r>
+            <a:endParaRPr lang="en-US" dirty="0"/>
           </a:p>
         </p:txBody>
       </p:sp>
@@ -4540,7 +4476,6 @@
           <a:p>
             <a:fld id="{5D7FFDE8-09C1-B048-A0D5-2EAEB84C6295}" type="datetimeFigureOut">
               <a:rPr lang="en-US" smtClean="0"/>
-              <a:t>8/8/18</a:t>
             </a:fld>
             <a:endParaRPr lang="en-US"/>
           </a:p>
@@ -4616,7 +4551,6 @@
           <a:p>
             <a:fld id="{15169FE7-F287-764F-B888-58B589607C0F}" type="slidenum">
               <a:rPr lang="en-US" smtClean="0"/>
-              <a:t>‹#›</a:t>
             </a:fld>
             <a:endParaRPr lang="en-US"/>
           </a:p>
@@ -4660,25 +4594,20 @@
         </p:style>
       </p:cxnSp>
     </p:spTree>
-    <p:extLst>
-      <p:ext uri="{BB962C8B-B14F-4D97-AF65-F5344CB8AC3E}">
-        <p14:creationId xmlns:p14="http://schemas.microsoft.com/office/powerpoint/2010/main" val="2030580430"/>
-      </p:ext>
-    </p:extLst>
   </p:cSld>
   <p:clrMap bg1="lt1" tx1="dk1" bg2="lt2" tx2="dk2" accent1="accent1" accent2="accent2" accent3="accent3" accent4="accent4" accent5="accent5" accent6="accent6" hlink="hlink" folHlink="folHlink"/>
   <p:sldLayoutIdLst>
-    <p:sldLayoutId id="2147483661" r:id="rId1"/>
-    <p:sldLayoutId id="2147483662" r:id="rId2"/>
-    <p:sldLayoutId id="2147483663" r:id="rId3"/>
-    <p:sldLayoutId id="2147483664" r:id="rId4"/>
-    <p:sldLayoutId id="2147483665" r:id="rId5"/>
-    <p:sldLayoutId id="2147483666" r:id="rId6"/>
-    <p:sldLayoutId id="2147483667" r:id="rId7"/>
-    <p:sldLayoutId id="2147483668" r:id="rId8"/>
-    <p:sldLayoutId id="2147483669" r:id="rId9"/>
-    <p:sldLayoutId id="2147483670" r:id="rId10"/>
-    <p:sldLayoutId id="2147483671" r:id="rId11"/>
+    <p:sldLayoutId id="2147483649" r:id="rId1"/>
+    <p:sldLayoutId id="2147483650" r:id="rId2"/>
+    <p:sldLayoutId id="2147483651" r:id="rId3"/>
+    <p:sldLayoutId id="2147483652" r:id="rId4"/>
+    <p:sldLayoutId id="2147483653" r:id="rId5"/>
+    <p:sldLayoutId id="2147483654" r:id="rId6"/>
+    <p:sldLayoutId id="2147483655" r:id="rId7"/>
+    <p:sldLayoutId id="2147483656" r:id="rId8"/>
+    <p:sldLayoutId id="2147483657" r:id="rId9"/>
+    <p:sldLayoutId id="2147483658" r:id="rId10"/>
+    <p:sldLayoutId id="2147483659" r:id="rId11"/>
   </p:sldLayoutIdLst>
   <p:txStyles>
     <p:titleStyle>
@@ -5048,24 +4977,24 @@
           <a:p>
             <a:r>
               <a:rPr lang="en-US" altLang="zh-CN" dirty="0" err="1" smtClean="0">
-                <a:latin typeface="Microsoft YaHei" charset="-122"/>
-                <a:ea typeface="Microsoft YaHei" charset="-122"/>
-                <a:cs typeface="Microsoft YaHei" charset="-122"/>
+                <a:latin typeface="微软雅黑" panose="020B0503020204020204" charset="-122"/>
+                <a:ea typeface="微软雅黑" panose="020B0503020204020204" charset="-122"/>
+                <a:cs typeface="微软雅黑" panose="020B0503020204020204" charset="-122"/>
               </a:rPr>
               <a:t>Php</a:t>
             </a:r>
             <a:r>
               <a:rPr lang="zh-CN" altLang="en-US" dirty="0" smtClean="0">
-                <a:latin typeface="Microsoft YaHei" charset="-122"/>
-                <a:ea typeface="Microsoft YaHei" charset="-122"/>
-                <a:cs typeface="Microsoft YaHei" charset="-122"/>
+                <a:latin typeface="微软雅黑" panose="020B0503020204020204" charset="-122"/>
+                <a:ea typeface="微软雅黑" panose="020B0503020204020204" charset="-122"/>
+                <a:cs typeface="微软雅黑" panose="020B0503020204020204" charset="-122"/>
               </a:rPr>
               <a:t>文件操作</a:t>
             </a:r>
             <a:endParaRPr lang="en-US" dirty="0">
-              <a:latin typeface="Microsoft YaHei" charset="-122"/>
-              <a:ea typeface="Microsoft YaHei" charset="-122"/>
-              <a:cs typeface="Microsoft YaHei" charset="-122"/>
+              <a:latin typeface="微软雅黑" panose="020B0503020204020204" charset="-122"/>
+              <a:ea typeface="微软雅黑" panose="020B0503020204020204" charset="-122"/>
+              <a:cs typeface="微软雅黑" panose="020B0503020204020204" charset="-122"/>
             </a:endParaRPr>
           </a:p>
         </p:txBody>
@@ -5089,71 +5018,66 @@
           <a:p>
             <a:r>
               <a:rPr lang="zh-CN" altLang="en-US" dirty="0" smtClean="0">
-                <a:latin typeface="Microsoft YaHei Light" charset="-122"/>
-                <a:ea typeface="Microsoft YaHei Light" charset="-122"/>
-                <a:cs typeface="Microsoft YaHei Light" charset="-122"/>
+                <a:latin typeface="微软雅黑 Light" panose="020B0502040204020203" charset="-122"/>
+                <a:ea typeface="微软雅黑 Light" panose="020B0502040204020203" charset="-122"/>
+                <a:cs typeface="微软雅黑 Light" panose="020B0502040204020203" charset="-122"/>
               </a:rPr>
               <a:t>打开文件</a:t>
             </a:r>
             <a:endParaRPr lang="en-US" altLang="zh-CN" dirty="0" smtClean="0">
-              <a:latin typeface="Microsoft YaHei Light" charset="-122"/>
-              <a:ea typeface="Microsoft YaHei Light" charset="-122"/>
-              <a:cs typeface="Microsoft YaHei Light" charset="-122"/>
+              <a:latin typeface="微软雅黑 Light" panose="020B0502040204020203" charset="-122"/>
+              <a:ea typeface="微软雅黑 Light" panose="020B0502040204020203" charset="-122"/>
+              <a:cs typeface="微软雅黑 Light" panose="020B0502040204020203" charset="-122"/>
             </a:endParaRPr>
           </a:p>
           <a:p>
             <a:r>
               <a:rPr lang="zh-CN" altLang="en-US" dirty="0" smtClean="0">
-                <a:latin typeface="Microsoft YaHei Light" charset="-122"/>
-                <a:ea typeface="Microsoft YaHei Light" charset="-122"/>
-                <a:cs typeface="Microsoft YaHei Light" charset="-122"/>
+                <a:latin typeface="微软雅黑 Light" panose="020B0502040204020203" charset="-122"/>
+                <a:ea typeface="微软雅黑 Light" panose="020B0502040204020203" charset="-122"/>
+                <a:cs typeface="微软雅黑 Light" panose="020B0502040204020203" charset="-122"/>
               </a:rPr>
               <a:t>读取文件</a:t>
             </a:r>
             <a:endParaRPr lang="en-US" altLang="zh-CN" dirty="0" smtClean="0">
-              <a:latin typeface="Microsoft YaHei Light" charset="-122"/>
-              <a:ea typeface="Microsoft YaHei Light" charset="-122"/>
-              <a:cs typeface="Microsoft YaHei Light" charset="-122"/>
+              <a:latin typeface="微软雅黑 Light" panose="020B0502040204020203" charset="-122"/>
+              <a:ea typeface="微软雅黑 Light" panose="020B0502040204020203" charset="-122"/>
+              <a:cs typeface="微软雅黑 Light" panose="020B0502040204020203" charset="-122"/>
             </a:endParaRPr>
           </a:p>
           <a:p>
             <a:r>
               <a:rPr lang="zh-CN" altLang="en-US" dirty="0" smtClean="0">
-                <a:latin typeface="Microsoft YaHei Light" charset="-122"/>
-                <a:ea typeface="Microsoft YaHei Light" charset="-122"/>
-                <a:cs typeface="Microsoft YaHei Light" charset="-122"/>
+                <a:latin typeface="微软雅黑 Light" panose="020B0502040204020203" charset="-122"/>
+                <a:ea typeface="微软雅黑 Light" panose="020B0502040204020203" charset="-122"/>
+                <a:cs typeface="微软雅黑 Light" panose="020B0502040204020203" charset="-122"/>
               </a:rPr>
               <a:t>写入文件</a:t>
             </a:r>
             <a:endParaRPr lang="en-US" altLang="zh-CN" dirty="0" smtClean="0">
-              <a:latin typeface="Microsoft YaHei Light" charset="-122"/>
-              <a:ea typeface="Microsoft YaHei Light" charset="-122"/>
-              <a:cs typeface="Microsoft YaHei Light" charset="-122"/>
+              <a:latin typeface="微软雅黑 Light" panose="020B0502040204020203" charset="-122"/>
+              <a:ea typeface="微软雅黑 Light" panose="020B0502040204020203" charset="-122"/>
+              <a:cs typeface="微软雅黑 Light" panose="020B0502040204020203" charset="-122"/>
             </a:endParaRPr>
           </a:p>
           <a:p>
             <a:r>
               <a:rPr lang="zh-CN" altLang="en-US" dirty="0" smtClean="0">
-                <a:latin typeface="Microsoft YaHei Light" charset="-122"/>
-                <a:ea typeface="Microsoft YaHei Light" charset="-122"/>
-                <a:cs typeface="Microsoft YaHei Light" charset="-122"/>
+                <a:latin typeface="微软雅黑 Light" panose="020B0502040204020203" charset="-122"/>
+                <a:ea typeface="微软雅黑 Light" panose="020B0502040204020203" charset="-122"/>
+                <a:cs typeface="微软雅黑 Light" panose="020B0502040204020203" charset="-122"/>
               </a:rPr>
               <a:t>关闭文件</a:t>
             </a:r>
             <a:endParaRPr lang="en-US" altLang="zh-CN" dirty="0" smtClean="0">
-              <a:latin typeface="Microsoft YaHei Light" charset="-122"/>
-              <a:ea typeface="Microsoft YaHei Light" charset="-122"/>
-              <a:cs typeface="Microsoft YaHei Light" charset="-122"/>
+              <a:latin typeface="微软雅黑 Light" panose="020B0502040204020203" charset="-122"/>
+              <a:ea typeface="微软雅黑 Light" panose="020B0502040204020203" charset="-122"/>
+              <a:cs typeface="微软雅黑 Light" panose="020B0502040204020203" charset="-122"/>
             </a:endParaRPr>
           </a:p>
         </p:txBody>
       </p:sp>
     </p:spTree>
-    <p:extLst>
-      <p:ext uri="{BB962C8B-B14F-4D97-AF65-F5344CB8AC3E}">
-        <p14:creationId xmlns:p14="http://schemas.microsoft.com/office/powerpoint/2010/main" val="878319544"/>
-      </p:ext>
-    </p:extLst>
   </p:cSld>
   <p:clrMapOvr>
     <a:masterClrMapping/>
@@ -5207,16 +5131,16 @@
           <a:p>
             <a:r>
               <a:rPr lang="en-US" dirty="0" err="1" smtClean="0">
-                <a:latin typeface="Microsoft YaHei" charset="-122"/>
-                <a:ea typeface="Microsoft YaHei" charset="-122"/>
-                <a:cs typeface="Microsoft YaHei" charset="-122"/>
+                <a:latin typeface="微软雅黑" panose="020B0503020204020204" charset="-122"/>
+                <a:ea typeface="微软雅黑" panose="020B0503020204020204" charset="-122"/>
+                <a:cs typeface="微软雅黑" panose="020B0503020204020204" charset="-122"/>
               </a:rPr>
               <a:t>File_put_contents</a:t>
             </a:r>
             <a:endParaRPr lang="en-US" dirty="0">
-              <a:latin typeface="Microsoft YaHei" charset="-122"/>
-              <a:ea typeface="Microsoft YaHei" charset="-122"/>
-              <a:cs typeface="Microsoft YaHei" charset="-122"/>
+              <a:latin typeface="微软雅黑" panose="020B0503020204020204" charset="-122"/>
+              <a:ea typeface="微软雅黑" panose="020B0503020204020204" charset="-122"/>
+              <a:cs typeface="微软雅黑" panose="020B0503020204020204" charset="-122"/>
             </a:endParaRPr>
           </a:p>
         </p:txBody>
@@ -5251,36 +5175,41 @@
             </a:pPr>
             <a:r>
               <a:rPr lang="en-US" altLang="zh-CN" dirty="0" err="1">
-                <a:latin typeface="Microsoft YaHei Light" charset="-122"/>
-                <a:ea typeface="Microsoft YaHei Light" charset="-122"/>
-                <a:cs typeface="Microsoft YaHei Light" charset="-122"/>
+                <a:latin typeface="微软雅黑 Light" panose="020B0502040204020203" charset="-122"/>
+                <a:ea typeface="微软雅黑 Light" panose="020B0502040204020203" charset="-122"/>
+                <a:cs typeface="微软雅黑 Light" panose="020B0502040204020203" charset="-122"/>
               </a:rPr>
               <a:t>file_put_contents</a:t>
             </a:r>
             <a:r>
               <a:rPr lang="en-US" altLang="zh-CN" dirty="0">
-                <a:latin typeface="Microsoft YaHei Light" charset="-122"/>
-                <a:ea typeface="Microsoft YaHei Light" charset="-122"/>
-                <a:cs typeface="Microsoft YaHei Light" charset="-122"/>
+                <a:latin typeface="微软雅黑 Light" panose="020B0502040204020203" charset="-122"/>
+                <a:ea typeface="微软雅黑 Light" panose="020B0502040204020203" charset="-122"/>
+                <a:cs typeface="微软雅黑 Light" panose="020B0502040204020203" charset="-122"/>
               </a:rPr>
               <a:t>(</a:t>
             </a:r>
             <a:r>
               <a:rPr lang="en-US" altLang="zh-CN" dirty="0" err="1">
-                <a:latin typeface="Microsoft YaHei Light" charset="-122"/>
-                <a:ea typeface="Microsoft YaHei Light" charset="-122"/>
-                <a:cs typeface="Microsoft YaHei Light" charset="-122"/>
+                <a:latin typeface="微软雅黑 Light" panose="020B0502040204020203" charset="-122"/>
+                <a:ea typeface="微软雅黑 Light" panose="020B0502040204020203" charset="-122"/>
+                <a:cs typeface="微软雅黑 Light" panose="020B0502040204020203" charset="-122"/>
               </a:rPr>
               <a:t>file,data,mode,context</a:t>
             </a:r>
             <a:r>
               <a:rPr lang="en-US" altLang="zh-CN" dirty="0" smtClean="0">
-                <a:latin typeface="Microsoft YaHei Light" charset="-122"/>
-                <a:ea typeface="Microsoft YaHei Light" charset="-122"/>
-                <a:cs typeface="Microsoft YaHei Light" charset="-122"/>
+                <a:latin typeface="微软雅黑 Light" panose="020B0502040204020203" charset="-122"/>
+                <a:ea typeface="微软雅黑 Light" panose="020B0502040204020203" charset="-122"/>
+                <a:cs typeface="微软雅黑 Light" panose="020B0502040204020203" charset="-122"/>
               </a:rPr>
               <a:t>)</a:t>
             </a:r>
+            <a:endParaRPr lang="en-US" altLang="zh-CN" dirty="0" smtClean="0">
+              <a:latin typeface="微软雅黑 Light" panose="020B0502040204020203" charset="-122"/>
+              <a:ea typeface="微软雅黑 Light" panose="020B0502040204020203" charset="-122"/>
+              <a:cs typeface="微软雅黑 Light" panose="020B0502040204020203" charset="-122"/>
+            </a:endParaRPr>
           </a:p>
           <a:p>
             <a:pPr marL="0" lvl="0" indent="0">
@@ -5296,34 +5225,29 @@
             </a:pPr>
             <a:r>
               <a:rPr lang="zh-CN" altLang="en-US" dirty="0" smtClean="0">
-                <a:latin typeface="Microsoft YaHei Light" charset="-122"/>
-                <a:ea typeface="Microsoft YaHei Light" charset="-122"/>
-                <a:cs typeface="Microsoft YaHei Light" charset="-122"/>
+                <a:latin typeface="微软雅黑 Light" panose="020B0502040204020203" charset="-122"/>
+                <a:ea typeface="微软雅黑 Light" panose="020B0502040204020203" charset="-122"/>
+                <a:cs typeface="微软雅黑 Light" panose="020B0502040204020203" charset="-122"/>
               </a:rPr>
               <a:t>函数</a:t>
             </a:r>
             <a:r>
               <a:rPr lang="zh-CN" altLang="en-US" dirty="0">
-                <a:latin typeface="Microsoft YaHei Light" charset="-122"/>
-                <a:ea typeface="Microsoft YaHei Light" charset="-122"/>
-                <a:cs typeface="Microsoft YaHei Light" charset="-122"/>
+                <a:latin typeface="微软雅黑 Light" panose="020B0502040204020203" charset="-122"/>
+                <a:ea typeface="微软雅黑 Light" panose="020B0502040204020203" charset="-122"/>
+                <a:cs typeface="微软雅黑 Light" panose="020B0502040204020203" charset="-122"/>
               </a:rPr>
               <a:t>把一个字符串写入文件中。 后两个参数可选，如果文件不存在，将会创建一个文件，成功返回字节数量</a:t>
             </a:r>
             <a:endParaRPr lang="en-US" altLang="zh-CN" dirty="0" smtClean="0">
-              <a:latin typeface="Microsoft YaHei Light" charset="-122"/>
-              <a:ea typeface="Microsoft YaHei Light" charset="-122"/>
-              <a:cs typeface="Microsoft YaHei Light" charset="-122"/>
+              <a:latin typeface="微软雅黑 Light" panose="020B0502040204020203" charset="-122"/>
+              <a:ea typeface="微软雅黑 Light" panose="020B0502040204020203" charset="-122"/>
+              <a:cs typeface="微软雅黑 Light" panose="020B0502040204020203" charset="-122"/>
             </a:endParaRPr>
           </a:p>
         </p:txBody>
       </p:sp>
     </p:spTree>
-    <p:extLst>
-      <p:ext uri="{BB962C8B-B14F-4D97-AF65-F5344CB8AC3E}">
-        <p14:creationId xmlns:p14="http://schemas.microsoft.com/office/powerpoint/2010/main" val="2046749809"/>
-      </p:ext>
-    </p:extLst>
   </p:cSld>
   <p:clrMapOvr>
     <a:masterClrMapping/>
@@ -5377,16 +5301,16 @@
           <a:p>
             <a:r>
               <a:rPr lang="zh-CN" altLang="en-US" dirty="0">
-                <a:latin typeface="Microsoft YaHei" charset="-122"/>
-                <a:ea typeface="Microsoft YaHei" charset="-122"/>
-                <a:cs typeface="Microsoft YaHei" charset="-122"/>
+                <a:latin typeface="微软雅黑" panose="020B0503020204020204" charset="-122"/>
+                <a:ea typeface="微软雅黑" panose="020B0503020204020204" charset="-122"/>
+                <a:cs typeface="微软雅黑" panose="020B0503020204020204" charset="-122"/>
               </a:rPr>
               <a:t>其他文件操作函数</a:t>
             </a:r>
             <a:endParaRPr lang="en-US" dirty="0">
-              <a:latin typeface="Microsoft YaHei" charset="-122"/>
-              <a:ea typeface="Microsoft YaHei" charset="-122"/>
-              <a:cs typeface="Microsoft YaHei" charset="-122"/>
+              <a:latin typeface="微软雅黑" panose="020B0503020204020204" charset="-122"/>
+              <a:ea typeface="微软雅黑" panose="020B0503020204020204" charset="-122"/>
+              <a:cs typeface="微软雅黑" panose="020B0503020204020204" charset="-122"/>
             </a:endParaRPr>
           </a:p>
         </p:txBody>
@@ -5404,386 +5328,443 @@
         <p:spPr/>
         <p:txBody>
           <a:bodyPr>
-            <a:normAutofit fontScale="92500"/>
+            <a:normAutofit fontScale="92500" lnSpcReduction="20000"/>
           </a:bodyPr>
           <a:lstStyle/>
           <a:p>
             <a:r>
               <a:rPr lang="en-US" altLang="zh-CN" dirty="0" err="1">
-                <a:latin typeface="Microsoft YaHei Light" charset="-122"/>
-                <a:ea typeface="Microsoft YaHei Light" charset="-122"/>
-                <a:cs typeface="Microsoft YaHei Light" charset="-122"/>
+                <a:solidFill>
+                  <a:srgbClr val="0070C0"/>
+                </a:solidFill>
+                <a:latin typeface="微软雅黑 Light" panose="020B0502040204020203" charset="-122"/>
+                <a:ea typeface="微软雅黑 Light" panose="020B0502040204020203" charset="-122"/>
+                <a:cs typeface="微软雅黑 Light" panose="020B0502040204020203" charset="-122"/>
               </a:rPr>
               <a:t>filesize</a:t>
             </a:r>
             <a:r>
               <a:rPr lang="en-US" altLang="zh-CN" dirty="0">
-                <a:latin typeface="Microsoft YaHei Light" charset="-122"/>
-                <a:ea typeface="Microsoft YaHei Light" charset="-122"/>
-                <a:cs typeface="Microsoft YaHei Light" charset="-122"/>
+                <a:solidFill>
+                  <a:srgbClr val="0070C0"/>
+                </a:solidFill>
+                <a:latin typeface="微软雅黑 Light" panose="020B0502040204020203" charset="-122"/>
+                <a:ea typeface="微软雅黑 Light" panose="020B0502040204020203" charset="-122"/>
+                <a:cs typeface="微软雅黑 Light" panose="020B0502040204020203" charset="-122"/>
+              </a:rPr>
+              <a:t>()</a:t>
+            </a:r>
+            <a:r>
+              <a:rPr lang="en-US" altLang="zh-CN" dirty="0">
+                <a:latin typeface="微软雅黑 Light" panose="020B0502040204020203" charset="-122"/>
+                <a:ea typeface="微软雅黑 Light" panose="020B0502040204020203" charset="-122"/>
+                <a:cs typeface="微软雅黑 Light" panose="020B0502040204020203" charset="-122"/>
+              </a:rPr>
+              <a:t> </a:t>
+            </a:r>
+            <a:r>
+              <a:rPr lang="zh-CN" altLang="en-US" dirty="0">
+                <a:latin typeface="微软雅黑 Light" panose="020B0502040204020203" charset="-122"/>
+                <a:ea typeface="微软雅黑 Light" panose="020B0502040204020203" charset="-122"/>
+                <a:cs typeface="微软雅黑 Light" panose="020B0502040204020203" charset="-122"/>
+              </a:rPr>
+              <a:t>取得文件的大小，以字节为单位</a:t>
+            </a:r>
+            <a:r>
+              <a:rPr lang="zh-CN" altLang="en-US" dirty="0" smtClean="0">
+                <a:latin typeface="微软雅黑 Light" panose="020B0502040204020203" charset="-122"/>
+                <a:ea typeface="微软雅黑 Light" panose="020B0502040204020203" charset="-122"/>
+                <a:cs typeface="微软雅黑 Light" panose="020B0502040204020203" charset="-122"/>
+              </a:rPr>
+              <a:t>。</a:t>
+            </a:r>
+            <a:endParaRPr lang="en-US" altLang="zh-CN" dirty="0" smtClean="0">
+              <a:latin typeface="微软雅黑 Light" panose="020B0502040204020203" charset="-122"/>
+              <a:ea typeface="微软雅黑 Light" panose="020B0502040204020203" charset="-122"/>
+              <a:cs typeface="微软雅黑 Light" panose="020B0502040204020203" charset="-122"/>
+            </a:endParaRPr>
+          </a:p>
+          <a:p>
+            <a:r>
+              <a:rPr lang="en-US" altLang="zh-CN" dirty="0" err="1" smtClean="0">
+                <a:latin typeface="微软雅黑 Light" panose="020B0502040204020203" charset="-122"/>
+                <a:ea typeface="微软雅黑 Light" panose="020B0502040204020203" charset="-122"/>
+                <a:cs typeface="微软雅黑 Light" panose="020B0502040204020203" charset="-122"/>
+              </a:rPr>
+              <a:t>filectime</a:t>
+            </a:r>
+            <a:r>
+              <a:rPr lang="en-US" altLang="zh-CN" dirty="0">
+                <a:latin typeface="微软雅黑 Light" panose="020B0502040204020203" charset="-122"/>
+                <a:ea typeface="微软雅黑 Light" panose="020B0502040204020203" charset="-122"/>
+                <a:cs typeface="微软雅黑 Light" panose="020B0502040204020203" charset="-122"/>
               </a:rPr>
               <a:t>() </a:t>
             </a:r>
             <a:r>
               <a:rPr lang="zh-CN" altLang="en-US" dirty="0">
-                <a:latin typeface="Microsoft YaHei Light" charset="-122"/>
-                <a:ea typeface="Microsoft YaHei Light" charset="-122"/>
-                <a:cs typeface="Microsoft YaHei Light" charset="-122"/>
-              </a:rPr>
-              <a:t>取得文件的大小，以字节为单位</a:t>
+                <a:latin typeface="微软雅黑 Light" panose="020B0502040204020203" charset="-122"/>
+                <a:ea typeface="微软雅黑 Light" panose="020B0502040204020203" charset="-122"/>
+                <a:cs typeface="微软雅黑 Light" panose="020B0502040204020203" charset="-122"/>
+              </a:rPr>
+              <a:t>获取指定文件最后修改时间</a:t>
+            </a:r>
+            <a:r>
+              <a:rPr lang="en-US" altLang="zh-CN" dirty="0">
+                <a:latin typeface="微软雅黑 Light" panose="020B0502040204020203" charset="-122"/>
+                <a:ea typeface="微软雅黑 Light" panose="020B0502040204020203" charset="-122"/>
+                <a:cs typeface="微软雅黑 Light" panose="020B0502040204020203" charset="-122"/>
+              </a:rPr>
+              <a:t>,</a:t>
+            </a:r>
+            <a:r>
+              <a:rPr lang="zh-CN" altLang="en-US" dirty="0">
+                <a:latin typeface="微软雅黑 Light" panose="020B0502040204020203" charset="-122"/>
+                <a:ea typeface="微软雅黑 Light" panose="020B0502040204020203" charset="-122"/>
+                <a:cs typeface="微软雅黑 Light" panose="020B0502040204020203" charset="-122"/>
+              </a:rPr>
+              <a:t>单位为</a:t>
+            </a:r>
+            <a:r>
+              <a:rPr lang="en-US" altLang="zh-CN" dirty="0">
+                <a:latin typeface="微软雅黑 Light" panose="020B0502040204020203" charset="-122"/>
+                <a:ea typeface="微软雅黑 Light" panose="020B0502040204020203" charset="-122"/>
+                <a:cs typeface="微软雅黑 Light" panose="020B0502040204020203" charset="-122"/>
+              </a:rPr>
+              <a:t>s</a:t>
             </a:r>
             <a:r>
               <a:rPr lang="zh-CN" altLang="en-US" dirty="0" smtClean="0">
-                <a:latin typeface="Microsoft YaHei Light" charset="-122"/>
-                <a:ea typeface="Microsoft YaHei Light" charset="-122"/>
-                <a:cs typeface="Microsoft YaHei Light" charset="-122"/>
+                <a:latin typeface="微软雅黑 Light" panose="020B0502040204020203" charset="-122"/>
+                <a:ea typeface="微软雅黑 Light" panose="020B0502040204020203" charset="-122"/>
+                <a:cs typeface="微软雅黑 Light" panose="020B0502040204020203" charset="-122"/>
               </a:rPr>
               <a:t>。</a:t>
             </a:r>
             <a:endParaRPr lang="en-US" altLang="zh-CN" dirty="0" smtClean="0">
-              <a:latin typeface="Microsoft YaHei Light" charset="-122"/>
-              <a:ea typeface="Microsoft YaHei Light" charset="-122"/>
-              <a:cs typeface="Microsoft YaHei Light" charset="-122"/>
+              <a:latin typeface="微软雅黑 Light" panose="020B0502040204020203" charset="-122"/>
+              <a:ea typeface="微软雅黑 Light" panose="020B0502040204020203" charset="-122"/>
+              <a:cs typeface="微软雅黑 Light" panose="020B0502040204020203" charset="-122"/>
             </a:endParaRPr>
           </a:p>
           <a:p>
             <a:r>
               <a:rPr lang="en-US" altLang="zh-CN" dirty="0" err="1" smtClean="0">
-                <a:latin typeface="Microsoft YaHei Light" charset="-122"/>
-                <a:ea typeface="Microsoft YaHei Light" charset="-122"/>
-                <a:cs typeface="Microsoft YaHei Light" charset="-122"/>
-              </a:rPr>
-              <a:t>filectime</a:t>
+                <a:latin typeface="微软雅黑 Light" panose="020B0502040204020203" charset="-122"/>
+                <a:ea typeface="微软雅黑 Light" panose="020B0502040204020203" charset="-122"/>
+                <a:cs typeface="微软雅黑 Light" panose="020B0502040204020203" charset="-122"/>
+              </a:rPr>
+              <a:t>fileatime</a:t>
             </a:r>
             <a:r>
               <a:rPr lang="en-US" altLang="zh-CN" dirty="0">
-                <a:latin typeface="Microsoft YaHei Light" charset="-122"/>
-                <a:ea typeface="Microsoft YaHei Light" charset="-122"/>
-                <a:cs typeface="Microsoft YaHei Light" charset="-122"/>
+                <a:latin typeface="微软雅黑 Light" panose="020B0502040204020203" charset="-122"/>
+                <a:ea typeface="微软雅黑 Light" panose="020B0502040204020203" charset="-122"/>
+                <a:cs typeface="微软雅黑 Light" panose="020B0502040204020203" charset="-122"/>
               </a:rPr>
               <a:t>() </a:t>
             </a:r>
             <a:r>
               <a:rPr lang="zh-CN" altLang="en-US" dirty="0">
-                <a:latin typeface="Microsoft YaHei Light" charset="-122"/>
-                <a:ea typeface="Microsoft YaHei Light" charset="-122"/>
-                <a:cs typeface="Microsoft YaHei Light" charset="-122"/>
-              </a:rPr>
-              <a:t>获取指定文件最后修改时间</a:t>
+                <a:latin typeface="微软雅黑 Light" panose="020B0502040204020203" charset="-122"/>
+                <a:ea typeface="微软雅黑 Light" panose="020B0502040204020203" charset="-122"/>
+                <a:cs typeface="微软雅黑 Light" panose="020B0502040204020203" charset="-122"/>
+              </a:rPr>
+              <a:t>获取文件最后访问的时间</a:t>
+            </a:r>
+            <a:r>
+              <a:rPr lang="zh-CN" altLang="en-US" dirty="0" smtClean="0">
+                <a:latin typeface="微软雅黑 Light" panose="020B0502040204020203" charset="-122"/>
+                <a:ea typeface="微软雅黑 Light" panose="020B0502040204020203" charset="-122"/>
+                <a:cs typeface="微软雅黑 Light" panose="020B0502040204020203" charset="-122"/>
+              </a:rPr>
+              <a:t>。</a:t>
+            </a:r>
+            <a:endParaRPr lang="en-US" altLang="zh-CN" dirty="0" smtClean="0">
+              <a:latin typeface="微软雅黑 Light" panose="020B0502040204020203" charset="-122"/>
+              <a:ea typeface="微软雅黑 Light" panose="020B0502040204020203" charset="-122"/>
+              <a:cs typeface="微软雅黑 Light" panose="020B0502040204020203" charset="-122"/>
+            </a:endParaRPr>
+          </a:p>
+          <a:p>
+            <a:r>
+              <a:rPr lang="en-US" altLang="zh-CN" dirty="0" err="1" smtClean="0">
+                <a:latin typeface="微软雅黑 Light" panose="020B0502040204020203" charset="-122"/>
+                <a:ea typeface="微软雅黑 Light" panose="020B0502040204020203" charset="-122"/>
+                <a:cs typeface="微软雅黑 Light" panose="020B0502040204020203" charset="-122"/>
+              </a:rPr>
+              <a:t>filemtime</a:t>
             </a:r>
             <a:r>
               <a:rPr lang="en-US" altLang="zh-CN" dirty="0">
-                <a:latin typeface="Microsoft YaHei Light" charset="-122"/>
-                <a:ea typeface="Microsoft YaHei Light" charset="-122"/>
-                <a:cs typeface="Microsoft YaHei Light" charset="-122"/>
-              </a:rPr>
-              <a:t>,</a:t>
+                <a:latin typeface="微软雅黑 Light" panose="020B0502040204020203" charset="-122"/>
+                <a:ea typeface="微软雅黑 Light" panose="020B0502040204020203" charset="-122"/>
+                <a:cs typeface="微软雅黑 Light" panose="020B0502040204020203" charset="-122"/>
+              </a:rPr>
+              <a:t>() </a:t>
             </a:r>
             <a:r>
               <a:rPr lang="zh-CN" altLang="en-US" dirty="0">
-                <a:latin typeface="Microsoft YaHei Light" charset="-122"/>
-                <a:ea typeface="Microsoft YaHei Light" charset="-122"/>
-                <a:cs typeface="Microsoft YaHei Light" charset="-122"/>
-              </a:rPr>
-              <a:t>单位为</a:t>
+                <a:latin typeface="微软雅黑 Light" panose="020B0502040204020203" charset="-122"/>
+                <a:ea typeface="微软雅黑 Light" panose="020B0502040204020203" charset="-122"/>
+                <a:cs typeface="微软雅黑 Light" panose="020B0502040204020203" charset="-122"/>
+              </a:rPr>
+              <a:t>获取文件内容最后修改时间</a:t>
+            </a:r>
+            <a:r>
+              <a:rPr lang="zh-CN" altLang="en-US" dirty="0" smtClean="0">
+                <a:latin typeface="微软雅黑 Light" panose="020B0502040204020203" charset="-122"/>
+                <a:ea typeface="微软雅黑 Light" panose="020B0502040204020203" charset="-122"/>
+                <a:cs typeface="微软雅黑 Light" panose="020B0502040204020203" charset="-122"/>
+              </a:rPr>
+              <a:t>。</a:t>
+            </a:r>
+            <a:endParaRPr lang="en-US" altLang="zh-CN" dirty="0" smtClean="0">
+              <a:latin typeface="微软雅黑 Light" panose="020B0502040204020203" charset="-122"/>
+              <a:ea typeface="微软雅黑 Light" panose="020B0502040204020203" charset="-122"/>
+              <a:cs typeface="微软雅黑 Light" panose="020B0502040204020203" charset="-122"/>
+            </a:endParaRPr>
+          </a:p>
+          <a:p>
+            <a:r>
+              <a:rPr lang="en-US" altLang="zh-CN" dirty="0" err="1" smtClean="0">
+                <a:solidFill>
+                  <a:srgbClr val="0070C0"/>
+                </a:solidFill>
+                <a:latin typeface="微软雅黑 Light" panose="020B0502040204020203" charset="-122"/>
+                <a:ea typeface="微软雅黑 Light" panose="020B0502040204020203" charset="-122"/>
+                <a:cs typeface="微软雅黑 Light" panose="020B0502040204020203" charset="-122"/>
+              </a:rPr>
+              <a:t>file_exists</a:t>
             </a:r>
             <a:r>
               <a:rPr lang="en-US" altLang="zh-CN" dirty="0">
-                <a:latin typeface="Microsoft YaHei Light" charset="-122"/>
-                <a:ea typeface="Microsoft YaHei Light" charset="-122"/>
-                <a:cs typeface="Microsoft YaHei Light" charset="-122"/>
-              </a:rPr>
-              <a:t>s</a:t>
+                <a:solidFill>
+                  <a:srgbClr val="0070C0"/>
+                </a:solidFill>
+                <a:latin typeface="微软雅黑 Light" panose="020B0502040204020203" charset="-122"/>
+                <a:ea typeface="微软雅黑 Light" panose="020B0502040204020203" charset="-122"/>
+                <a:cs typeface="微软雅黑 Light" panose="020B0502040204020203" charset="-122"/>
+              </a:rPr>
+              <a:t>()</a:t>
+            </a:r>
+            <a:r>
+              <a:rPr lang="en-US" altLang="zh-CN" dirty="0">
+                <a:latin typeface="微软雅黑 Light" panose="020B0502040204020203" charset="-122"/>
+                <a:ea typeface="微软雅黑 Light" panose="020B0502040204020203" charset="-122"/>
+                <a:cs typeface="微软雅黑 Light" panose="020B0502040204020203" charset="-122"/>
+              </a:rPr>
+              <a:t> </a:t>
+            </a:r>
+            <a:r>
+              <a:rPr lang="zh-CN" altLang="en-US" dirty="0">
+                <a:latin typeface="微软雅黑 Light" panose="020B0502040204020203" charset="-122"/>
+                <a:ea typeface="微软雅黑 Light" panose="020B0502040204020203" charset="-122"/>
+                <a:cs typeface="微软雅黑 Light" panose="020B0502040204020203" charset="-122"/>
+              </a:rPr>
+              <a:t>检查文件或目录</a:t>
+            </a:r>
+            <a:r>
+              <a:rPr lang="zh-CN" altLang="en-US" dirty="0">
+                <a:latin typeface="微软雅黑 Light" panose="020B0502040204020203" charset="-122"/>
+                <a:ea typeface="微软雅黑 Light" panose="020B0502040204020203" charset="-122"/>
+                <a:cs typeface="微软雅黑 Light" panose="020B0502040204020203" charset="-122"/>
+              </a:rPr>
+              <a:t>是否存在，存在返回</a:t>
+            </a:r>
+            <a:r>
+              <a:rPr lang="en-US" altLang="zh-CN" dirty="0">
+                <a:latin typeface="微软雅黑 Light" panose="020B0502040204020203" charset="-122"/>
+                <a:ea typeface="微软雅黑 Light" panose="020B0502040204020203" charset="-122"/>
+                <a:cs typeface="微软雅黑 Light" panose="020B0502040204020203" charset="-122"/>
+              </a:rPr>
+              <a:t>true</a:t>
+            </a:r>
+            <a:r>
+              <a:rPr lang="zh-CN" altLang="en-US" dirty="0">
+                <a:latin typeface="微软雅黑 Light" panose="020B0502040204020203" charset="-122"/>
+                <a:ea typeface="微软雅黑 Light" panose="020B0502040204020203" charset="-122"/>
+                <a:cs typeface="微软雅黑 Light" panose="020B0502040204020203" charset="-122"/>
+              </a:rPr>
+              <a:t>否则返回</a:t>
+            </a:r>
+            <a:r>
+              <a:rPr lang="en-US" altLang="zh-CN" dirty="0">
+                <a:latin typeface="微软雅黑 Light" panose="020B0502040204020203" charset="-122"/>
+                <a:ea typeface="微软雅黑 Light" panose="020B0502040204020203" charset="-122"/>
+                <a:cs typeface="微软雅黑 Light" panose="020B0502040204020203" charset="-122"/>
+              </a:rPr>
+              <a:t>false</a:t>
             </a:r>
             <a:r>
               <a:rPr lang="zh-CN" altLang="en-US" dirty="0" smtClean="0">
-                <a:latin typeface="Microsoft YaHei Light" charset="-122"/>
-                <a:ea typeface="Microsoft YaHei Light" charset="-122"/>
-                <a:cs typeface="Microsoft YaHei Light" charset="-122"/>
+                <a:latin typeface="微软雅黑 Light" panose="020B0502040204020203" charset="-122"/>
+                <a:ea typeface="微软雅黑 Light" panose="020B0502040204020203" charset="-122"/>
+                <a:cs typeface="微软雅黑 Light" panose="020B0502040204020203" charset="-122"/>
               </a:rPr>
               <a:t>。</a:t>
             </a:r>
+            <a:endParaRPr lang="zh-CN" altLang="en-US" dirty="0" smtClean="0">
+              <a:latin typeface="微软雅黑 Light" panose="020B0502040204020203" charset="-122"/>
+              <a:ea typeface="微软雅黑 Light" panose="020B0502040204020203" charset="-122"/>
+              <a:cs typeface="微软雅黑 Light" panose="020B0502040204020203" charset="-122"/>
+            </a:endParaRPr>
+          </a:p>
+          <a:p>
+            <a:r>
+              <a:rPr lang="en-US" altLang="zh-CN" dirty="0" smtClean="0">
+                <a:solidFill>
+                  <a:srgbClr val="0070C0"/>
+                </a:solidFill>
+                <a:latin typeface="微软雅黑 Light" panose="020B0502040204020203" charset="-122"/>
+                <a:ea typeface="微软雅黑 Light" panose="020B0502040204020203" charset="-122"/>
+                <a:cs typeface="微软雅黑 Light" panose="020B0502040204020203" charset="-122"/>
+              </a:rPr>
+              <a:t>mkdir()</a:t>
+            </a:r>
+            <a:r>
+              <a:rPr lang="zh-CN" altLang="en-US" dirty="0" smtClean="0">
+                <a:latin typeface="微软雅黑 Light" panose="020B0502040204020203" charset="-122"/>
+                <a:ea typeface="微软雅黑 Light" panose="020B0502040204020203" charset="-122"/>
+                <a:cs typeface="微软雅黑 Light" panose="020B0502040204020203" charset="-122"/>
+              </a:rPr>
+              <a:t>创建目录</a:t>
+            </a:r>
             <a:endParaRPr lang="en-US" altLang="zh-CN" dirty="0" smtClean="0">
-              <a:latin typeface="Microsoft YaHei Light" charset="-122"/>
-              <a:ea typeface="Microsoft YaHei Light" charset="-122"/>
-              <a:cs typeface="Microsoft YaHei Light" charset="-122"/>
+              <a:latin typeface="微软雅黑 Light" panose="020B0502040204020203" charset="-122"/>
+              <a:ea typeface="微软雅黑 Light" panose="020B0502040204020203" charset="-122"/>
+              <a:cs typeface="微软雅黑 Light" panose="020B0502040204020203" charset="-122"/>
             </a:endParaRPr>
           </a:p>
           <a:p>
             <a:r>
               <a:rPr lang="en-US" altLang="zh-CN" dirty="0" err="1" smtClean="0">
-                <a:latin typeface="Microsoft YaHei Light" charset="-122"/>
-                <a:ea typeface="Microsoft YaHei Light" charset="-122"/>
-                <a:cs typeface="Microsoft YaHei Light" charset="-122"/>
-              </a:rPr>
-              <a:t>fileatime</a:t>
+                <a:latin typeface="微软雅黑 Light" panose="020B0502040204020203" charset="-122"/>
+                <a:ea typeface="微软雅黑 Light" panose="020B0502040204020203" charset="-122"/>
+                <a:cs typeface="微软雅黑 Light" panose="020B0502040204020203" charset="-122"/>
+              </a:rPr>
+              <a:t>is_readable</a:t>
             </a:r>
             <a:r>
               <a:rPr lang="en-US" altLang="zh-CN" dirty="0">
-                <a:latin typeface="Microsoft YaHei Light" charset="-122"/>
-                <a:ea typeface="Microsoft YaHei Light" charset="-122"/>
-                <a:cs typeface="Microsoft YaHei Light" charset="-122"/>
+                <a:latin typeface="微软雅黑 Light" panose="020B0502040204020203" charset="-122"/>
+                <a:ea typeface="微软雅黑 Light" panose="020B0502040204020203" charset="-122"/>
+                <a:cs typeface="微软雅黑 Light" panose="020B0502040204020203" charset="-122"/>
               </a:rPr>
               <a:t>() </a:t>
             </a:r>
             <a:r>
               <a:rPr lang="zh-CN" altLang="en-US" dirty="0">
-                <a:latin typeface="Microsoft YaHei Light" charset="-122"/>
-                <a:ea typeface="Microsoft YaHei Light" charset="-122"/>
-                <a:cs typeface="Microsoft YaHei Light" charset="-122"/>
-              </a:rPr>
-              <a:t>获取文件最后访问的时间</a:t>
+                <a:latin typeface="微软雅黑 Light" panose="020B0502040204020203" charset="-122"/>
+                <a:ea typeface="微软雅黑 Light" panose="020B0502040204020203" charset="-122"/>
+                <a:cs typeface="微软雅黑 Light" panose="020B0502040204020203" charset="-122"/>
+              </a:rPr>
+              <a:t>判断文件是否可读，如果文件存在并且可读，存在返回</a:t>
+            </a:r>
+            <a:r>
+              <a:rPr lang="en-US" altLang="zh-CN" dirty="0">
+                <a:latin typeface="微软雅黑 Light" panose="020B0502040204020203" charset="-122"/>
+                <a:ea typeface="微软雅黑 Light" panose="020B0502040204020203" charset="-122"/>
+                <a:cs typeface="微软雅黑 Light" panose="020B0502040204020203" charset="-122"/>
+              </a:rPr>
+              <a:t>true</a:t>
+            </a:r>
+            <a:r>
+              <a:rPr lang="zh-CN" altLang="en-US" dirty="0">
+                <a:latin typeface="微软雅黑 Light" panose="020B0502040204020203" charset="-122"/>
+                <a:ea typeface="微软雅黑 Light" panose="020B0502040204020203" charset="-122"/>
+                <a:cs typeface="微软雅黑 Light" panose="020B0502040204020203" charset="-122"/>
+              </a:rPr>
+              <a:t>否则返回</a:t>
+            </a:r>
+            <a:r>
+              <a:rPr lang="en-US" altLang="zh-CN" dirty="0">
+                <a:latin typeface="微软雅黑 Light" panose="020B0502040204020203" charset="-122"/>
+                <a:ea typeface="微软雅黑 Light" panose="020B0502040204020203" charset="-122"/>
+                <a:cs typeface="微软雅黑 Light" panose="020B0502040204020203" charset="-122"/>
+              </a:rPr>
+              <a:t>false</a:t>
             </a:r>
             <a:r>
               <a:rPr lang="zh-CN" altLang="en-US" dirty="0" smtClean="0">
-                <a:latin typeface="Microsoft YaHei Light" charset="-122"/>
-                <a:ea typeface="Microsoft YaHei Light" charset="-122"/>
-                <a:cs typeface="Microsoft YaHei Light" charset="-122"/>
+                <a:latin typeface="微软雅黑 Light" panose="020B0502040204020203" charset="-122"/>
+                <a:ea typeface="微软雅黑 Light" panose="020B0502040204020203" charset="-122"/>
+                <a:cs typeface="微软雅黑 Light" panose="020B0502040204020203" charset="-122"/>
               </a:rPr>
               <a:t>。</a:t>
             </a:r>
             <a:endParaRPr lang="en-US" altLang="zh-CN" dirty="0" smtClean="0">
-              <a:latin typeface="Microsoft YaHei Light" charset="-122"/>
-              <a:ea typeface="Microsoft YaHei Light" charset="-122"/>
-              <a:cs typeface="Microsoft YaHei Light" charset="-122"/>
+              <a:latin typeface="微软雅黑 Light" panose="020B0502040204020203" charset="-122"/>
+              <a:ea typeface="微软雅黑 Light" panose="020B0502040204020203" charset="-122"/>
+              <a:cs typeface="微软雅黑 Light" panose="020B0502040204020203" charset="-122"/>
             </a:endParaRPr>
           </a:p>
           <a:p>
             <a:r>
               <a:rPr lang="en-US" altLang="zh-CN" dirty="0" err="1" smtClean="0">
-                <a:latin typeface="Microsoft YaHei Light" charset="-122"/>
-                <a:ea typeface="Microsoft YaHei Light" charset="-122"/>
-                <a:cs typeface="Microsoft YaHei Light" charset="-122"/>
-              </a:rPr>
-              <a:t>filemtime</a:t>
+                <a:latin typeface="微软雅黑 Light" panose="020B0502040204020203" charset="-122"/>
+                <a:ea typeface="微软雅黑 Light" panose="020B0502040204020203" charset="-122"/>
+                <a:cs typeface="微软雅黑 Light" panose="020B0502040204020203" charset="-122"/>
+              </a:rPr>
+              <a:t>is_writable</a:t>
             </a:r>
             <a:r>
               <a:rPr lang="en-US" altLang="zh-CN" dirty="0">
-                <a:latin typeface="Microsoft YaHei Light" charset="-122"/>
-                <a:ea typeface="Microsoft YaHei Light" charset="-122"/>
-                <a:cs typeface="Microsoft YaHei Light" charset="-122"/>
+                <a:latin typeface="微软雅黑 Light" panose="020B0502040204020203" charset="-122"/>
+                <a:ea typeface="微软雅黑 Light" panose="020B0502040204020203" charset="-122"/>
+                <a:cs typeface="微软雅黑 Light" panose="020B0502040204020203" charset="-122"/>
               </a:rPr>
               <a:t>() </a:t>
             </a:r>
             <a:r>
               <a:rPr lang="zh-CN" altLang="en-US" dirty="0">
-                <a:latin typeface="Microsoft YaHei Light" charset="-122"/>
-                <a:ea typeface="Microsoft YaHei Light" charset="-122"/>
-                <a:cs typeface="Microsoft YaHei Light" charset="-122"/>
-              </a:rPr>
-              <a:t>获取文件内容最后修改时间</a:t>
-            </a:r>
-            <a:r>
-              <a:rPr lang="zh-CN" altLang="en-US" dirty="0" smtClean="0">
-                <a:latin typeface="Microsoft YaHei Light" charset="-122"/>
-                <a:ea typeface="Microsoft YaHei Light" charset="-122"/>
-                <a:cs typeface="Microsoft YaHei Light" charset="-122"/>
+                <a:latin typeface="微软雅黑 Light" panose="020B0502040204020203" charset="-122"/>
+                <a:ea typeface="微软雅黑 Light" panose="020B0502040204020203" charset="-122"/>
+                <a:cs typeface="微软雅黑 Light" panose="020B0502040204020203" charset="-122"/>
+              </a:rPr>
+              <a:t>判断文件是否可写，如果文件存在并且可写，存在返回</a:t>
+            </a:r>
+            <a:r>
+              <a:rPr lang="en-US" altLang="zh-CN" dirty="0">
+                <a:latin typeface="微软雅黑 Light" panose="020B0502040204020203" charset="-122"/>
+                <a:ea typeface="微软雅黑 Light" panose="020B0502040204020203" charset="-122"/>
+                <a:cs typeface="微软雅黑 Light" panose="020B0502040204020203" charset="-122"/>
+              </a:rPr>
+              <a:t>true</a:t>
+            </a:r>
+            <a:r>
+              <a:rPr lang="zh-CN" altLang="en-US" dirty="0">
+                <a:latin typeface="微软雅黑 Light" panose="020B0502040204020203" charset="-122"/>
+                <a:ea typeface="微软雅黑 Light" panose="020B0502040204020203" charset="-122"/>
+                <a:cs typeface="微软雅黑 Light" panose="020B0502040204020203" charset="-122"/>
+              </a:rPr>
+              <a:t>否则返回</a:t>
+            </a:r>
+            <a:r>
+              <a:rPr lang="en-US" altLang="zh-CN" dirty="0">
+                <a:latin typeface="微软雅黑 Light" panose="020B0502040204020203" charset="-122"/>
+                <a:ea typeface="微软雅黑 Light" panose="020B0502040204020203" charset="-122"/>
+                <a:cs typeface="微软雅黑 Light" panose="020B0502040204020203" charset="-122"/>
+              </a:rPr>
+              <a:t>false</a:t>
+            </a:r>
+            <a:r>
+              <a:rPr lang="zh-CN" altLang="en-US" dirty="0">
+                <a:latin typeface="微软雅黑 Light" panose="020B0502040204020203" charset="-122"/>
+                <a:ea typeface="微软雅黑 Light" panose="020B0502040204020203" charset="-122"/>
+                <a:cs typeface="微软雅黑 Light" panose="020B0502040204020203" charset="-122"/>
               </a:rPr>
               <a:t>。</a:t>
             </a:r>
             <a:endParaRPr lang="en-US" altLang="zh-CN" dirty="0" smtClean="0">
-              <a:latin typeface="Microsoft YaHei Light" charset="-122"/>
-              <a:ea typeface="Microsoft YaHei Light" charset="-122"/>
-              <a:cs typeface="Microsoft YaHei Light" charset="-122"/>
+              <a:latin typeface="微软雅黑 Light" panose="020B0502040204020203" charset="-122"/>
+              <a:ea typeface="微软雅黑 Light" panose="020B0502040204020203" charset="-122"/>
+              <a:cs typeface="微软雅黑 Light" panose="020B0502040204020203" charset="-122"/>
             </a:endParaRPr>
           </a:p>
-          <a:p>
-            <a:r>
-              <a:rPr lang="en-US" altLang="zh-CN" dirty="0" err="1" smtClean="0">
-                <a:latin typeface="Microsoft YaHei Light" charset="-122"/>
-                <a:ea typeface="Microsoft YaHei Light" charset="-122"/>
-                <a:cs typeface="Microsoft YaHei Light" charset="-122"/>
-              </a:rPr>
-              <a:t>file_exists</a:t>
-            </a:r>
-            <a:r>
-              <a:rPr lang="en-US" altLang="zh-CN" dirty="0">
-                <a:latin typeface="Microsoft YaHei Light" charset="-122"/>
-                <a:ea typeface="Microsoft YaHei Light" charset="-122"/>
-                <a:cs typeface="Microsoft YaHei Light" charset="-122"/>
-              </a:rPr>
-              <a:t>() </a:t>
-            </a:r>
-            <a:r>
-              <a:rPr lang="zh-CN" altLang="en-US" dirty="0">
-                <a:latin typeface="Microsoft YaHei Light" charset="-122"/>
-                <a:ea typeface="Microsoft YaHei Light" charset="-122"/>
-                <a:cs typeface="Microsoft YaHei Light" charset="-122"/>
-              </a:rPr>
-              <a:t>检查文件是否存在，存在返回</a:t>
-            </a:r>
-            <a:r>
-              <a:rPr lang="en-US" altLang="zh-CN" dirty="0">
-                <a:latin typeface="Microsoft YaHei Light" charset="-122"/>
-                <a:ea typeface="Microsoft YaHei Light" charset="-122"/>
-                <a:cs typeface="Microsoft YaHei Light" charset="-122"/>
-              </a:rPr>
-              <a:t>true</a:t>
-            </a:r>
-            <a:r>
-              <a:rPr lang="zh-CN" altLang="en-US" dirty="0">
-                <a:latin typeface="Microsoft YaHei Light" charset="-122"/>
-                <a:ea typeface="Microsoft YaHei Light" charset="-122"/>
-                <a:cs typeface="Microsoft YaHei Light" charset="-122"/>
-              </a:rPr>
-              <a:t>否则返回</a:t>
-            </a:r>
-            <a:r>
-              <a:rPr lang="en-US" altLang="zh-CN" dirty="0">
-                <a:latin typeface="Microsoft YaHei Light" charset="-122"/>
-                <a:ea typeface="Microsoft YaHei Light" charset="-122"/>
-                <a:cs typeface="Microsoft YaHei Light" charset="-122"/>
-              </a:rPr>
-              <a:t>false</a:t>
-            </a:r>
-            <a:r>
-              <a:rPr lang="zh-CN" altLang="en-US" dirty="0" smtClean="0">
-                <a:latin typeface="Microsoft YaHei Light" charset="-122"/>
-                <a:ea typeface="Microsoft YaHei Light" charset="-122"/>
-                <a:cs typeface="Microsoft YaHei Light" charset="-122"/>
-              </a:rPr>
-              <a:t>。</a:t>
-            </a:r>
-            <a:endParaRPr lang="en-US" altLang="zh-CN" dirty="0" smtClean="0">
-              <a:latin typeface="Microsoft YaHei Light" charset="-122"/>
-              <a:ea typeface="Microsoft YaHei Light" charset="-122"/>
-              <a:cs typeface="Microsoft YaHei Light" charset="-122"/>
-            </a:endParaRPr>
-          </a:p>
-          <a:p>
-            <a:r>
-              <a:rPr lang="en-US" altLang="zh-CN" dirty="0" err="1" smtClean="0">
-                <a:latin typeface="Microsoft YaHei Light" charset="-122"/>
-                <a:ea typeface="Microsoft YaHei Light" charset="-122"/>
-                <a:cs typeface="Microsoft YaHei Light" charset="-122"/>
-              </a:rPr>
-              <a:t>is_readable</a:t>
-            </a:r>
-            <a:r>
-              <a:rPr lang="en-US" altLang="zh-CN" dirty="0">
-                <a:latin typeface="Microsoft YaHei Light" charset="-122"/>
-                <a:ea typeface="Microsoft YaHei Light" charset="-122"/>
-                <a:cs typeface="Microsoft YaHei Light" charset="-122"/>
-              </a:rPr>
-              <a:t>() </a:t>
-            </a:r>
-            <a:r>
-              <a:rPr lang="zh-CN" altLang="en-US" dirty="0">
-                <a:latin typeface="Microsoft YaHei Light" charset="-122"/>
-                <a:ea typeface="Microsoft YaHei Light" charset="-122"/>
-                <a:cs typeface="Microsoft YaHei Light" charset="-122"/>
-              </a:rPr>
-              <a:t>判断文件是否可读，如果文件存在并且可读，存在返回</a:t>
-            </a:r>
-            <a:r>
-              <a:rPr lang="en-US" altLang="zh-CN" dirty="0">
-                <a:latin typeface="Microsoft YaHei Light" charset="-122"/>
-                <a:ea typeface="Microsoft YaHei Light" charset="-122"/>
-                <a:cs typeface="Microsoft YaHei Light" charset="-122"/>
-              </a:rPr>
-              <a:t>true</a:t>
-            </a:r>
-            <a:r>
-              <a:rPr lang="zh-CN" altLang="en-US" dirty="0">
-                <a:latin typeface="Microsoft YaHei Light" charset="-122"/>
-                <a:ea typeface="Microsoft YaHei Light" charset="-122"/>
-                <a:cs typeface="Microsoft YaHei Light" charset="-122"/>
-              </a:rPr>
-              <a:t>否则返回</a:t>
-            </a:r>
-            <a:r>
-              <a:rPr lang="en-US" altLang="zh-CN" dirty="0">
-                <a:latin typeface="Microsoft YaHei Light" charset="-122"/>
-                <a:ea typeface="Microsoft YaHei Light" charset="-122"/>
-                <a:cs typeface="Microsoft YaHei Light" charset="-122"/>
-              </a:rPr>
-              <a:t>false</a:t>
-            </a:r>
-            <a:r>
-              <a:rPr lang="zh-CN" altLang="en-US" dirty="0" smtClean="0">
-                <a:latin typeface="Microsoft YaHei Light" charset="-122"/>
-                <a:ea typeface="Microsoft YaHei Light" charset="-122"/>
-                <a:cs typeface="Microsoft YaHei Light" charset="-122"/>
-              </a:rPr>
-              <a:t>。</a:t>
-            </a:r>
-            <a:endParaRPr lang="en-US" altLang="zh-CN" dirty="0" smtClean="0">
-              <a:latin typeface="Microsoft YaHei Light" charset="-122"/>
-              <a:ea typeface="Microsoft YaHei Light" charset="-122"/>
-              <a:cs typeface="Microsoft YaHei Light" charset="-122"/>
-            </a:endParaRPr>
-          </a:p>
-          <a:p>
-            <a:r>
-              <a:rPr lang="en-US" altLang="zh-CN" dirty="0" err="1" smtClean="0">
-                <a:latin typeface="Microsoft YaHei Light" charset="-122"/>
-                <a:ea typeface="Microsoft YaHei Light" charset="-122"/>
-                <a:cs typeface="Microsoft YaHei Light" charset="-122"/>
-              </a:rPr>
-              <a:t>is_writable</a:t>
-            </a:r>
-            <a:r>
-              <a:rPr lang="en-US" altLang="zh-CN" dirty="0">
-                <a:latin typeface="Microsoft YaHei Light" charset="-122"/>
-                <a:ea typeface="Microsoft YaHei Light" charset="-122"/>
-                <a:cs typeface="Microsoft YaHei Light" charset="-122"/>
-              </a:rPr>
-              <a:t>() </a:t>
-            </a:r>
-            <a:r>
-              <a:rPr lang="zh-CN" altLang="en-US" dirty="0">
-                <a:latin typeface="Microsoft YaHei Light" charset="-122"/>
-                <a:ea typeface="Microsoft YaHei Light" charset="-122"/>
-                <a:cs typeface="Microsoft YaHei Light" charset="-122"/>
-              </a:rPr>
-              <a:t>判断文件是否可写，如果文件存在并且可写，存在返回</a:t>
-            </a:r>
-            <a:r>
-              <a:rPr lang="en-US" altLang="zh-CN" dirty="0">
-                <a:latin typeface="Microsoft YaHei Light" charset="-122"/>
-                <a:ea typeface="Microsoft YaHei Light" charset="-122"/>
-                <a:cs typeface="Microsoft YaHei Light" charset="-122"/>
-              </a:rPr>
-              <a:t>true</a:t>
-            </a:r>
-            <a:r>
-              <a:rPr lang="zh-CN" altLang="en-US" dirty="0">
-                <a:latin typeface="Microsoft YaHei Light" charset="-122"/>
-                <a:ea typeface="Microsoft YaHei Light" charset="-122"/>
-                <a:cs typeface="Microsoft YaHei Light" charset="-122"/>
-              </a:rPr>
-              <a:t>否则返回</a:t>
-            </a:r>
-            <a:r>
-              <a:rPr lang="en-US" altLang="zh-CN" dirty="0">
-                <a:latin typeface="Microsoft YaHei Light" charset="-122"/>
-                <a:ea typeface="Microsoft YaHei Light" charset="-122"/>
-                <a:cs typeface="Microsoft YaHei Light" charset="-122"/>
-              </a:rPr>
-              <a:t>false</a:t>
-            </a:r>
-            <a:r>
-              <a:rPr lang="zh-CN" altLang="en-US" dirty="0">
-                <a:latin typeface="Microsoft YaHei Light" charset="-122"/>
-                <a:ea typeface="Microsoft YaHei Light" charset="-122"/>
-                <a:cs typeface="Microsoft YaHei Light" charset="-122"/>
-              </a:rPr>
-              <a:t>。</a:t>
-            </a:r>
-            <a:endParaRPr lang="en-US" altLang="zh-CN" dirty="0" smtClean="0">
-              <a:latin typeface="Microsoft YaHei Light" charset="-122"/>
-              <a:ea typeface="Microsoft YaHei Light" charset="-122"/>
-              <a:cs typeface="Microsoft YaHei Light" charset="-122"/>
-            </a:endParaRPr>
-          </a:p>
         </p:txBody>
       </p:sp>
     </p:spTree>
-    <p:extLst>
-      <p:ext uri="{BB962C8B-B14F-4D97-AF65-F5344CB8AC3E}">
-        <p14:creationId xmlns:p14="http://schemas.microsoft.com/office/powerpoint/2010/main" val="570554416"/>
-      </p:ext>
-    </p:extLst>
   </p:cSld>
   <p:clrMapOvr>
     <a:masterClrMapping/>
@@ -5837,16 +5818,16 @@
           <a:p>
             <a:r>
               <a:rPr lang="zh-CN" altLang="en-US" dirty="0">
-                <a:latin typeface="Microsoft YaHei" charset="-122"/>
-                <a:ea typeface="Microsoft YaHei" charset="-122"/>
-                <a:cs typeface="Microsoft YaHei" charset="-122"/>
+                <a:latin typeface="微软雅黑" panose="020B0503020204020204" charset="-122"/>
+                <a:ea typeface="微软雅黑" panose="020B0503020204020204" charset="-122"/>
+                <a:cs typeface="微软雅黑" panose="020B0503020204020204" charset="-122"/>
               </a:rPr>
               <a:t>解析目录路径函数</a:t>
             </a:r>
             <a:endParaRPr lang="en-US" dirty="0">
-              <a:latin typeface="Microsoft YaHei" charset="-122"/>
-              <a:ea typeface="Microsoft YaHei" charset="-122"/>
-              <a:cs typeface="Microsoft YaHei" charset="-122"/>
+              <a:latin typeface="微软雅黑" panose="020B0503020204020204" charset="-122"/>
+              <a:ea typeface="微软雅黑" panose="020B0503020204020204" charset="-122"/>
+              <a:cs typeface="微软雅黑" panose="020B0503020204020204" charset="-122"/>
             </a:endParaRPr>
           </a:p>
         </p:txBody>
@@ -5870,136 +5851,131 @@
           <a:p>
             <a:r>
               <a:rPr lang="en-US" altLang="zh-CN" dirty="0" err="1">
-                <a:latin typeface="Microsoft YaHei Light" charset="-122"/>
-                <a:ea typeface="Microsoft YaHei Light" charset="-122"/>
-                <a:cs typeface="Microsoft YaHei Light" charset="-122"/>
+                <a:latin typeface="微软雅黑 Light" panose="020B0502040204020203" charset="-122"/>
+                <a:ea typeface="微软雅黑 Light" panose="020B0502040204020203" charset="-122"/>
+                <a:cs typeface="微软雅黑 Light" panose="020B0502040204020203" charset="-122"/>
               </a:rPr>
               <a:t>basename</a:t>
             </a:r>
             <a:r>
               <a:rPr lang="en-US" altLang="zh-CN" dirty="0">
-                <a:latin typeface="Microsoft YaHei Light" charset="-122"/>
-                <a:ea typeface="Microsoft YaHei Light" charset="-122"/>
-                <a:cs typeface="Microsoft YaHei Light" charset="-122"/>
+                <a:latin typeface="微软雅黑 Light" panose="020B0502040204020203" charset="-122"/>
+                <a:ea typeface="微软雅黑 Light" panose="020B0502040204020203" charset="-122"/>
+                <a:cs typeface="微软雅黑 Light" panose="020B0502040204020203" charset="-122"/>
               </a:rPr>
               <a:t>(string path, suffix) </a:t>
             </a:r>
             <a:r>
               <a:rPr lang="zh-CN" altLang="en-US" dirty="0">
-                <a:latin typeface="Microsoft YaHei Light" charset="-122"/>
-                <a:ea typeface="Microsoft YaHei Light" charset="-122"/>
-                <a:cs typeface="Microsoft YaHei Light" charset="-122"/>
+                <a:latin typeface="微软雅黑 Light" panose="020B0502040204020203" charset="-122"/>
+                <a:ea typeface="微软雅黑 Light" panose="020B0502040204020203" charset="-122"/>
+                <a:cs typeface="微软雅黑 Light" panose="020B0502040204020203" charset="-122"/>
               </a:rPr>
               <a:t>获取文件名，可指定可选参数</a:t>
             </a:r>
             <a:r>
               <a:rPr lang="en-US" altLang="zh-CN" dirty="0">
-                <a:latin typeface="Microsoft YaHei Light" charset="-122"/>
-                <a:ea typeface="Microsoft YaHei Light" charset="-122"/>
-                <a:cs typeface="Microsoft YaHei Light" charset="-122"/>
+                <a:latin typeface="微软雅黑 Light" panose="020B0502040204020203" charset="-122"/>
+                <a:ea typeface="微软雅黑 Light" panose="020B0502040204020203" charset="-122"/>
+                <a:cs typeface="微软雅黑 Light" panose="020B0502040204020203" charset="-122"/>
               </a:rPr>
               <a:t>suffix</a:t>
             </a:r>
             <a:r>
               <a:rPr lang="zh-CN" altLang="en-US" dirty="0">
-                <a:latin typeface="Microsoft YaHei Light" charset="-122"/>
-                <a:ea typeface="Microsoft YaHei Light" charset="-122"/>
-                <a:cs typeface="Microsoft YaHei Light" charset="-122"/>
+                <a:latin typeface="微软雅黑 Light" panose="020B0502040204020203" charset="-122"/>
+                <a:ea typeface="微软雅黑 Light" panose="020B0502040204020203" charset="-122"/>
+                <a:cs typeface="微软雅黑 Light" panose="020B0502040204020203" charset="-122"/>
               </a:rPr>
               <a:t>会将这部分内容去掉</a:t>
             </a:r>
             <a:r>
               <a:rPr lang="zh-CN" altLang="en-US" dirty="0" smtClean="0">
-                <a:latin typeface="Microsoft YaHei Light" charset="-122"/>
-                <a:ea typeface="Microsoft YaHei Light" charset="-122"/>
-                <a:cs typeface="Microsoft YaHei Light" charset="-122"/>
+                <a:latin typeface="微软雅黑 Light" panose="020B0502040204020203" charset="-122"/>
+                <a:ea typeface="微软雅黑 Light" panose="020B0502040204020203" charset="-122"/>
+                <a:cs typeface="微软雅黑 Light" panose="020B0502040204020203" charset="-122"/>
               </a:rPr>
               <a:t>。</a:t>
             </a:r>
             <a:endParaRPr lang="en-US" altLang="zh-CN" dirty="0" smtClean="0">
-              <a:latin typeface="Microsoft YaHei Light" charset="-122"/>
-              <a:ea typeface="Microsoft YaHei Light" charset="-122"/>
-              <a:cs typeface="Microsoft YaHei Light" charset="-122"/>
+              <a:latin typeface="微软雅黑 Light" panose="020B0502040204020203" charset="-122"/>
+              <a:ea typeface="微软雅黑 Light" panose="020B0502040204020203" charset="-122"/>
+              <a:cs typeface="微软雅黑 Light" panose="020B0502040204020203" charset="-122"/>
             </a:endParaRPr>
           </a:p>
           <a:p>
             <a:r>
               <a:rPr lang="en-US" altLang="zh-CN" dirty="0" err="1" smtClean="0">
-                <a:latin typeface="Microsoft YaHei Light" charset="-122"/>
-                <a:ea typeface="Microsoft YaHei Light" charset="-122"/>
-                <a:cs typeface="Microsoft YaHei Light" charset="-122"/>
+                <a:latin typeface="微软雅黑 Light" panose="020B0502040204020203" charset="-122"/>
+                <a:ea typeface="微软雅黑 Light" panose="020B0502040204020203" charset="-122"/>
+                <a:cs typeface="微软雅黑 Light" panose="020B0502040204020203" charset="-122"/>
               </a:rPr>
               <a:t>dirname</a:t>
             </a:r>
             <a:r>
               <a:rPr lang="en-US" altLang="zh-CN" dirty="0">
-                <a:latin typeface="Microsoft YaHei Light" charset="-122"/>
-                <a:ea typeface="Microsoft YaHei Light" charset="-122"/>
-                <a:cs typeface="Microsoft YaHei Light" charset="-122"/>
+                <a:latin typeface="微软雅黑 Light" panose="020B0502040204020203" charset="-122"/>
+                <a:ea typeface="微软雅黑 Light" panose="020B0502040204020203" charset="-122"/>
+                <a:cs typeface="微软雅黑 Light" panose="020B0502040204020203" charset="-122"/>
               </a:rPr>
               <a:t>() </a:t>
             </a:r>
             <a:r>
               <a:rPr lang="zh-CN" altLang="en-US" dirty="0">
-                <a:latin typeface="Microsoft YaHei Light" charset="-122"/>
-                <a:ea typeface="Microsoft YaHei Light" charset="-122"/>
-                <a:cs typeface="Microsoft YaHei Light" charset="-122"/>
+                <a:latin typeface="微软雅黑 Light" panose="020B0502040204020203" charset="-122"/>
+                <a:ea typeface="微软雅黑 Light" panose="020B0502040204020203" charset="-122"/>
+                <a:cs typeface="微软雅黑 Light" panose="020B0502040204020203" charset="-122"/>
               </a:rPr>
               <a:t>获取目录</a:t>
             </a:r>
             <a:r>
               <a:rPr lang="zh-CN" altLang="en-US" dirty="0" smtClean="0">
-                <a:latin typeface="Microsoft YaHei Light" charset="-122"/>
-                <a:ea typeface="Microsoft YaHei Light" charset="-122"/>
-                <a:cs typeface="Microsoft YaHei Light" charset="-122"/>
+                <a:latin typeface="微软雅黑 Light" panose="020B0502040204020203" charset="-122"/>
+                <a:ea typeface="微软雅黑 Light" panose="020B0502040204020203" charset="-122"/>
+                <a:cs typeface="微软雅黑 Light" panose="020B0502040204020203" charset="-122"/>
               </a:rPr>
               <a:t>名</a:t>
             </a:r>
             <a:endParaRPr lang="en-US" altLang="zh-CN" dirty="0" smtClean="0">
-              <a:latin typeface="Microsoft YaHei Light" charset="-122"/>
-              <a:ea typeface="Microsoft YaHei Light" charset="-122"/>
-              <a:cs typeface="Microsoft YaHei Light" charset="-122"/>
+              <a:latin typeface="微软雅黑 Light" panose="020B0502040204020203" charset="-122"/>
+              <a:ea typeface="微软雅黑 Light" panose="020B0502040204020203" charset="-122"/>
+              <a:cs typeface="微软雅黑 Light" panose="020B0502040204020203" charset="-122"/>
             </a:endParaRPr>
           </a:p>
           <a:p>
             <a:r>
               <a:rPr lang="en-US" altLang="zh-CN" dirty="0" err="1" smtClean="0">
-                <a:latin typeface="Microsoft YaHei Light" charset="-122"/>
-                <a:ea typeface="Microsoft YaHei Light" charset="-122"/>
-                <a:cs typeface="Microsoft YaHei Light" charset="-122"/>
+                <a:latin typeface="微软雅黑 Light" panose="020B0502040204020203" charset="-122"/>
+                <a:ea typeface="微软雅黑 Light" panose="020B0502040204020203" charset="-122"/>
+                <a:cs typeface="微软雅黑 Light" panose="020B0502040204020203" charset="-122"/>
               </a:rPr>
               <a:t>pathinfo</a:t>
             </a:r>
             <a:r>
               <a:rPr lang="en-US" altLang="zh-CN" dirty="0">
-                <a:latin typeface="Microsoft YaHei Light" charset="-122"/>
-                <a:ea typeface="Microsoft YaHei Light" charset="-122"/>
-                <a:cs typeface="Microsoft YaHei Light" charset="-122"/>
+                <a:latin typeface="微软雅黑 Light" panose="020B0502040204020203" charset="-122"/>
+                <a:ea typeface="微软雅黑 Light" panose="020B0502040204020203" charset="-122"/>
+                <a:cs typeface="微软雅黑 Light" panose="020B0502040204020203" charset="-122"/>
               </a:rPr>
               <a:t>() </a:t>
             </a:r>
             <a:r>
               <a:rPr lang="zh-CN" altLang="en-US" dirty="0">
-                <a:latin typeface="Microsoft YaHei Light" charset="-122"/>
-                <a:ea typeface="Microsoft YaHei Light" charset="-122"/>
-                <a:cs typeface="Microsoft YaHei Light" charset="-122"/>
+                <a:latin typeface="微软雅黑 Light" panose="020B0502040204020203" charset="-122"/>
+                <a:ea typeface="微软雅黑 Light" panose="020B0502040204020203" charset="-122"/>
+                <a:cs typeface="微软雅黑 Light" panose="020B0502040204020203" charset="-122"/>
               </a:rPr>
               <a:t>返回关联数组，包含目录，文件名，扩展名。</a:t>
             </a:r>
             <a:endParaRPr lang="en-US" altLang="zh-CN" dirty="0" smtClean="0">
-              <a:latin typeface="Microsoft YaHei Light" charset="-122"/>
-              <a:ea typeface="Microsoft YaHei Light" charset="-122"/>
-              <a:cs typeface="Microsoft YaHei Light" charset="-122"/>
+              <a:latin typeface="微软雅黑 Light" panose="020B0502040204020203" charset="-122"/>
+              <a:ea typeface="微软雅黑 Light" panose="020B0502040204020203" charset="-122"/>
+              <a:cs typeface="微软雅黑 Light" panose="020B0502040204020203" charset="-122"/>
             </a:endParaRPr>
           </a:p>
         </p:txBody>
       </p:sp>
     </p:spTree>
-    <p:extLst>
-      <p:ext uri="{BB962C8B-B14F-4D97-AF65-F5344CB8AC3E}">
-        <p14:creationId xmlns:p14="http://schemas.microsoft.com/office/powerpoint/2010/main" val="161866183"/>
-      </p:ext>
-    </p:extLst>
   </p:cSld>
   <p:clrMapOvr>
     <a:masterClrMapping/>
@@ -6052,9 +6028,9 @@
           <a:lstStyle/>
           <a:p>
             <a:endParaRPr lang="en-US" dirty="0">
-              <a:latin typeface="Microsoft YaHei" charset="-122"/>
-              <a:ea typeface="Microsoft YaHei" charset="-122"/>
-              <a:cs typeface="Microsoft YaHei" charset="-122"/>
+              <a:latin typeface="微软雅黑" panose="020B0503020204020204" charset="-122"/>
+              <a:ea typeface="微软雅黑" panose="020B0503020204020204" charset="-122"/>
+              <a:cs typeface="微软雅黑" panose="020B0503020204020204" charset="-122"/>
             </a:endParaRPr>
           </a:p>
         </p:txBody>
@@ -6077,19 +6053,14 @@
           <a:lstStyle/>
           <a:p>
             <a:endParaRPr lang="en-US" altLang="zh-CN" dirty="0" smtClean="0">
-              <a:latin typeface="Microsoft YaHei Light" charset="-122"/>
-              <a:ea typeface="Microsoft YaHei Light" charset="-122"/>
-              <a:cs typeface="Microsoft YaHei Light" charset="-122"/>
+              <a:latin typeface="微软雅黑 Light" panose="020B0502040204020203" charset="-122"/>
+              <a:ea typeface="微软雅黑 Light" panose="020B0502040204020203" charset="-122"/>
+              <a:cs typeface="微软雅黑 Light" panose="020B0502040204020203" charset="-122"/>
             </a:endParaRPr>
           </a:p>
         </p:txBody>
       </p:sp>
     </p:spTree>
-    <p:extLst>
-      <p:ext uri="{BB962C8B-B14F-4D97-AF65-F5344CB8AC3E}">
-        <p14:creationId xmlns:p14="http://schemas.microsoft.com/office/powerpoint/2010/main" val="1924050729"/>
-      </p:ext>
-    </p:extLst>
   </p:cSld>
   <p:clrMapOvr>
     <a:masterClrMapping/>
@@ -6143,16 +6114,16 @@
           <a:p>
             <a:r>
               <a:rPr lang="zh-CN" altLang="en-US" dirty="0" smtClean="0">
-                <a:latin typeface="Microsoft YaHei" charset="-122"/>
-                <a:ea typeface="Microsoft YaHei" charset="-122"/>
-                <a:cs typeface="Microsoft YaHei" charset="-122"/>
+                <a:latin typeface="微软雅黑" panose="020B0503020204020204" charset="-122"/>
+                <a:ea typeface="微软雅黑" panose="020B0503020204020204" charset="-122"/>
+                <a:cs typeface="微软雅黑" panose="020B0503020204020204" charset="-122"/>
               </a:rPr>
               <a:t>打开文件</a:t>
             </a:r>
             <a:endParaRPr lang="en-US" dirty="0">
-              <a:latin typeface="Microsoft YaHei" charset="-122"/>
-              <a:ea typeface="Microsoft YaHei" charset="-122"/>
-              <a:cs typeface="Microsoft YaHei" charset="-122"/>
+              <a:latin typeface="微软雅黑" panose="020B0503020204020204" charset="-122"/>
+              <a:ea typeface="微软雅黑" panose="020B0503020204020204" charset="-122"/>
+              <a:cs typeface="微软雅黑" panose="020B0503020204020204" charset="-122"/>
             </a:endParaRPr>
           </a:p>
         </p:txBody>
@@ -6187,56 +6158,56 @@
             </a:pPr>
             <a:r>
               <a:rPr lang="en-US" altLang="zh-CN" dirty="0" err="1">
-                <a:latin typeface="Microsoft YaHei Light" charset="-122"/>
-                <a:ea typeface="Microsoft YaHei Light" charset="-122"/>
-                <a:cs typeface="Microsoft YaHei Light" charset="-122"/>
+                <a:latin typeface="微软雅黑 Light" panose="020B0502040204020203" charset="-122"/>
+                <a:ea typeface="微软雅黑 Light" panose="020B0502040204020203" charset="-122"/>
+                <a:cs typeface="微软雅黑 Light" panose="020B0502040204020203" charset="-122"/>
               </a:rPr>
               <a:t>fopen</a:t>
             </a:r>
             <a:r>
               <a:rPr lang="en-US" altLang="zh-CN" dirty="0">
-                <a:latin typeface="Microsoft YaHei Light" charset="-122"/>
-                <a:ea typeface="Microsoft YaHei Light" charset="-122"/>
-                <a:cs typeface="Microsoft YaHei Light" charset="-122"/>
+                <a:latin typeface="微软雅黑 Light" panose="020B0502040204020203" charset="-122"/>
+                <a:ea typeface="微软雅黑 Light" panose="020B0502040204020203" charset="-122"/>
+                <a:cs typeface="微软雅黑 Light" panose="020B0502040204020203" charset="-122"/>
               </a:rPr>
               <a:t>() </a:t>
             </a:r>
             <a:r>
               <a:rPr lang="zh-CN" altLang="en-US" dirty="0">
-                <a:latin typeface="Microsoft YaHei Light" charset="-122"/>
-                <a:ea typeface="Microsoft YaHei Light" charset="-122"/>
-                <a:cs typeface="Microsoft YaHei Light" charset="-122"/>
+                <a:latin typeface="微软雅黑 Light" panose="020B0502040204020203" charset="-122"/>
+                <a:ea typeface="微软雅黑 Light" panose="020B0502040204020203" charset="-122"/>
+                <a:cs typeface="微软雅黑 Light" panose="020B0502040204020203" charset="-122"/>
               </a:rPr>
               <a:t>函数用于在 </a:t>
             </a:r>
             <a:r>
               <a:rPr lang="en-US" altLang="zh-CN" dirty="0">
-                <a:latin typeface="Microsoft YaHei Light" charset="-122"/>
-                <a:ea typeface="Microsoft YaHei Light" charset="-122"/>
-                <a:cs typeface="Microsoft YaHei Light" charset="-122"/>
+                <a:latin typeface="微软雅黑 Light" panose="020B0502040204020203" charset="-122"/>
+                <a:ea typeface="微软雅黑 Light" panose="020B0502040204020203" charset="-122"/>
+                <a:cs typeface="微软雅黑 Light" panose="020B0502040204020203" charset="-122"/>
               </a:rPr>
               <a:t>PHP </a:t>
             </a:r>
             <a:r>
               <a:rPr lang="zh-CN" altLang="en-US" dirty="0">
-                <a:latin typeface="Microsoft YaHei Light" charset="-122"/>
-                <a:ea typeface="Microsoft YaHei Light" charset="-122"/>
-                <a:cs typeface="Microsoft YaHei Light" charset="-122"/>
+                <a:latin typeface="微软雅黑 Light" panose="020B0502040204020203" charset="-122"/>
+                <a:ea typeface="微软雅黑 Light" panose="020B0502040204020203" charset="-122"/>
+                <a:cs typeface="微软雅黑 Light" panose="020B0502040204020203" charset="-122"/>
               </a:rPr>
               <a:t>中打开文件</a:t>
             </a:r>
             <a:r>
               <a:rPr lang="zh-CN" altLang="en-US" dirty="0" smtClean="0">
-                <a:latin typeface="Microsoft YaHei Light" charset="-122"/>
-                <a:ea typeface="Microsoft YaHei Light" charset="-122"/>
-                <a:cs typeface="Microsoft YaHei Light" charset="-122"/>
+                <a:latin typeface="微软雅黑 Light" panose="020B0502040204020203" charset="-122"/>
+                <a:ea typeface="微软雅黑 Light" panose="020B0502040204020203" charset="-122"/>
+                <a:cs typeface="微软雅黑 Light" panose="020B0502040204020203" charset="-122"/>
               </a:rPr>
               <a:t>。</a:t>
             </a:r>
             <a:endParaRPr lang="en-US" altLang="zh-CN" dirty="0" smtClean="0">
-              <a:latin typeface="Microsoft YaHei Light" charset="-122"/>
-              <a:ea typeface="Microsoft YaHei Light" charset="-122"/>
-              <a:cs typeface="Microsoft YaHei Light" charset="-122"/>
+              <a:latin typeface="微软雅黑 Light" panose="020B0502040204020203" charset="-122"/>
+              <a:ea typeface="微软雅黑 Light" panose="020B0502040204020203" charset="-122"/>
+              <a:cs typeface="微软雅黑 Light" panose="020B0502040204020203" charset="-122"/>
             </a:endParaRPr>
           </a:p>
           <a:p>
@@ -6252,9 +6223,9 @@
               <a:buNone/>
             </a:pPr>
             <a:endParaRPr lang="en-US" altLang="zh-CN" dirty="0" smtClean="0">
-              <a:latin typeface="Microsoft YaHei Light" charset="-122"/>
-              <a:ea typeface="Microsoft YaHei Light" charset="-122"/>
-              <a:cs typeface="Microsoft YaHei Light" charset="-122"/>
+              <a:latin typeface="微软雅黑 Light" panose="020B0502040204020203" charset="-122"/>
+              <a:ea typeface="微软雅黑 Light" panose="020B0502040204020203" charset="-122"/>
+              <a:cs typeface="微软雅黑 Light" panose="020B0502040204020203" charset="-122"/>
             </a:endParaRPr>
           </a:p>
           <a:p>
@@ -6271,32 +6242,32 @@
             </a:pPr>
             <a:r>
               <a:rPr lang="en-US" altLang="zh-CN" dirty="0">
-                <a:latin typeface="Microsoft YaHei Light" charset="-122"/>
-                <a:ea typeface="Microsoft YaHei Light" charset="-122"/>
-                <a:cs typeface="Microsoft YaHei Light" charset="-122"/>
+                <a:latin typeface="微软雅黑 Light" panose="020B0502040204020203" charset="-122"/>
+                <a:ea typeface="微软雅黑 Light" panose="020B0502040204020203" charset="-122"/>
+                <a:cs typeface="微软雅黑 Light" panose="020B0502040204020203" charset="-122"/>
               </a:rPr>
               <a:t>// </a:t>
             </a:r>
             <a:r>
               <a:rPr lang="zh-CN" altLang="en-US" dirty="0">
-                <a:latin typeface="Microsoft YaHei Light" charset="-122"/>
-                <a:ea typeface="Microsoft YaHei Light" charset="-122"/>
-                <a:cs typeface="Microsoft YaHei Light" charset="-122"/>
+                <a:latin typeface="微软雅黑 Light" panose="020B0502040204020203" charset="-122"/>
+                <a:ea typeface="微软雅黑 Light" panose="020B0502040204020203" charset="-122"/>
+                <a:cs typeface="微软雅黑 Light" panose="020B0502040204020203" charset="-122"/>
               </a:rPr>
               <a:t>获取文件</a:t>
             </a:r>
             <a:r>
               <a:rPr lang="zh-CN" altLang="en-US" dirty="0" smtClean="0">
-                <a:latin typeface="Microsoft YaHei Light" charset="-122"/>
-                <a:ea typeface="Microsoft YaHei Light" charset="-122"/>
-                <a:cs typeface="Microsoft YaHei Light" charset="-122"/>
+                <a:latin typeface="微软雅黑 Light" panose="020B0502040204020203" charset="-122"/>
+                <a:ea typeface="微软雅黑 Light" panose="020B0502040204020203" charset="-122"/>
+                <a:cs typeface="微软雅黑 Light" panose="020B0502040204020203" charset="-122"/>
               </a:rPr>
               <a:t>路径</a:t>
             </a:r>
             <a:endParaRPr lang="en-US" altLang="zh-CN" dirty="0" smtClean="0">
-              <a:latin typeface="Microsoft YaHei Light" charset="-122"/>
-              <a:ea typeface="Microsoft YaHei Light" charset="-122"/>
-              <a:cs typeface="Microsoft YaHei Light" charset="-122"/>
+              <a:latin typeface="微软雅黑 Light" panose="020B0502040204020203" charset="-122"/>
+              <a:ea typeface="微软雅黑 Light" panose="020B0502040204020203" charset="-122"/>
+              <a:cs typeface="微软雅黑 Light" panose="020B0502040204020203" charset="-122"/>
             </a:endParaRPr>
           </a:p>
           <a:p>
@@ -6313,60 +6284,65 @@
             </a:pPr>
             <a:r>
               <a:rPr lang="en-US" altLang="zh-CN" dirty="0" smtClean="0">
-                <a:latin typeface="Microsoft YaHei Light" charset="-122"/>
-                <a:ea typeface="Microsoft YaHei Light" charset="-122"/>
-                <a:cs typeface="Microsoft YaHei Light" charset="-122"/>
+                <a:latin typeface="微软雅黑 Light" panose="020B0502040204020203" charset="-122"/>
+                <a:ea typeface="微软雅黑 Light" panose="020B0502040204020203" charset="-122"/>
+                <a:cs typeface="微软雅黑 Light" panose="020B0502040204020203" charset="-122"/>
               </a:rPr>
               <a:t>$</a:t>
             </a:r>
             <a:r>
               <a:rPr lang="en-US" altLang="zh-CN" dirty="0" err="1">
-                <a:latin typeface="Microsoft YaHei Light" charset="-122"/>
-                <a:ea typeface="Microsoft YaHei Light" charset="-122"/>
-                <a:cs typeface="Microsoft YaHei Light" charset="-122"/>
+                <a:latin typeface="微软雅黑 Light" panose="020B0502040204020203" charset="-122"/>
+                <a:ea typeface="微软雅黑 Light" panose="020B0502040204020203" charset="-122"/>
+                <a:cs typeface="微软雅黑 Light" panose="020B0502040204020203" charset="-122"/>
               </a:rPr>
               <a:t>filePath</a:t>
             </a:r>
             <a:r>
               <a:rPr lang="en-US" altLang="zh-CN" dirty="0">
-                <a:latin typeface="Microsoft YaHei Light" charset="-122"/>
-                <a:ea typeface="Microsoft YaHei Light" charset="-122"/>
-                <a:cs typeface="Microsoft YaHei Light" charset="-122"/>
+                <a:latin typeface="微软雅黑 Light" panose="020B0502040204020203" charset="-122"/>
+                <a:ea typeface="微软雅黑 Light" panose="020B0502040204020203" charset="-122"/>
+                <a:cs typeface="微软雅黑 Light" panose="020B0502040204020203" charset="-122"/>
               </a:rPr>
               <a:t> = </a:t>
             </a:r>
             <a:r>
               <a:rPr lang="en-US" altLang="zh-CN" dirty="0" smtClean="0">
-                <a:latin typeface="Microsoft YaHei Light" charset="-122"/>
-                <a:ea typeface="Microsoft YaHei Light" charset="-122"/>
-                <a:cs typeface="Microsoft YaHei Light" charset="-122"/>
+                <a:latin typeface="微软雅黑 Light" panose="020B0502040204020203" charset="-122"/>
+                <a:ea typeface="微软雅黑 Light" panose="020B0502040204020203" charset="-122"/>
+                <a:cs typeface="微软雅黑 Light" panose="020B0502040204020203" charset="-122"/>
               </a:rPr>
               <a:t>"</a:t>
             </a:r>
             <a:r>
               <a:rPr lang="en-US" altLang="zh-CN" dirty="0">
-                <a:latin typeface="Microsoft YaHei Light" charset="-122"/>
-                <a:ea typeface="Microsoft YaHei Light" charset="-122"/>
-                <a:cs typeface="Microsoft YaHei Light" charset="-122"/>
+                <a:latin typeface="微软雅黑 Light" panose="020B0502040204020203" charset="-122"/>
+                <a:ea typeface="微软雅黑 Light" panose="020B0502040204020203" charset="-122"/>
+                <a:cs typeface="微软雅黑 Light" panose="020B0502040204020203" charset="-122"/>
               </a:rPr>
               <a:t> </a:t>
             </a:r>
             <a:r>
               <a:rPr lang="en-US" altLang="zh-CN" dirty="0" err="1" smtClean="0">
-                <a:latin typeface="Microsoft YaHei Light" charset="-122"/>
-                <a:ea typeface="Microsoft YaHei Light" charset="-122"/>
-                <a:cs typeface="Microsoft YaHei Light" charset="-122"/>
+                <a:latin typeface="微软雅黑 Light" panose="020B0502040204020203" charset="-122"/>
+                <a:ea typeface="微软雅黑 Light" panose="020B0502040204020203" charset="-122"/>
+                <a:cs typeface="微软雅黑 Light" panose="020B0502040204020203" charset="-122"/>
               </a:rPr>
               <a:t>test.txt</a:t>
             </a:r>
             <a:r>
               <a:rPr lang="en-US" altLang="zh-CN" dirty="0" smtClean="0">
-                <a:latin typeface="Microsoft YaHei Light" charset="-122"/>
-                <a:ea typeface="Microsoft YaHei Light" charset="-122"/>
-                <a:cs typeface="Microsoft YaHei Light" charset="-122"/>
+                <a:latin typeface="微软雅黑 Light" panose="020B0502040204020203" charset="-122"/>
+                <a:ea typeface="微软雅黑 Light" panose="020B0502040204020203" charset="-122"/>
+                <a:cs typeface="微软雅黑 Light" panose="020B0502040204020203" charset="-122"/>
               </a:rPr>
               <a:t>";</a:t>
             </a:r>
+            <a:endParaRPr lang="en-US" altLang="zh-CN" dirty="0" smtClean="0">
+              <a:latin typeface="微软雅黑 Light" panose="020B0502040204020203" charset="-122"/>
+              <a:ea typeface="微软雅黑 Light" panose="020B0502040204020203" charset="-122"/>
+              <a:cs typeface="微软雅黑 Light" panose="020B0502040204020203" charset="-122"/>
+            </a:endParaRPr>
           </a:p>
           <a:p>
             <a:pPr marL="0" lvl="0" indent="0">
@@ -6382,48 +6358,48 @@
             </a:pPr>
             <a:r>
               <a:rPr lang="en-US" altLang="zh-CN" dirty="0" smtClean="0">
-                <a:latin typeface="Microsoft YaHei Light" charset="-122"/>
-                <a:ea typeface="Microsoft YaHei Light" charset="-122"/>
-                <a:cs typeface="Microsoft YaHei Light" charset="-122"/>
+                <a:latin typeface="微软雅黑 Light" panose="020B0502040204020203" charset="-122"/>
+                <a:ea typeface="微软雅黑 Light" panose="020B0502040204020203" charset="-122"/>
+                <a:cs typeface="微软雅黑 Light" panose="020B0502040204020203" charset="-122"/>
               </a:rPr>
               <a:t>// </a:t>
             </a:r>
             <a:r>
               <a:rPr lang="zh-CN" altLang="en-US" dirty="0">
-                <a:latin typeface="Microsoft YaHei Light" charset="-122"/>
-                <a:ea typeface="Microsoft YaHei Light" charset="-122"/>
-                <a:cs typeface="Microsoft YaHei Light" charset="-122"/>
+                <a:latin typeface="微软雅黑 Light" panose="020B0502040204020203" charset="-122"/>
+                <a:ea typeface="微软雅黑 Light" panose="020B0502040204020203" charset="-122"/>
+                <a:cs typeface="微软雅黑 Light" panose="020B0502040204020203" charset="-122"/>
               </a:rPr>
               <a:t>打开文件</a:t>
             </a:r>
             <a:r>
               <a:rPr lang="en-US" altLang="zh-CN" dirty="0">
-                <a:latin typeface="Microsoft YaHei Light" charset="-122"/>
-                <a:ea typeface="Microsoft YaHei Light" charset="-122"/>
-                <a:cs typeface="Microsoft YaHei Light" charset="-122"/>
+                <a:latin typeface="微软雅黑 Light" panose="020B0502040204020203" charset="-122"/>
+                <a:ea typeface="微软雅黑 Light" panose="020B0502040204020203" charset="-122"/>
+                <a:cs typeface="微软雅黑 Light" panose="020B0502040204020203" charset="-122"/>
               </a:rPr>
               <a:t>,</a:t>
             </a:r>
             <a:r>
               <a:rPr lang="zh-CN" altLang="en-US" dirty="0">
-                <a:latin typeface="Microsoft YaHei Light" charset="-122"/>
-                <a:ea typeface="Microsoft YaHei Light" charset="-122"/>
-                <a:cs typeface="Microsoft YaHei Light" charset="-122"/>
+                <a:latin typeface="微软雅黑 Light" panose="020B0502040204020203" charset="-122"/>
+                <a:ea typeface="微软雅黑 Light" panose="020B0502040204020203" charset="-122"/>
+                <a:cs typeface="微软雅黑 Light" panose="020B0502040204020203" charset="-122"/>
               </a:rPr>
               <a:t>将资源绑定到一个流或者句柄，绑定之后，脚本就可以通过句柄与此资源交互</a:t>
             </a:r>
             <a:r>
               <a:rPr lang="zh-CN" altLang="en-US" dirty="0" smtClean="0">
-                <a:latin typeface="Microsoft YaHei Light" charset="-122"/>
-                <a:ea typeface="Microsoft YaHei Light" charset="-122"/>
-                <a:cs typeface="Microsoft YaHei Light" charset="-122"/>
+                <a:latin typeface="微软雅黑 Light" panose="020B0502040204020203" charset="-122"/>
+                <a:ea typeface="微软雅黑 Light" panose="020B0502040204020203" charset="-122"/>
+                <a:cs typeface="微软雅黑 Light" panose="020B0502040204020203" charset="-122"/>
               </a:rPr>
               <a:t>。</a:t>
             </a:r>
             <a:endParaRPr lang="en-US" altLang="zh-CN" dirty="0" smtClean="0">
-              <a:latin typeface="Microsoft YaHei Light" charset="-122"/>
-              <a:ea typeface="Microsoft YaHei Light" charset="-122"/>
-              <a:cs typeface="Microsoft YaHei Light" charset="-122"/>
+              <a:latin typeface="微软雅黑 Light" panose="020B0502040204020203" charset="-122"/>
+              <a:ea typeface="微软雅黑 Light" panose="020B0502040204020203" charset="-122"/>
+              <a:cs typeface="微软雅黑 Light" panose="020B0502040204020203" charset="-122"/>
             </a:endParaRPr>
           </a:p>
           <a:p>
@@ -6440,68 +6416,73 @@
             </a:pPr>
             <a:r>
               <a:rPr lang="en-US" altLang="zh-CN" dirty="0" smtClean="0">
-                <a:latin typeface="Microsoft YaHei Light" charset="-122"/>
-                <a:ea typeface="Microsoft YaHei Light" charset="-122"/>
-                <a:cs typeface="Microsoft YaHei Light" charset="-122"/>
+                <a:latin typeface="微软雅黑 Light" panose="020B0502040204020203" charset="-122"/>
+                <a:ea typeface="微软雅黑 Light" panose="020B0502040204020203" charset="-122"/>
+                <a:cs typeface="微软雅黑 Light" panose="020B0502040204020203" charset="-122"/>
               </a:rPr>
               <a:t>$</a:t>
             </a:r>
             <a:r>
               <a:rPr lang="en-US" altLang="zh-CN" dirty="0" err="1">
-                <a:latin typeface="Microsoft YaHei Light" charset="-122"/>
-                <a:ea typeface="Microsoft YaHei Light" charset="-122"/>
-                <a:cs typeface="Microsoft YaHei Light" charset="-122"/>
+                <a:latin typeface="微软雅黑 Light" panose="020B0502040204020203" charset="-122"/>
+                <a:ea typeface="微软雅黑 Light" panose="020B0502040204020203" charset="-122"/>
+                <a:cs typeface="微软雅黑 Light" panose="020B0502040204020203" charset="-122"/>
               </a:rPr>
               <a:t>fileHandle</a:t>
             </a:r>
             <a:r>
               <a:rPr lang="en-US" altLang="zh-CN" dirty="0">
-                <a:latin typeface="Microsoft YaHei Light" charset="-122"/>
-                <a:ea typeface="Microsoft YaHei Light" charset="-122"/>
-                <a:cs typeface="Microsoft YaHei Light" charset="-122"/>
+                <a:latin typeface="微软雅黑 Light" panose="020B0502040204020203" charset="-122"/>
+                <a:ea typeface="微软雅黑 Light" panose="020B0502040204020203" charset="-122"/>
+                <a:cs typeface="微软雅黑 Light" panose="020B0502040204020203" charset="-122"/>
               </a:rPr>
               <a:t> = </a:t>
             </a:r>
             <a:r>
               <a:rPr lang="en-US" altLang="zh-CN" dirty="0" err="1">
-                <a:latin typeface="Microsoft YaHei Light" charset="-122"/>
-                <a:ea typeface="Microsoft YaHei Light" charset="-122"/>
-                <a:cs typeface="Microsoft YaHei Light" charset="-122"/>
+                <a:latin typeface="微软雅黑 Light" panose="020B0502040204020203" charset="-122"/>
+                <a:ea typeface="微软雅黑 Light" panose="020B0502040204020203" charset="-122"/>
+                <a:cs typeface="微软雅黑 Light" panose="020B0502040204020203" charset="-122"/>
               </a:rPr>
               <a:t>fopen</a:t>
             </a:r>
             <a:r>
               <a:rPr lang="en-US" altLang="zh-CN" dirty="0">
-                <a:latin typeface="Microsoft YaHei Light" charset="-122"/>
-                <a:ea typeface="Microsoft YaHei Light" charset="-122"/>
-                <a:cs typeface="Microsoft YaHei Light" charset="-122"/>
+                <a:latin typeface="微软雅黑 Light" panose="020B0502040204020203" charset="-122"/>
+                <a:ea typeface="微软雅黑 Light" panose="020B0502040204020203" charset="-122"/>
+                <a:cs typeface="微软雅黑 Light" panose="020B0502040204020203" charset="-122"/>
               </a:rPr>
               <a:t>($</a:t>
             </a:r>
             <a:r>
               <a:rPr lang="en-US" altLang="zh-CN" dirty="0" err="1">
-                <a:latin typeface="Microsoft YaHei Light" charset="-122"/>
-                <a:ea typeface="Microsoft YaHei Light" charset="-122"/>
-                <a:cs typeface="Microsoft YaHei Light" charset="-122"/>
+                <a:latin typeface="微软雅黑 Light" panose="020B0502040204020203" charset="-122"/>
+                <a:ea typeface="微软雅黑 Light" panose="020B0502040204020203" charset="-122"/>
+                <a:cs typeface="微软雅黑 Light" panose="020B0502040204020203" charset="-122"/>
               </a:rPr>
               <a:t>filePath</a:t>
             </a:r>
             <a:r>
               <a:rPr lang="en-US" altLang="zh-CN" dirty="0">
-                <a:latin typeface="Microsoft YaHei Light" charset="-122"/>
-                <a:ea typeface="Microsoft YaHei Light" charset="-122"/>
-                <a:cs typeface="Microsoft YaHei Light" charset="-122"/>
+                <a:latin typeface="微软雅黑 Light" panose="020B0502040204020203" charset="-122"/>
+                <a:ea typeface="微软雅黑 Light" panose="020B0502040204020203" charset="-122"/>
+                <a:cs typeface="微软雅黑 Light" panose="020B0502040204020203" charset="-122"/>
               </a:rPr>
               <a:t>, "r</a:t>
             </a:r>
             <a:r>
               <a:rPr lang="en-US" altLang="zh-CN" dirty="0" smtClean="0">
-                <a:latin typeface="Microsoft YaHei Light" charset="-122"/>
-                <a:ea typeface="Microsoft YaHei Light" charset="-122"/>
-                <a:cs typeface="Microsoft YaHei Light" charset="-122"/>
+                <a:latin typeface="微软雅黑 Light" panose="020B0502040204020203" charset="-122"/>
+                <a:ea typeface="微软雅黑 Light" panose="020B0502040204020203" charset="-122"/>
+                <a:cs typeface="微软雅黑 Light" panose="020B0502040204020203" charset="-122"/>
               </a:rPr>
               <a:t>");</a:t>
             </a:r>
+            <a:endParaRPr lang="en-US" altLang="zh-CN" dirty="0" smtClean="0">
+              <a:latin typeface="微软雅黑 Light" panose="020B0502040204020203" charset="-122"/>
+              <a:ea typeface="微软雅黑 Light" panose="020B0502040204020203" charset="-122"/>
+              <a:cs typeface="微软雅黑 Light" panose="020B0502040204020203" charset="-122"/>
+            </a:endParaRPr>
           </a:p>
           <a:p>
             <a:pPr marL="0" lvl="0" indent="0">
@@ -6516,9 +6497,9 @@
               <a:buNone/>
             </a:pPr>
             <a:endParaRPr lang="en-US" altLang="zh-CN" dirty="0">
-              <a:latin typeface="Microsoft YaHei Light" charset="-122"/>
-              <a:ea typeface="Microsoft YaHei Light" charset="-122"/>
-              <a:cs typeface="Microsoft YaHei Light" charset="-122"/>
+              <a:latin typeface="微软雅黑 Light" panose="020B0502040204020203" charset="-122"/>
+              <a:ea typeface="微软雅黑 Light" panose="020B0502040204020203" charset="-122"/>
+              <a:cs typeface="微软雅黑 Light" panose="020B0502040204020203" charset="-122"/>
             </a:endParaRPr>
           </a:p>
           <a:p>
@@ -6534,9 +6515,9 @@
               <a:buNone/>
             </a:pPr>
             <a:endParaRPr lang="en-US" altLang="zh-CN" dirty="0" smtClean="0">
-              <a:latin typeface="Microsoft YaHei Light" charset="-122"/>
-              <a:ea typeface="Microsoft YaHei Light" charset="-122"/>
-              <a:cs typeface="Microsoft YaHei Light" charset="-122"/>
+              <a:latin typeface="微软雅黑 Light" panose="020B0502040204020203" charset="-122"/>
+              <a:ea typeface="微软雅黑 Light" panose="020B0502040204020203" charset="-122"/>
+              <a:cs typeface="微软雅黑 Light" panose="020B0502040204020203" charset="-122"/>
             </a:endParaRPr>
           </a:p>
           <a:p>
@@ -6553,26 +6534,21 @@
             </a:pPr>
             <a:r>
               <a:rPr lang="zh-CN" altLang="en-US" dirty="0">
-                <a:latin typeface="Microsoft YaHei Light" charset="-122"/>
-                <a:ea typeface="Microsoft YaHei Light" charset="-122"/>
-                <a:cs typeface="Microsoft YaHei Light" charset="-122"/>
+                <a:latin typeface="微软雅黑 Light" panose="020B0502040204020203" charset="-122"/>
+                <a:ea typeface="微软雅黑 Light" panose="020B0502040204020203" charset="-122"/>
+                <a:cs typeface="微软雅黑 Light" panose="020B0502040204020203" charset="-122"/>
               </a:rPr>
               <a:t>第二个参数规定了使用哪种模式来打开文件</a:t>
             </a:r>
             <a:endParaRPr lang="en-US" altLang="zh-CN" dirty="0" smtClean="0">
-              <a:latin typeface="Microsoft YaHei Light" charset="-122"/>
-              <a:ea typeface="Microsoft YaHei Light" charset="-122"/>
-              <a:cs typeface="Microsoft YaHei Light" charset="-122"/>
+              <a:latin typeface="微软雅黑 Light" panose="020B0502040204020203" charset="-122"/>
+              <a:ea typeface="微软雅黑 Light" panose="020B0502040204020203" charset="-122"/>
+              <a:cs typeface="微软雅黑 Light" panose="020B0502040204020203" charset="-122"/>
             </a:endParaRPr>
           </a:p>
         </p:txBody>
       </p:sp>
     </p:spTree>
-    <p:extLst>
-      <p:ext uri="{BB962C8B-B14F-4D97-AF65-F5344CB8AC3E}">
-        <p14:creationId xmlns:p14="http://schemas.microsoft.com/office/powerpoint/2010/main" val="1482406564"/>
-      </p:ext>
-    </p:extLst>
   </p:cSld>
   <p:clrMapOvr>
     <a:masterClrMapping/>
@@ -6626,16 +6602,16 @@
           <a:p>
             <a:r>
               <a:rPr lang="zh-CN" altLang="en-US" dirty="0" smtClean="0">
-                <a:latin typeface="Microsoft YaHei" charset="-122"/>
-                <a:ea typeface="Microsoft YaHei" charset="-122"/>
-                <a:cs typeface="Microsoft YaHei" charset="-122"/>
+                <a:latin typeface="微软雅黑" panose="020B0503020204020204" charset="-122"/>
+                <a:ea typeface="微软雅黑" panose="020B0503020204020204" charset="-122"/>
+                <a:cs typeface="微软雅黑" panose="020B0503020204020204" charset="-122"/>
               </a:rPr>
               <a:t>文件打开模式</a:t>
             </a:r>
             <a:endParaRPr lang="en-US" dirty="0">
-              <a:latin typeface="Microsoft YaHei" charset="-122"/>
-              <a:ea typeface="Microsoft YaHei" charset="-122"/>
-              <a:cs typeface="Microsoft YaHei" charset="-122"/>
+              <a:latin typeface="微软雅黑" panose="020B0503020204020204" charset="-122"/>
+              <a:ea typeface="微软雅黑" panose="020B0503020204020204" charset="-122"/>
+              <a:cs typeface="微软雅黑" panose="020B0503020204020204" charset="-122"/>
             </a:endParaRPr>
           </a:p>
         </p:txBody>
@@ -6648,11 +6624,6 @@
           </p:cNvGraphicFramePr>
           <p:nvPr>
             <p:ph idx="1"/>
-            <p:extLst>
-              <p:ext uri="{D42A27DB-BD31-4B8C-83A1-F6EECF244321}">
-                <p14:modId xmlns:p14="http://schemas.microsoft.com/office/powerpoint/2010/main" val="1592623852"/>
-              </p:ext>
-            </p:extLst>
           </p:nvPr>
         </p:nvGraphicFramePr>
         <p:xfrm>
@@ -6683,6 +6654,12 @@
                         </a:rPr>
                         <a:t>模式</a:t>
                       </a:r>
+                      <a:endParaRPr lang="zh-CN" altLang="en-US" sz="1300" dirty="0">
+                        <a:solidFill>
+                          <a:srgbClr val="FFFFFF"/>
+                        </a:solidFill>
+                        <a:effectLst/>
+                      </a:endParaRPr>
                     </a:p>
                   </a:txBody>
                   <a:tcPr marL="13510" marR="13510" marT="13510" marB="13510">
@@ -6742,6 +6719,12 @@
                         </a:rPr>
                         <a:t>描述</a:t>
                       </a:r>
+                      <a:endParaRPr lang="zh-TW" altLang="en-US" sz="1300">
+                        <a:solidFill>
+                          <a:srgbClr val="FFFFFF"/>
+                        </a:solidFill>
+                        <a:effectLst/>
+                      </a:endParaRPr>
                     </a:p>
                   </a:txBody>
                   <a:tcPr marL="13510" marR="13510" marT="13510" marB="13510">
@@ -6800,6 +6783,9 @@
                         </a:rPr>
                         <a:t>r</a:t>
                       </a:r>
+                      <a:endParaRPr lang="en-US" sz="1300" dirty="0">
+                        <a:effectLst/>
+                      </a:endParaRPr>
                     </a:p>
                   </a:txBody>
                   <a:tcPr marL="22517" marR="22517" marT="31524" marB="31524">
@@ -6856,6 +6842,9 @@
                         </a:rPr>
                         <a:t>只读。在文件的开头开始。</a:t>
                       </a:r>
+                      <a:endParaRPr lang="zh-CN" altLang="en-US" sz="1300">
+                        <a:effectLst/>
+                      </a:endParaRPr>
                     </a:p>
                   </a:txBody>
                   <a:tcPr marL="22517" marR="22517" marT="31524" marB="31524">
@@ -6909,17 +6898,20 @@
                     <a:p>
                       <a:pPr algn="ctr" fontAlgn="t"/>
                       <a:r>
-                        <a:rPr lang="mr-IN" sz="1300" dirty="0" err="1">
+                        <a:rPr lang="en-US" sz="1300" dirty="0" err="1">
                           <a:effectLst/>
                         </a:rPr>
                         <a:t>r</a:t>
                       </a:r>
                       <a:r>
-                        <a:rPr lang="mr-IN" sz="1300" dirty="0">
+                        <a:rPr lang="en-US" sz="1300" dirty="0">
                           <a:effectLst/>
                         </a:rPr>
                         <a:t>+</a:t>
                       </a:r>
+                      <a:endParaRPr lang="en-US" sz="1300" dirty="0">
+                        <a:effectLst/>
+                      </a:endParaRPr>
                     </a:p>
                   </a:txBody>
                   <a:tcPr marL="22517" marR="22517" marT="31524" marB="31524">
@@ -6988,6 +6980,9 @@
                         </a:rPr>
                         <a:t>写。在文件的开头开始。</a:t>
                       </a:r>
+                      <a:endParaRPr lang="zh-CN" altLang="en-US" sz="1300">
+                        <a:effectLst/>
+                      </a:endParaRPr>
                     </a:p>
                   </a:txBody>
                   <a:tcPr marL="22517" marR="22517" marT="31524" marB="31524">
@@ -7046,6 +7041,9 @@
                         </a:rPr>
                         <a:t>w</a:t>
                       </a:r>
+                      <a:endParaRPr lang="en-US" sz="1300" dirty="0">
+                        <a:effectLst/>
+                      </a:endParaRPr>
                     </a:p>
                   </a:txBody>
                   <a:tcPr marL="22517" marR="22517" marT="31524" marB="31524">
@@ -7102,6 +7100,9 @@
                         </a:rPr>
                         <a:t>只写。打开并清空文件的内容；如果文件不存在，则创建新文件。</a:t>
                       </a:r>
+                      <a:endParaRPr lang="zh-CN" altLang="en-US" sz="1300" dirty="0">
+                        <a:effectLst/>
+                      </a:endParaRPr>
                     </a:p>
                   </a:txBody>
                   <a:tcPr marL="22517" marR="22517" marT="31524" marB="31524">
@@ -7155,17 +7156,20 @@
                     <a:p>
                       <a:pPr algn="ctr" fontAlgn="t"/>
                       <a:r>
-                        <a:rPr lang="mr-IN" sz="1300" dirty="0" err="1">
+                        <a:rPr lang="en-US" sz="1300" dirty="0" err="1">
                           <a:effectLst/>
                         </a:rPr>
                         <a:t>w</a:t>
                       </a:r>
                       <a:r>
-                        <a:rPr lang="mr-IN" sz="1300" dirty="0">
+                        <a:rPr lang="en-US" sz="1300" dirty="0">
                           <a:effectLst/>
                         </a:rPr>
                         <a:t>+</a:t>
                       </a:r>
+                      <a:endParaRPr lang="en-US" sz="1300" dirty="0">
+                        <a:effectLst/>
+                      </a:endParaRPr>
                     </a:p>
                   </a:txBody>
                   <a:tcPr marL="22517" marR="22517" marT="31524" marB="31524">
@@ -7234,6 +7238,9 @@
                         </a:rPr>
                         <a:t>写。打开并清空文件的内容；如果文件不存在，则创建新文件。</a:t>
                       </a:r>
+                      <a:endParaRPr lang="zh-CN" altLang="en-US" sz="1300">
+                        <a:effectLst/>
+                      </a:endParaRPr>
                     </a:p>
                   </a:txBody>
                   <a:tcPr marL="22517" marR="22517" marT="31524" marB="31524">
@@ -7292,6 +7299,9 @@
                         </a:rPr>
                         <a:t>a</a:t>
                       </a:r>
+                      <a:endParaRPr lang="en-US" sz="1300" dirty="0">
+                        <a:effectLst/>
+                      </a:endParaRPr>
                     </a:p>
                   </a:txBody>
                   <a:tcPr marL="22517" marR="22517" marT="31524" marB="31524">
@@ -7348,6 +7358,9 @@
                         </a:rPr>
                         <a:t>追加。打开并向文件末尾进行写操作，如果文件不存在，则创建新文件。</a:t>
                       </a:r>
+                      <a:endParaRPr lang="zh-CN" altLang="en-US" sz="1300">
+                        <a:effectLst/>
+                      </a:endParaRPr>
                     </a:p>
                   </a:txBody>
                   <a:tcPr marL="22517" marR="22517" marT="31524" marB="31524">
@@ -7401,17 +7414,20 @@
                     <a:p>
                       <a:pPr algn="ctr" fontAlgn="t"/>
                       <a:r>
-                        <a:rPr lang="mr-IN" sz="1300" dirty="0" err="1">
+                        <a:rPr lang="en-US" sz="1300" dirty="0" err="1">
                           <a:effectLst/>
                         </a:rPr>
                         <a:t>a</a:t>
                       </a:r>
                       <a:r>
-                        <a:rPr lang="mr-IN" sz="1300" dirty="0">
+                        <a:rPr lang="en-US" sz="1300" dirty="0">
                           <a:effectLst/>
                         </a:rPr>
                         <a:t>+</a:t>
                       </a:r>
+                      <a:endParaRPr lang="en-US" sz="1300" dirty="0">
+                        <a:effectLst/>
+                      </a:endParaRPr>
                     </a:p>
                   </a:txBody>
                   <a:tcPr marL="22517" marR="22517" marT="31524" marB="31524">
@@ -7480,6 +7496,9 @@
                         </a:rPr>
                         <a:t>追加。通过向文件末尾写内容，来保持文件内容。</a:t>
                       </a:r>
+                      <a:endParaRPr lang="zh-CN" altLang="en-US" sz="1300">
+                        <a:effectLst/>
+                      </a:endParaRPr>
                     </a:p>
                   </a:txBody>
                   <a:tcPr marL="22517" marR="22517" marT="31524" marB="31524">
@@ -7538,6 +7557,9 @@
                         </a:rPr>
                         <a:t>x</a:t>
                       </a:r>
+                      <a:endParaRPr lang="en-US" sz="1300" dirty="0">
+                        <a:effectLst/>
+                      </a:endParaRPr>
                     </a:p>
                   </a:txBody>
                   <a:tcPr marL="22517" marR="22517" marT="31524" marB="31524">
@@ -7606,6 +7628,9 @@
                         </a:rPr>
                         <a:t>和一个错误。</a:t>
                       </a:r>
+                      <a:endParaRPr lang="zh-CN" altLang="en-US" sz="1300">
+                        <a:effectLst/>
+                      </a:endParaRPr>
                     </a:p>
                   </a:txBody>
                   <a:tcPr marL="22517" marR="22517" marT="31524" marB="31524">
@@ -7659,17 +7684,20 @@
                     <a:p>
                       <a:pPr algn="ctr" fontAlgn="t"/>
                       <a:r>
-                        <a:rPr lang="mr-IN" sz="1300" dirty="0" err="1">
+                        <a:rPr lang="en-US" sz="1300" dirty="0" err="1">
                           <a:effectLst/>
                         </a:rPr>
                         <a:t>x</a:t>
                       </a:r>
                       <a:r>
-                        <a:rPr lang="mr-IN" sz="1300" dirty="0">
+                        <a:rPr lang="en-US" sz="1300" dirty="0">
                           <a:effectLst/>
                         </a:rPr>
                         <a:t>+</a:t>
                       </a:r>
+                      <a:endParaRPr lang="en-US" sz="1300" dirty="0">
+                        <a:effectLst/>
+                      </a:endParaRPr>
                     </a:p>
                   </a:txBody>
                   <a:tcPr marL="22517" marR="22517" marT="31524" marB="31524">
@@ -7750,6 +7778,9 @@
                         </a:rPr>
                         <a:t>和一个错误。</a:t>
                       </a:r>
+                      <a:endParaRPr lang="zh-CN" altLang="en-US" sz="1300" dirty="0">
+                        <a:effectLst/>
+                      </a:endParaRPr>
                     </a:p>
                   </a:txBody>
                   <a:tcPr marL="22517" marR="22517" marT="31524" marB="31524">
@@ -7800,11 +7831,6 @@
         </a:graphic>
       </p:graphicFrame>
     </p:spTree>
-    <p:extLst>
-      <p:ext uri="{BB962C8B-B14F-4D97-AF65-F5344CB8AC3E}">
-        <p14:creationId xmlns:p14="http://schemas.microsoft.com/office/powerpoint/2010/main" val="1197159876"/>
-      </p:ext>
-    </p:extLst>
   </p:cSld>
   <p:clrMapOvr>
     <a:masterClrMapping/>
@@ -7858,16 +7884,16 @@
           <a:p>
             <a:r>
               <a:rPr lang="zh-CN" altLang="en-US" dirty="0" smtClean="0">
-                <a:latin typeface="Microsoft YaHei" charset="-122"/>
-                <a:ea typeface="Microsoft YaHei" charset="-122"/>
-                <a:cs typeface="Microsoft YaHei" charset="-122"/>
+                <a:latin typeface="微软雅黑" panose="020B0503020204020204" charset="-122"/>
+                <a:ea typeface="微软雅黑" panose="020B0503020204020204" charset="-122"/>
+                <a:cs typeface="微软雅黑" panose="020B0503020204020204" charset="-122"/>
               </a:rPr>
               <a:t>关闭文件</a:t>
             </a:r>
             <a:endParaRPr lang="en-US" dirty="0">
-              <a:latin typeface="Microsoft YaHei" charset="-122"/>
-              <a:ea typeface="Microsoft YaHei" charset="-122"/>
-              <a:cs typeface="Microsoft YaHei" charset="-122"/>
+              <a:latin typeface="微软雅黑" panose="020B0503020204020204" charset="-122"/>
+              <a:ea typeface="微软雅黑" panose="020B0503020204020204" charset="-122"/>
+              <a:cs typeface="微软雅黑" panose="020B0503020204020204" charset="-122"/>
             </a:endParaRPr>
           </a:p>
         </p:txBody>
@@ -7902,40 +7928,40 @@
             </a:pPr>
             <a:r>
               <a:rPr lang="en-US" altLang="zh-CN" dirty="0" err="1">
-                <a:latin typeface="Microsoft YaHei Light" charset="-122"/>
-                <a:ea typeface="Microsoft YaHei Light" charset="-122"/>
-                <a:cs typeface="Microsoft YaHei Light" charset="-122"/>
+                <a:latin typeface="微软雅黑 Light" panose="020B0502040204020203" charset="-122"/>
+                <a:ea typeface="微软雅黑 Light" panose="020B0502040204020203" charset="-122"/>
+                <a:cs typeface="微软雅黑 Light" panose="020B0502040204020203" charset="-122"/>
               </a:rPr>
               <a:t>fclose</a:t>
             </a:r>
             <a:r>
               <a:rPr lang="en-US" altLang="zh-CN" dirty="0">
-                <a:latin typeface="Microsoft YaHei Light" charset="-122"/>
-                <a:ea typeface="Microsoft YaHei Light" charset="-122"/>
-                <a:cs typeface="Microsoft YaHei Light" charset="-122"/>
+                <a:latin typeface="微软雅黑 Light" panose="020B0502040204020203" charset="-122"/>
+                <a:ea typeface="微软雅黑 Light" panose="020B0502040204020203" charset="-122"/>
+                <a:cs typeface="微软雅黑 Light" panose="020B0502040204020203" charset="-122"/>
               </a:rPr>
               <a:t>() </a:t>
             </a:r>
             <a:r>
               <a:rPr lang="zh-CN" altLang="en-US" dirty="0">
-                <a:latin typeface="Microsoft YaHei Light" charset="-122"/>
-                <a:ea typeface="Microsoft YaHei Light" charset="-122"/>
-                <a:cs typeface="Microsoft YaHei Light" charset="-122"/>
+                <a:latin typeface="微软雅黑 Light" panose="020B0502040204020203" charset="-122"/>
+                <a:ea typeface="微软雅黑 Light" panose="020B0502040204020203" charset="-122"/>
+                <a:cs typeface="微软雅黑 Light" panose="020B0502040204020203" charset="-122"/>
               </a:rPr>
               <a:t>函数用于关闭打开的</a:t>
             </a:r>
             <a:r>
               <a:rPr lang="zh-CN" altLang="en-US" dirty="0" smtClean="0">
-                <a:latin typeface="Microsoft YaHei Light" charset="-122"/>
-                <a:ea typeface="Microsoft YaHei Light" charset="-122"/>
-                <a:cs typeface="Microsoft YaHei Light" charset="-122"/>
+                <a:latin typeface="微软雅黑 Light" panose="020B0502040204020203" charset="-122"/>
+                <a:ea typeface="微软雅黑 Light" panose="020B0502040204020203" charset="-122"/>
+                <a:cs typeface="微软雅黑 Light" panose="020B0502040204020203" charset="-122"/>
               </a:rPr>
               <a:t>文件</a:t>
             </a:r>
             <a:endParaRPr lang="en-US" altLang="zh-CN" dirty="0" smtClean="0">
-              <a:latin typeface="Microsoft YaHei Light" charset="-122"/>
-              <a:ea typeface="Microsoft YaHei Light" charset="-122"/>
-              <a:cs typeface="Microsoft YaHei Light" charset="-122"/>
+              <a:latin typeface="微软雅黑 Light" panose="020B0502040204020203" charset="-122"/>
+              <a:ea typeface="微软雅黑 Light" panose="020B0502040204020203" charset="-122"/>
+              <a:cs typeface="微软雅黑 Light" panose="020B0502040204020203" charset="-122"/>
             </a:endParaRPr>
           </a:p>
           <a:p>
@@ -7951,9 +7977,9 @@
               <a:buNone/>
             </a:pPr>
             <a:endParaRPr lang="en-US" altLang="zh-CN" dirty="0" smtClean="0">
-              <a:latin typeface="Microsoft YaHei Light" charset="-122"/>
-              <a:ea typeface="Microsoft YaHei Light" charset="-122"/>
-              <a:cs typeface="Microsoft YaHei Light" charset="-122"/>
+              <a:latin typeface="微软雅黑 Light" panose="020B0502040204020203" charset="-122"/>
+              <a:ea typeface="微软雅黑 Light" panose="020B0502040204020203" charset="-122"/>
+              <a:cs typeface="微软雅黑 Light" panose="020B0502040204020203" charset="-122"/>
             </a:endParaRPr>
           </a:p>
           <a:p>
@@ -7970,44 +7996,49 @@
             </a:pPr>
             <a:r>
               <a:rPr lang="en-US" altLang="zh-CN" dirty="0">
-                <a:latin typeface="Microsoft YaHei Light" charset="-122"/>
-                <a:ea typeface="Microsoft YaHei Light" charset="-122"/>
-                <a:cs typeface="Microsoft YaHei Light" charset="-122"/>
+                <a:latin typeface="微软雅黑 Light" panose="020B0502040204020203" charset="-122"/>
+                <a:ea typeface="微软雅黑 Light" panose="020B0502040204020203" charset="-122"/>
+                <a:cs typeface="微软雅黑 Light" panose="020B0502040204020203" charset="-122"/>
               </a:rPr>
               <a:t>$file = </a:t>
             </a:r>
             <a:r>
               <a:rPr lang="en-US" altLang="zh-CN" dirty="0" err="1">
-                <a:latin typeface="Microsoft YaHei Light" charset="-122"/>
-                <a:ea typeface="Microsoft YaHei Light" charset="-122"/>
-                <a:cs typeface="Microsoft YaHei Light" charset="-122"/>
+                <a:latin typeface="微软雅黑 Light" panose="020B0502040204020203" charset="-122"/>
+                <a:ea typeface="微软雅黑 Light" panose="020B0502040204020203" charset="-122"/>
+                <a:cs typeface="微软雅黑 Light" panose="020B0502040204020203" charset="-122"/>
               </a:rPr>
               <a:t>fopen</a:t>
             </a:r>
             <a:r>
               <a:rPr lang="en-US" altLang="zh-CN" dirty="0">
-                <a:latin typeface="Microsoft YaHei Light" charset="-122"/>
-                <a:ea typeface="Microsoft YaHei Light" charset="-122"/>
-                <a:cs typeface="Microsoft YaHei Light" charset="-122"/>
+                <a:latin typeface="微软雅黑 Light" panose="020B0502040204020203" charset="-122"/>
+                <a:ea typeface="微软雅黑 Light" panose="020B0502040204020203" charset="-122"/>
+                <a:cs typeface="微软雅黑 Light" panose="020B0502040204020203" charset="-122"/>
               </a:rPr>
               <a:t>("</a:t>
             </a:r>
             <a:r>
               <a:rPr lang="en-US" altLang="zh-CN" dirty="0" err="1">
-                <a:latin typeface="Microsoft YaHei Light" charset="-122"/>
-                <a:ea typeface="Microsoft YaHei Light" charset="-122"/>
-                <a:cs typeface="Microsoft YaHei Light" charset="-122"/>
+                <a:latin typeface="微软雅黑 Light" panose="020B0502040204020203" charset="-122"/>
+                <a:ea typeface="微软雅黑 Light" panose="020B0502040204020203" charset="-122"/>
+                <a:cs typeface="微软雅黑 Light" panose="020B0502040204020203" charset="-122"/>
               </a:rPr>
               <a:t>test.txt","r</a:t>
             </a:r>
             <a:r>
               <a:rPr lang="en-US" altLang="zh-CN" dirty="0" smtClean="0">
-                <a:latin typeface="Microsoft YaHei Light" charset="-122"/>
-                <a:ea typeface="Microsoft YaHei Light" charset="-122"/>
-                <a:cs typeface="Microsoft YaHei Light" charset="-122"/>
+                <a:latin typeface="微软雅黑 Light" panose="020B0502040204020203" charset="-122"/>
+                <a:ea typeface="微软雅黑 Light" panose="020B0502040204020203" charset="-122"/>
+                <a:cs typeface="微软雅黑 Light" panose="020B0502040204020203" charset="-122"/>
               </a:rPr>
               <a:t>");</a:t>
             </a:r>
+            <a:endParaRPr lang="en-US" altLang="zh-CN" dirty="0" smtClean="0">
+              <a:latin typeface="微软雅黑 Light" panose="020B0502040204020203" charset="-122"/>
+              <a:ea typeface="微软雅黑 Light" panose="020B0502040204020203" charset="-122"/>
+              <a:cs typeface="微软雅黑 Light" panose="020B0502040204020203" charset="-122"/>
+            </a:endParaRPr>
           </a:p>
           <a:p>
             <a:pPr marL="0" lvl="0" indent="0">
@@ -8023,34 +8054,29 @@
             </a:pPr>
             <a:r>
               <a:rPr lang="en-US" altLang="zh-CN" dirty="0" err="1" smtClean="0">
-                <a:latin typeface="Microsoft YaHei Light" charset="-122"/>
-                <a:ea typeface="Microsoft YaHei Light" charset="-122"/>
-                <a:cs typeface="Microsoft YaHei Light" charset="-122"/>
+                <a:latin typeface="微软雅黑 Light" panose="020B0502040204020203" charset="-122"/>
+                <a:ea typeface="微软雅黑 Light" panose="020B0502040204020203" charset="-122"/>
+                <a:cs typeface="微软雅黑 Light" panose="020B0502040204020203" charset="-122"/>
               </a:rPr>
               <a:t>fclose</a:t>
             </a:r>
             <a:r>
               <a:rPr lang="en-US" altLang="zh-CN" dirty="0">
-                <a:latin typeface="Microsoft YaHei Light" charset="-122"/>
-                <a:ea typeface="Microsoft YaHei Light" charset="-122"/>
-                <a:cs typeface="Microsoft YaHei Light" charset="-122"/>
+                <a:latin typeface="微软雅黑 Light" panose="020B0502040204020203" charset="-122"/>
+                <a:ea typeface="微软雅黑 Light" panose="020B0502040204020203" charset="-122"/>
+                <a:cs typeface="微软雅黑 Light" panose="020B0502040204020203" charset="-122"/>
               </a:rPr>
               <a:t>($file);</a:t>
             </a:r>
             <a:endParaRPr lang="en-US" altLang="zh-CN" dirty="0" smtClean="0">
-              <a:latin typeface="Microsoft YaHei Light" charset="-122"/>
-              <a:ea typeface="Microsoft YaHei Light" charset="-122"/>
-              <a:cs typeface="Microsoft YaHei Light" charset="-122"/>
+              <a:latin typeface="微软雅黑 Light" panose="020B0502040204020203" charset="-122"/>
+              <a:ea typeface="微软雅黑 Light" panose="020B0502040204020203" charset="-122"/>
+              <a:cs typeface="微软雅黑 Light" panose="020B0502040204020203" charset="-122"/>
             </a:endParaRPr>
           </a:p>
         </p:txBody>
       </p:sp>
     </p:spTree>
-    <p:extLst>
-      <p:ext uri="{BB962C8B-B14F-4D97-AF65-F5344CB8AC3E}">
-        <p14:creationId xmlns:p14="http://schemas.microsoft.com/office/powerpoint/2010/main" val="1276336381"/>
-      </p:ext>
-    </p:extLst>
   </p:cSld>
   <p:clrMapOvr>
     <a:masterClrMapping/>
@@ -8104,24 +8130,24 @@
           <a:p>
             <a:r>
               <a:rPr lang="zh-CN" altLang="en-US" dirty="0" smtClean="0">
-                <a:latin typeface="Microsoft YaHei" charset="-122"/>
-                <a:ea typeface="Microsoft YaHei" charset="-122"/>
-                <a:cs typeface="Microsoft YaHei" charset="-122"/>
+                <a:latin typeface="微软雅黑" panose="020B0503020204020204" charset="-122"/>
+                <a:ea typeface="微软雅黑" panose="020B0503020204020204" charset="-122"/>
+                <a:cs typeface="微软雅黑" panose="020B0503020204020204" charset="-122"/>
               </a:rPr>
               <a:t>读取文件</a:t>
             </a:r>
             <a:r>
               <a:rPr lang="en-US" altLang="zh-CN" dirty="0" err="1" smtClean="0">
-                <a:latin typeface="Microsoft YaHei" charset="-122"/>
-                <a:ea typeface="Microsoft YaHei" charset="-122"/>
-                <a:cs typeface="Microsoft YaHei" charset="-122"/>
+                <a:latin typeface="微软雅黑" panose="020B0503020204020204" charset="-122"/>
+                <a:ea typeface="微软雅黑" panose="020B0503020204020204" charset="-122"/>
+                <a:cs typeface="微软雅黑" panose="020B0503020204020204" charset="-122"/>
               </a:rPr>
               <a:t>fread</a:t>
             </a:r>
             <a:endParaRPr lang="en-US" dirty="0">
-              <a:latin typeface="Microsoft YaHei" charset="-122"/>
-              <a:ea typeface="Microsoft YaHei" charset="-122"/>
-              <a:cs typeface="Microsoft YaHei" charset="-122"/>
+              <a:latin typeface="微软雅黑" panose="020B0503020204020204" charset="-122"/>
+              <a:ea typeface="微软雅黑" panose="020B0503020204020204" charset="-122"/>
+              <a:cs typeface="微软雅黑" panose="020B0503020204020204" charset="-122"/>
             </a:endParaRPr>
           </a:p>
         </p:txBody>
@@ -8156,36 +8182,41 @@
             </a:pPr>
             <a:r>
               <a:rPr lang="en-US" altLang="zh-CN" dirty="0" err="1">
-                <a:latin typeface="Microsoft YaHei Light" charset="-122"/>
-                <a:ea typeface="Microsoft YaHei Light" charset="-122"/>
-                <a:cs typeface="Microsoft YaHei Light" charset="-122"/>
+                <a:latin typeface="微软雅黑 Light" panose="020B0502040204020203" charset="-122"/>
+                <a:ea typeface="微软雅黑 Light" panose="020B0502040204020203" charset="-122"/>
+                <a:cs typeface="微软雅黑 Light" panose="020B0502040204020203" charset="-122"/>
               </a:rPr>
               <a:t>fread</a:t>
             </a:r>
             <a:r>
               <a:rPr lang="en-US" altLang="zh-CN" dirty="0">
-                <a:latin typeface="Microsoft YaHei Light" charset="-122"/>
-                <a:ea typeface="Microsoft YaHei Light" charset="-122"/>
-                <a:cs typeface="Microsoft YaHei Light" charset="-122"/>
+                <a:latin typeface="微软雅黑 Light" panose="020B0502040204020203" charset="-122"/>
+                <a:ea typeface="微软雅黑 Light" panose="020B0502040204020203" charset="-122"/>
+                <a:cs typeface="微软雅黑 Light" panose="020B0502040204020203" charset="-122"/>
               </a:rPr>
               <a:t>(</a:t>
             </a:r>
             <a:r>
               <a:rPr lang="en-US" altLang="zh-CN" dirty="0" err="1">
-                <a:latin typeface="Microsoft YaHei Light" charset="-122"/>
-                <a:ea typeface="Microsoft YaHei Light" charset="-122"/>
-                <a:cs typeface="Microsoft YaHei Light" charset="-122"/>
+                <a:latin typeface="微软雅黑 Light" panose="020B0502040204020203" charset="-122"/>
+                <a:ea typeface="微软雅黑 Light" panose="020B0502040204020203" charset="-122"/>
+                <a:cs typeface="微软雅黑 Light" panose="020B0502040204020203" charset="-122"/>
               </a:rPr>
               <a:t>file,length</a:t>
             </a:r>
             <a:r>
               <a:rPr lang="en-US" altLang="zh-CN" dirty="0" smtClean="0">
-                <a:latin typeface="Microsoft YaHei Light" charset="-122"/>
-                <a:ea typeface="Microsoft YaHei Light" charset="-122"/>
-                <a:cs typeface="Microsoft YaHei Light" charset="-122"/>
+                <a:latin typeface="微软雅黑 Light" panose="020B0502040204020203" charset="-122"/>
+                <a:ea typeface="微软雅黑 Light" panose="020B0502040204020203" charset="-122"/>
+                <a:cs typeface="微软雅黑 Light" panose="020B0502040204020203" charset="-122"/>
               </a:rPr>
               <a:t>)</a:t>
             </a:r>
+            <a:endParaRPr lang="en-US" altLang="zh-CN" dirty="0" smtClean="0">
+              <a:latin typeface="微软雅黑 Light" panose="020B0502040204020203" charset="-122"/>
+              <a:ea typeface="微软雅黑 Light" panose="020B0502040204020203" charset="-122"/>
+              <a:cs typeface="微软雅黑 Light" panose="020B0502040204020203" charset="-122"/>
+            </a:endParaRPr>
           </a:p>
           <a:p>
             <a:pPr marL="0" lvl="0" indent="0">
@@ -8201,80 +8232,80 @@
             </a:pPr>
             <a:r>
               <a:rPr lang="zh-CN" altLang="en-US" dirty="0" smtClean="0">
-                <a:latin typeface="Microsoft YaHei Light" charset="-122"/>
-                <a:ea typeface="Microsoft YaHei Light" charset="-122"/>
-                <a:cs typeface="Microsoft YaHei Light" charset="-122"/>
+                <a:latin typeface="微软雅黑 Light" panose="020B0502040204020203" charset="-122"/>
+                <a:ea typeface="微软雅黑 Light" panose="020B0502040204020203" charset="-122"/>
+                <a:cs typeface="微软雅黑 Light" panose="020B0502040204020203" charset="-122"/>
               </a:rPr>
               <a:t>函数</a:t>
             </a:r>
             <a:r>
               <a:rPr lang="zh-CN" altLang="en-US" dirty="0">
-                <a:latin typeface="Microsoft YaHei Light" charset="-122"/>
-                <a:ea typeface="Microsoft YaHei Light" charset="-122"/>
-                <a:cs typeface="Microsoft YaHei Light" charset="-122"/>
+                <a:latin typeface="微软雅黑 Light" panose="020B0502040204020203" charset="-122"/>
+                <a:ea typeface="微软雅黑 Light" panose="020B0502040204020203" charset="-122"/>
+                <a:cs typeface="微软雅黑 Light" panose="020B0502040204020203" charset="-122"/>
               </a:rPr>
               <a:t>从指定的资源中读取</a:t>
             </a:r>
             <a:r>
               <a:rPr lang="en-US" altLang="zh-CN" dirty="0">
-                <a:latin typeface="Microsoft YaHei Light" charset="-122"/>
-                <a:ea typeface="Microsoft YaHei Light" charset="-122"/>
-                <a:cs typeface="Microsoft YaHei Light" charset="-122"/>
+                <a:latin typeface="微软雅黑 Light" panose="020B0502040204020203" charset="-122"/>
+                <a:ea typeface="微软雅黑 Light" panose="020B0502040204020203" charset="-122"/>
+                <a:cs typeface="微软雅黑 Light" panose="020B0502040204020203" charset="-122"/>
               </a:rPr>
               <a:t>length</a:t>
             </a:r>
             <a:r>
               <a:rPr lang="zh-CN" altLang="en-US" dirty="0">
-                <a:latin typeface="Microsoft YaHei Light" charset="-122"/>
-                <a:ea typeface="Microsoft YaHei Light" charset="-122"/>
-                <a:cs typeface="Microsoft YaHei Light" charset="-122"/>
+                <a:latin typeface="微软雅黑 Light" panose="020B0502040204020203" charset="-122"/>
+                <a:ea typeface="微软雅黑 Light" panose="020B0502040204020203" charset="-122"/>
+                <a:cs typeface="微软雅黑 Light" panose="020B0502040204020203" charset="-122"/>
               </a:rPr>
               <a:t>个字符当到达</a:t>
             </a:r>
             <a:r>
               <a:rPr lang="en-US" altLang="zh-CN" dirty="0">
-                <a:latin typeface="Microsoft YaHei Light" charset="-122"/>
-                <a:ea typeface="Microsoft YaHei Light" charset="-122"/>
-                <a:cs typeface="Microsoft YaHei Light" charset="-122"/>
+                <a:latin typeface="微软雅黑 Light" panose="020B0502040204020203" charset="-122"/>
+                <a:ea typeface="微软雅黑 Light" panose="020B0502040204020203" charset="-122"/>
+                <a:cs typeface="微软雅黑 Light" panose="020B0502040204020203" charset="-122"/>
               </a:rPr>
               <a:t>EOF</a:t>
             </a:r>
             <a:r>
               <a:rPr lang="zh-CN" altLang="en-US" dirty="0">
-                <a:latin typeface="Microsoft YaHei Light" charset="-122"/>
-                <a:ea typeface="Microsoft YaHei Light" charset="-122"/>
-                <a:cs typeface="Microsoft YaHei Light" charset="-122"/>
+                <a:latin typeface="微软雅黑 Light" panose="020B0502040204020203" charset="-122"/>
+                <a:ea typeface="微软雅黑 Light" panose="020B0502040204020203" charset="-122"/>
+                <a:cs typeface="微软雅黑 Light" panose="020B0502040204020203" charset="-122"/>
               </a:rPr>
               <a:t>（文件结束符）或者读取到</a:t>
             </a:r>
             <a:r>
               <a:rPr lang="en-US" altLang="zh-CN" dirty="0">
-                <a:latin typeface="Microsoft YaHei Light" charset="-122"/>
-                <a:ea typeface="Microsoft YaHei Light" charset="-122"/>
-                <a:cs typeface="Microsoft YaHei Light" charset="-122"/>
+                <a:latin typeface="微软雅黑 Light" panose="020B0502040204020203" charset="-122"/>
+                <a:ea typeface="微软雅黑 Light" panose="020B0502040204020203" charset="-122"/>
+                <a:cs typeface="微软雅黑 Light" panose="020B0502040204020203" charset="-122"/>
               </a:rPr>
               <a:t>length</a:t>
             </a:r>
             <a:r>
               <a:rPr lang="zh-CN" altLang="en-US" dirty="0">
-                <a:latin typeface="Microsoft YaHei Light" charset="-122"/>
-                <a:ea typeface="Microsoft YaHei Light" charset="-122"/>
-                <a:cs typeface="Microsoft YaHei Light" charset="-122"/>
+                <a:latin typeface="微软雅黑 Light" panose="020B0502040204020203" charset="-122"/>
+                <a:ea typeface="微软雅黑 Light" panose="020B0502040204020203" charset="-122"/>
+                <a:cs typeface="微软雅黑 Light" panose="020B0502040204020203" charset="-122"/>
               </a:rPr>
               <a:t>个字符时读取将停止</a:t>
             </a:r>
             <a:r>
               <a:rPr lang="zh-CN" altLang="en-US" dirty="0" smtClean="0">
-                <a:latin typeface="Microsoft YaHei Light" charset="-122"/>
-                <a:ea typeface="Microsoft YaHei Light" charset="-122"/>
-                <a:cs typeface="Microsoft YaHei Light" charset="-122"/>
+                <a:latin typeface="微软雅黑 Light" panose="020B0502040204020203" charset="-122"/>
+                <a:ea typeface="微软雅黑 Light" panose="020B0502040204020203" charset="-122"/>
+                <a:cs typeface="微软雅黑 Light" panose="020B0502040204020203" charset="-122"/>
               </a:rPr>
               <a:t>。</a:t>
             </a:r>
             <a:endParaRPr lang="en-US" altLang="zh-CN" dirty="0" smtClean="0">
-              <a:latin typeface="Microsoft YaHei Light" charset="-122"/>
-              <a:ea typeface="Microsoft YaHei Light" charset="-122"/>
-              <a:cs typeface="Microsoft YaHei Light" charset="-122"/>
+              <a:latin typeface="微软雅黑 Light" panose="020B0502040204020203" charset="-122"/>
+              <a:ea typeface="微软雅黑 Light" panose="020B0502040204020203" charset="-122"/>
+              <a:cs typeface="微软雅黑 Light" panose="020B0502040204020203" charset="-122"/>
             </a:endParaRPr>
           </a:p>
           <a:p>
@@ -8290,9 +8321,9 @@
               <a:buNone/>
             </a:pPr>
             <a:endParaRPr lang="en-US" altLang="zh-CN" dirty="0">
-              <a:latin typeface="Microsoft YaHei Light" charset="-122"/>
-              <a:ea typeface="Microsoft YaHei Light" charset="-122"/>
-              <a:cs typeface="Microsoft YaHei Light" charset="-122"/>
+              <a:latin typeface="微软雅黑 Light" panose="020B0502040204020203" charset="-122"/>
+              <a:ea typeface="微软雅黑 Light" panose="020B0502040204020203" charset="-122"/>
+              <a:cs typeface="微软雅黑 Light" panose="020B0502040204020203" charset="-122"/>
             </a:endParaRPr>
           </a:p>
           <a:p>
@@ -8309,44 +8340,49 @@
             </a:pPr>
             <a:r>
               <a:rPr lang="en-US" altLang="zh-CN" dirty="0">
-                <a:latin typeface="Microsoft YaHei Light" charset="-122"/>
-                <a:ea typeface="Microsoft YaHei Light" charset="-122"/>
-                <a:cs typeface="Microsoft YaHei Light" charset="-122"/>
+                <a:latin typeface="微软雅黑 Light" panose="020B0502040204020203" charset="-122"/>
+                <a:ea typeface="微软雅黑 Light" panose="020B0502040204020203" charset="-122"/>
+                <a:cs typeface="微软雅黑 Light" panose="020B0502040204020203" charset="-122"/>
               </a:rPr>
               <a:t>$</a:t>
             </a:r>
             <a:r>
               <a:rPr lang="en-US" altLang="zh-CN" dirty="0" err="1">
-                <a:latin typeface="Microsoft YaHei Light" charset="-122"/>
-                <a:ea typeface="Microsoft YaHei Light" charset="-122"/>
-                <a:cs typeface="Microsoft YaHei Light" charset="-122"/>
+                <a:latin typeface="微软雅黑 Light" panose="020B0502040204020203" charset="-122"/>
+                <a:ea typeface="微软雅黑 Light" panose="020B0502040204020203" charset="-122"/>
+                <a:cs typeface="微软雅黑 Light" panose="020B0502040204020203" charset="-122"/>
               </a:rPr>
               <a:t>filePath</a:t>
             </a:r>
             <a:r>
               <a:rPr lang="en-US" altLang="zh-CN" dirty="0">
-                <a:latin typeface="Microsoft YaHei Light" charset="-122"/>
-                <a:ea typeface="Microsoft YaHei Light" charset="-122"/>
-                <a:cs typeface="Microsoft YaHei Light" charset="-122"/>
+                <a:latin typeface="微软雅黑 Light" panose="020B0502040204020203" charset="-122"/>
+                <a:ea typeface="微软雅黑 Light" panose="020B0502040204020203" charset="-122"/>
+                <a:cs typeface="微软雅黑 Light" panose="020B0502040204020203" charset="-122"/>
               </a:rPr>
               <a:t> = "</a:t>
             </a:r>
             <a:r>
               <a:rPr lang="en-US" altLang="zh-CN" dirty="0" err="1">
-                <a:latin typeface="Microsoft YaHei Light" charset="-122"/>
-                <a:ea typeface="Microsoft YaHei Light" charset="-122"/>
-                <a:cs typeface="Microsoft YaHei Light" charset="-122"/>
+                <a:latin typeface="微软雅黑 Light" panose="020B0502040204020203" charset="-122"/>
+                <a:ea typeface="微软雅黑 Light" panose="020B0502040204020203" charset="-122"/>
+                <a:cs typeface="微软雅黑 Light" panose="020B0502040204020203" charset="-122"/>
               </a:rPr>
               <a:t>test.txt</a:t>
             </a:r>
             <a:r>
               <a:rPr lang="en-US" altLang="zh-CN" dirty="0" smtClean="0">
-                <a:latin typeface="Microsoft YaHei Light" charset="-122"/>
-                <a:ea typeface="Microsoft YaHei Light" charset="-122"/>
-                <a:cs typeface="Microsoft YaHei Light" charset="-122"/>
+                <a:latin typeface="微软雅黑 Light" panose="020B0502040204020203" charset="-122"/>
+                <a:ea typeface="微软雅黑 Light" panose="020B0502040204020203" charset="-122"/>
+                <a:cs typeface="微软雅黑 Light" panose="020B0502040204020203" charset="-122"/>
               </a:rPr>
               <a:t>";</a:t>
             </a:r>
+            <a:endParaRPr lang="en-US" altLang="zh-CN" dirty="0" smtClean="0">
+              <a:latin typeface="微软雅黑 Light" panose="020B0502040204020203" charset="-122"/>
+              <a:ea typeface="微软雅黑 Light" panose="020B0502040204020203" charset="-122"/>
+              <a:cs typeface="微软雅黑 Light" panose="020B0502040204020203" charset="-122"/>
+            </a:endParaRPr>
           </a:p>
           <a:p>
             <a:pPr marL="0" lvl="0" indent="0">
@@ -8362,60 +8398,65 @@
             </a:pPr>
             <a:r>
               <a:rPr lang="en-US" altLang="zh-CN" dirty="0" smtClean="0">
-                <a:latin typeface="Microsoft YaHei Light" charset="-122"/>
-                <a:ea typeface="Microsoft YaHei Light" charset="-122"/>
-                <a:cs typeface="Microsoft YaHei Light" charset="-122"/>
+                <a:latin typeface="微软雅黑 Light" panose="020B0502040204020203" charset="-122"/>
+                <a:ea typeface="微软雅黑 Light" panose="020B0502040204020203" charset="-122"/>
+                <a:cs typeface="微软雅黑 Light" panose="020B0502040204020203" charset="-122"/>
               </a:rPr>
               <a:t>$</a:t>
             </a:r>
             <a:r>
               <a:rPr lang="en-US" altLang="zh-CN" dirty="0">
-                <a:latin typeface="Microsoft YaHei Light" charset="-122"/>
-                <a:ea typeface="Microsoft YaHei Light" charset="-122"/>
-                <a:cs typeface="Microsoft YaHei Light" charset="-122"/>
+                <a:latin typeface="微软雅黑 Light" panose="020B0502040204020203" charset="-122"/>
+                <a:ea typeface="微软雅黑 Light" panose="020B0502040204020203" charset="-122"/>
+                <a:cs typeface="微软雅黑 Light" panose="020B0502040204020203" charset="-122"/>
               </a:rPr>
               <a:t>file = </a:t>
             </a:r>
             <a:r>
               <a:rPr lang="en-US" altLang="zh-CN" dirty="0" err="1">
-                <a:latin typeface="Microsoft YaHei Light" charset="-122"/>
-                <a:ea typeface="Microsoft YaHei Light" charset="-122"/>
-                <a:cs typeface="Microsoft YaHei Light" charset="-122"/>
+                <a:latin typeface="微软雅黑 Light" panose="020B0502040204020203" charset="-122"/>
+                <a:ea typeface="微软雅黑 Light" panose="020B0502040204020203" charset="-122"/>
+                <a:cs typeface="微软雅黑 Light" panose="020B0502040204020203" charset="-122"/>
               </a:rPr>
               <a:t>fopen</a:t>
             </a:r>
             <a:r>
               <a:rPr lang="en-US" altLang="zh-CN" dirty="0">
-                <a:latin typeface="Microsoft YaHei Light" charset="-122"/>
-                <a:ea typeface="Microsoft YaHei Light" charset="-122"/>
-                <a:cs typeface="Microsoft YaHei Light" charset="-122"/>
+                <a:latin typeface="微软雅黑 Light" panose="020B0502040204020203" charset="-122"/>
+                <a:ea typeface="微软雅黑 Light" panose="020B0502040204020203" charset="-122"/>
+                <a:cs typeface="微软雅黑 Light" panose="020B0502040204020203" charset="-122"/>
               </a:rPr>
               <a:t>($</a:t>
             </a:r>
             <a:r>
               <a:rPr lang="en-US" altLang="zh-CN" dirty="0" err="1">
-                <a:latin typeface="Microsoft YaHei Light" charset="-122"/>
-                <a:ea typeface="Microsoft YaHei Light" charset="-122"/>
-                <a:cs typeface="Microsoft YaHei Light" charset="-122"/>
+                <a:latin typeface="微软雅黑 Light" panose="020B0502040204020203" charset="-122"/>
+                <a:ea typeface="微软雅黑 Light" panose="020B0502040204020203" charset="-122"/>
+                <a:cs typeface="微软雅黑 Light" panose="020B0502040204020203" charset="-122"/>
               </a:rPr>
               <a:t>filePath</a:t>
             </a:r>
             <a:r>
               <a:rPr lang="en-US" altLang="zh-CN" dirty="0">
-                <a:latin typeface="Microsoft YaHei Light" charset="-122"/>
-                <a:ea typeface="Microsoft YaHei Light" charset="-122"/>
-                <a:cs typeface="Microsoft YaHei Light" charset="-122"/>
+                <a:latin typeface="微软雅黑 Light" panose="020B0502040204020203" charset="-122"/>
+                <a:ea typeface="微软雅黑 Light" panose="020B0502040204020203" charset="-122"/>
+                <a:cs typeface="微软雅黑 Light" panose="020B0502040204020203" charset="-122"/>
               </a:rPr>
               <a:t>,"r</a:t>
             </a:r>
             <a:r>
               <a:rPr lang="en-US" altLang="zh-CN" dirty="0" smtClean="0">
-                <a:latin typeface="Microsoft YaHei Light" charset="-122"/>
-                <a:ea typeface="Microsoft YaHei Light" charset="-122"/>
-                <a:cs typeface="Microsoft YaHei Light" charset="-122"/>
+                <a:latin typeface="微软雅黑 Light" panose="020B0502040204020203" charset="-122"/>
+                <a:ea typeface="微软雅黑 Light" panose="020B0502040204020203" charset="-122"/>
+                <a:cs typeface="微软雅黑 Light" panose="020B0502040204020203" charset="-122"/>
               </a:rPr>
               <a:t>");</a:t>
             </a:r>
+            <a:endParaRPr lang="en-US" altLang="zh-CN" dirty="0" smtClean="0">
+              <a:latin typeface="微软雅黑 Light" panose="020B0502040204020203" charset="-122"/>
+              <a:ea typeface="微软雅黑 Light" panose="020B0502040204020203" charset="-122"/>
+              <a:cs typeface="微软雅黑 Light" panose="020B0502040204020203" charset="-122"/>
+            </a:endParaRPr>
           </a:p>
           <a:p>
             <a:pPr marL="0" indent="0">
@@ -8431,28 +8472,33 @@
             </a:pPr>
             <a:r>
               <a:rPr lang="en-US" altLang="zh-CN" dirty="0" err="1">
-                <a:latin typeface="Microsoft YaHei Light" charset="-122"/>
-                <a:ea typeface="Microsoft YaHei Light" charset="-122"/>
-                <a:cs typeface="Microsoft YaHei Light" charset="-122"/>
+                <a:latin typeface="微软雅黑 Light" panose="020B0502040204020203" charset="-122"/>
+                <a:ea typeface="微软雅黑 Light" panose="020B0502040204020203" charset="-122"/>
+                <a:cs typeface="微软雅黑 Light" panose="020B0502040204020203" charset="-122"/>
               </a:rPr>
               <a:t>fread</a:t>
             </a:r>
             <a:r>
               <a:rPr lang="en-US" altLang="zh-CN" dirty="0">
-                <a:latin typeface="Microsoft YaHei Light" charset="-122"/>
-                <a:ea typeface="Microsoft YaHei Light" charset="-122"/>
-                <a:cs typeface="Microsoft YaHei Light" charset="-122"/>
+                <a:latin typeface="微软雅黑 Light" panose="020B0502040204020203" charset="-122"/>
+                <a:ea typeface="微软雅黑 Light" panose="020B0502040204020203" charset="-122"/>
+                <a:cs typeface="微软雅黑 Light" panose="020B0502040204020203" charset="-122"/>
               </a:rPr>
               <a:t>($file,"10</a:t>
             </a:r>
             <a:r>
               <a:rPr lang="en-US" altLang="zh-CN" dirty="0" smtClean="0">
-                <a:latin typeface="Microsoft YaHei Light" charset="-122"/>
-                <a:ea typeface="Microsoft YaHei Light" charset="-122"/>
-                <a:cs typeface="Microsoft YaHei Light" charset="-122"/>
+                <a:latin typeface="微软雅黑 Light" panose="020B0502040204020203" charset="-122"/>
+                <a:ea typeface="微软雅黑 Light" panose="020B0502040204020203" charset="-122"/>
+                <a:cs typeface="微软雅黑 Light" panose="020B0502040204020203" charset="-122"/>
               </a:rPr>
               <a:t>");</a:t>
             </a:r>
+            <a:endParaRPr lang="en-US" altLang="zh-CN" dirty="0" smtClean="0">
+              <a:latin typeface="微软雅黑 Light" panose="020B0502040204020203" charset="-122"/>
+              <a:ea typeface="微软雅黑 Light" panose="020B0502040204020203" charset="-122"/>
+              <a:cs typeface="微软雅黑 Light" panose="020B0502040204020203" charset="-122"/>
+            </a:endParaRPr>
           </a:p>
           <a:p>
             <a:pPr marL="0" indent="0">
@@ -8468,28 +8514,33 @@
             </a:pPr>
             <a:r>
               <a:rPr lang="en-US" altLang="zh-CN" dirty="0" err="1">
-                <a:latin typeface="Microsoft YaHei Light" charset="-122"/>
-                <a:ea typeface="Microsoft YaHei Light" charset="-122"/>
-                <a:cs typeface="Microsoft YaHei Light" charset="-122"/>
+                <a:latin typeface="微软雅黑 Light" panose="020B0502040204020203" charset="-122"/>
+                <a:ea typeface="微软雅黑 Light" panose="020B0502040204020203" charset="-122"/>
+                <a:cs typeface="微软雅黑 Light" panose="020B0502040204020203" charset="-122"/>
               </a:rPr>
               <a:t>fread</a:t>
             </a:r>
             <a:r>
               <a:rPr lang="en-US" altLang="zh-CN" dirty="0">
-                <a:latin typeface="Microsoft YaHei Light" charset="-122"/>
-                <a:ea typeface="Microsoft YaHei Light" charset="-122"/>
-                <a:cs typeface="Microsoft YaHei Light" charset="-122"/>
+                <a:latin typeface="微软雅黑 Light" panose="020B0502040204020203" charset="-122"/>
+                <a:ea typeface="微软雅黑 Light" panose="020B0502040204020203" charset="-122"/>
+                <a:cs typeface="微软雅黑 Light" panose="020B0502040204020203" charset="-122"/>
               </a:rPr>
               <a:t>($file,"10</a:t>
             </a:r>
             <a:r>
               <a:rPr lang="en-US" altLang="zh-CN" dirty="0" smtClean="0">
-                <a:latin typeface="Microsoft YaHei Light" charset="-122"/>
-                <a:ea typeface="Microsoft YaHei Light" charset="-122"/>
-                <a:cs typeface="Microsoft YaHei Light" charset="-122"/>
+                <a:latin typeface="微软雅黑 Light" panose="020B0502040204020203" charset="-122"/>
+                <a:ea typeface="微软雅黑 Light" panose="020B0502040204020203" charset="-122"/>
+                <a:cs typeface="微软雅黑 Light" panose="020B0502040204020203" charset="-122"/>
               </a:rPr>
               <a:t>");</a:t>
             </a:r>
+            <a:endParaRPr lang="en-US" altLang="zh-CN" dirty="0" smtClean="0">
+              <a:latin typeface="微软雅黑 Light" panose="020B0502040204020203" charset="-122"/>
+              <a:ea typeface="微软雅黑 Light" panose="020B0502040204020203" charset="-122"/>
+              <a:cs typeface="微软雅黑 Light" panose="020B0502040204020203" charset="-122"/>
+            </a:endParaRPr>
           </a:p>
           <a:p>
             <a:pPr marL="0" indent="0">
@@ -8505,28 +8556,33 @@
             </a:pPr>
             <a:r>
               <a:rPr lang="en-US" altLang="zh-CN" dirty="0" err="1" smtClean="0">
-                <a:latin typeface="Microsoft YaHei Light" charset="-122"/>
-                <a:ea typeface="Microsoft YaHei Light" charset="-122"/>
-                <a:cs typeface="Microsoft YaHei Light" charset="-122"/>
+                <a:latin typeface="微软雅黑 Light" panose="020B0502040204020203" charset="-122"/>
+                <a:ea typeface="微软雅黑 Light" panose="020B0502040204020203" charset="-122"/>
+                <a:cs typeface="微软雅黑 Light" panose="020B0502040204020203" charset="-122"/>
               </a:rPr>
               <a:t>fclose</a:t>
             </a:r>
             <a:r>
               <a:rPr lang="en-US" altLang="zh-CN" dirty="0">
-                <a:latin typeface="Microsoft YaHei Light" charset="-122"/>
-                <a:ea typeface="Microsoft YaHei Light" charset="-122"/>
-                <a:cs typeface="Microsoft YaHei Light" charset="-122"/>
+                <a:latin typeface="微软雅黑 Light" panose="020B0502040204020203" charset="-122"/>
+                <a:ea typeface="微软雅黑 Light" panose="020B0502040204020203" charset="-122"/>
+                <a:cs typeface="微软雅黑 Light" panose="020B0502040204020203" charset="-122"/>
               </a:rPr>
               <a:t>($</a:t>
             </a:r>
             <a:r>
               <a:rPr lang="en-US" altLang="zh-CN" dirty="0" smtClean="0">
-                <a:latin typeface="Microsoft YaHei Light" charset="-122"/>
-                <a:ea typeface="Microsoft YaHei Light" charset="-122"/>
-                <a:cs typeface="Microsoft YaHei Light" charset="-122"/>
+                <a:latin typeface="微软雅黑 Light" panose="020B0502040204020203" charset="-122"/>
+                <a:ea typeface="微软雅黑 Light" panose="020B0502040204020203" charset="-122"/>
+                <a:cs typeface="微软雅黑 Light" panose="020B0502040204020203" charset="-122"/>
               </a:rPr>
               <a:t>file);</a:t>
             </a:r>
+            <a:endParaRPr lang="en-US" altLang="zh-CN" dirty="0" smtClean="0">
+              <a:latin typeface="微软雅黑 Light" panose="020B0502040204020203" charset="-122"/>
+              <a:ea typeface="微软雅黑 Light" panose="020B0502040204020203" charset="-122"/>
+              <a:cs typeface="微软雅黑 Light" panose="020B0502040204020203" charset="-122"/>
+            </a:endParaRPr>
           </a:p>
           <a:p>
             <a:pPr marL="0" indent="0">
@@ -8541,19 +8597,14 @@
               <a:buNone/>
             </a:pPr>
             <a:endParaRPr lang="en-US" altLang="zh-CN" dirty="0">
-              <a:latin typeface="Microsoft YaHei Light" charset="-122"/>
-              <a:ea typeface="Microsoft YaHei Light" charset="-122"/>
-              <a:cs typeface="Microsoft YaHei Light" charset="-122"/>
+              <a:latin typeface="微软雅黑 Light" panose="020B0502040204020203" charset="-122"/>
+              <a:ea typeface="微软雅黑 Light" panose="020B0502040204020203" charset="-122"/>
+              <a:cs typeface="微软雅黑 Light" panose="020B0502040204020203" charset="-122"/>
             </a:endParaRPr>
           </a:p>
         </p:txBody>
       </p:sp>
     </p:spTree>
-    <p:extLst>
-      <p:ext uri="{BB962C8B-B14F-4D97-AF65-F5344CB8AC3E}">
-        <p14:creationId xmlns:p14="http://schemas.microsoft.com/office/powerpoint/2010/main" val="306633110"/>
-      </p:ext>
-    </p:extLst>
   </p:cSld>
   <p:clrMapOvr>
     <a:masterClrMapping/>
@@ -8607,32 +8658,32 @@
           <a:p>
             <a:r>
               <a:rPr lang="zh-CN" altLang="en-US" dirty="0">
-                <a:latin typeface="Microsoft YaHei" charset="-122"/>
-                <a:ea typeface="Microsoft YaHei" charset="-122"/>
-                <a:cs typeface="Microsoft YaHei" charset="-122"/>
+                <a:latin typeface="微软雅黑" panose="020B0503020204020204" charset="-122"/>
+                <a:ea typeface="微软雅黑" panose="020B0503020204020204" charset="-122"/>
+                <a:cs typeface="微软雅黑" panose="020B0503020204020204" charset="-122"/>
               </a:rPr>
               <a:t>检测文件末尾（</a:t>
             </a:r>
             <a:r>
               <a:rPr lang="en-US" altLang="zh-CN" dirty="0">
-                <a:latin typeface="Microsoft YaHei" charset="-122"/>
-                <a:ea typeface="Microsoft YaHei" charset="-122"/>
-                <a:cs typeface="Microsoft YaHei" charset="-122"/>
+                <a:latin typeface="微软雅黑" panose="020B0503020204020204" charset="-122"/>
+                <a:ea typeface="微软雅黑" panose="020B0503020204020204" charset="-122"/>
+                <a:cs typeface="微软雅黑" panose="020B0503020204020204" charset="-122"/>
               </a:rPr>
               <a:t>EOF</a:t>
             </a:r>
             <a:r>
               <a:rPr lang="zh-CN" altLang="en-US" dirty="0">
-                <a:latin typeface="Microsoft YaHei" charset="-122"/>
-                <a:ea typeface="Microsoft YaHei" charset="-122"/>
-                <a:cs typeface="Microsoft YaHei" charset="-122"/>
+                <a:latin typeface="微软雅黑" panose="020B0503020204020204" charset="-122"/>
+                <a:ea typeface="微软雅黑" panose="020B0503020204020204" charset="-122"/>
+                <a:cs typeface="微软雅黑" panose="020B0503020204020204" charset="-122"/>
               </a:rPr>
               <a:t>）</a:t>
             </a:r>
             <a:endParaRPr lang="en-US" dirty="0">
-              <a:latin typeface="Microsoft YaHei" charset="-122"/>
-              <a:ea typeface="Microsoft YaHei" charset="-122"/>
-              <a:cs typeface="Microsoft YaHei" charset="-122"/>
+              <a:latin typeface="微软雅黑" panose="020B0503020204020204" charset="-122"/>
+              <a:ea typeface="微软雅黑" panose="020B0503020204020204" charset="-122"/>
+              <a:cs typeface="微软雅黑" panose="020B0503020204020204" charset="-122"/>
             </a:endParaRPr>
           </a:p>
         </p:txBody>
@@ -8667,58 +8718,53 @@
             </a:pPr>
             <a:r>
               <a:rPr lang="en-US" altLang="zh-CN" dirty="0">
-                <a:latin typeface="Microsoft YaHei Light" charset="-122"/>
-                <a:ea typeface="Microsoft YaHei Light" charset="-122"/>
-                <a:cs typeface="Microsoft YaHei Light" charset="-122"/>
+                <a:latin typeface="微软雅黑 Light" panose="020B0502040204020203" charset="-122"/>
+                <a:ea typeface="微软雅黑 Light" panose="020B0502040204020203" charset="-122"/>
+                <a:cs typeface="微软雅黑 Light" panose="020B0502040204020203" charset="-122"/>
               </a:rPr>
               <a:t>if (</a:t>
             </a:r>
             <a:r>
               <a:rPr lang="en-US" altLang="zh-CN" dirty="0" err="1">
-                <a:latin typeface="Microsoft YaHei Light" charset="-122"/>
-                <a:ea typeface="Microsoft YaHei Light" charset="-122"/>
-                <a:cs typeface="Microsoft YaHei Light" charset="-122"/>
+                <a:latin typeface="微软雅黑 Light" panose="020B0502040204020203" charset="-122"/>
+                <a:ea typeface="微软雅黑 Light" panose="020B0502040204020203" charset="-122"/>
+                <a:cs typeface="微软雅黑 Light" panose="020B0502040204020203" charset="-122"/>
               </a:rPr>
               <a:t>feof</a:t>
             </a:r>
             <a:r>
               <a:rPr lang="en-US" altLang="zh-CN" dirty="0">
-                <a:latin typeface="Microsoft YaHei Light" charset="-122"/>
-                <a:ea typeface="Microsoft YaHei Light" charset="-122"/>
-                <a:cs typeface="Microsoft YaHei Light" charset="-122"/>
+                <a:latin typeface="微软雅黑 Light" panose="020B0502040204020203" charset="-122"/>
+                <a:ea typeface="微软雅黑 Light" panose="020B0502040204020203" charset="-122"/>
+                <a:cs typeface="微软雅黑 Light" panose="020B0502040204020203" charset="-122"/>
               </a:rPr>
               <a:t>($file)) echo "</a:t>
             </a:r>
             <a:r>
               <a:rPr lang="zh-CN" altLang="en-US" dirty="0">
-                <a:latin typeface="Microsoft YaHei Light" charset="-122"/>
-                <a:ea typeface="Microsoft YaHei Light" charset="-122"/>
-                <a:cs typeface="Microsoft YaHei Light" charset="-122"/>
+                <a:latin typeface="微软雅黑 Light" panose="020B0502040204020203" charset="-122"/>
+                <a:ea typeface="微软雅黑 Light" panose="020B0502040204020203" charset="-122"/>
+                <a:cs typeface="微软雅黑 Light" panose="020B0502040204020203" charset="-122"/>
               </a:rPr>
               <a:t>文件结尾</a:t>
             </a:r>
             <a:r>
               <a:rPr lang="en-US" altLang="zh-CN" dirty="0">
-                <a:latin typeface="Microsoft YaHei Light" charset="-122"/>
-                <a:ea typeface="Microsoft YaHei Light" charset="-122"/>
-                <a:cs typeface="Microsoft YaHei Light" charset="-122"/>
+                <a:latin typeface="微软雅黑 Light" panose="020B0502040204020203" charset="-122"/>
+                <a:ea typeface="微软雅黑 Light" panose="020B0502040204020203" charset="-122"/>
+                <a:cs typeface="微软雅黑 Light" panose="020B0502040204020203" charset="-122"/>
               </a:rPr>
               <a:t>";</a:t>
             </a:r>
             <a:endParaRPr lang="en-US" altLang="zh-CN" dirty="0" smtClean="0">
-              <a:latin typeface="Microsoft YaHei Light" charset="-122"/>
-              <a:ea typeface="Microsoft YaHei Light" charset="-122"/>
-              <a:cs typeface="Microsoft YaHei Light" charset="-122"/>
+              <a:latin typeface="微软雅黑 Light" panose="020B0502040204020203" charset="-122"/>
+              <a:ea typeface="微软雅黑 Light" panose="020B0502040204020203" charset="-122"/>
+              <a:cs typeface="微软雅黑 Light" panose="020B0502040204020203" charset="-122"/>
             </a:endParaRPr>
           </a:p>
         </p:txBody>
       </p:sp>
     </p:spTree>
-    <p:extLst>
-      <p:ext uri="{BB962C8B-B14F-4D97-AF65-F5344CB8AC3E}">
-        <p14:creationId xmlns:p14="http://schemas.microsoft.com/office/powerpoint/2010/main" val="1633438310"/>
-      </p:ext>
-    </p:extLst>
   </p:cSld>
   <p:clrMapOvr>
     <a:masterClrMapping/>
@@ -8772,32 +8818,32 @@
           <a:p>
             <a:r>
               <a:rPr lang="zh-CN" altLang="en-US" dirty="0">
-                <a:latin typeface="Microsoft YaHei" charset="-122"/>
-                <a:ea typeface="Microsoft YaHei" charset="-122"/>
-                <a:cs typeface="Microsoft YaHei" charset="-122"/>
+                <a:latin typeface="微软雅黑" panose="020B0503020204020204" charset="-122"/>
+                <a:ea typeface="微软雅黑" panose="020B0503020204020204" charset="-122"/>
+                <a:cs typeface="微软雅黑" panose="020B0503020204020204" charset="-122"/>
               </a:rPr>
               <a:t>读取</a:t>
             </a:r>
             <a:r>
               <a:rPr lang="zh-CN" altLang="en-US" dirty="0" smtClean="0">
-                <a:latin typeface="Microsoft YaHei" charset="-122"/>
-                <a:ea typeface="Microsoft YaHei" charset="-122"/>
-                <a:cs typeface="Microsoft YaHei" charset="-122"/>
+                <a:latin typeface="微软雅黑" panose="020B0503020204020204" charset="-122"/>
+                <a:ea typeface="微软雅黑" panose="020B0503020204020204" charset="-122"/>
+                <a:cs typeface="微软雅黑" panose="020B0503020204020204" charset="-122"/>
               </a:rPr>
               <a:t>文件</a:t>
             </a:r>
             <a:r>
               <a:rPr lang="en-US" altLang="zh-CN" dirty="0" err="1" smtClean="0">
-                <a:latin typeface="Microsoft YaHei" charset="-122"/>
-                <a:ea typeface="Microsoft YaHei" charset="-122"/>
-                <a:cs typeface="Microsoft YaHei" charset="-122"/>
+                <a:latin typeface="微软雅黑" panose="020B0503020204020204" charset="-122"/>
+                <a:ea typeface="微软雅黑" panose="020B0503020204020204" charset="-122"/>
+                <a:cs typeface="微软雅黑" panose="020B0503020204020204" charset="-122"/>
               </a:rPr>
               <a:t>fgets</a:t>
             </a:r>
             <a:endParaRPr lang="en-US" dirty="0">
-              <a:latin typeface="Microsoft YaHei" charset="-122"/>
-              <a:ea typeface="Microsoft YaHei" charset="-122"/>
-              <a:cs typeface="Microsoft YaHei" charset="-122"/>
+              <a:latin typeface="微软雅黑" panose="020B0503020204020204" charset="-122"/>
+              <a:ea typeface="微软雅黑" panose="020B0503020204020204" charset="-122"/>
+              <a:cs typeface="微软雅黑" panose="020B0503020204020204" charset="-122"/>
             </a:endParaRPr>
           </a:p>
         </p:txBody>
@@ -8832,36 +8878,41 @@
             </a:pPr>
             <a:r>
               <a:rPr lang="en-US" altLang="zh-CN" dirty="0" err="1">
-                <a:latin typeface="Microsoft YaHei Light" charset="-122"/>
-                <a:ea typeface="Microsoft YaHei Light" charset="-122"/>
-                <a:cs typeface="Microsoft YaHei Light" charset="-122"/>
+                <a:latin typeface="微软雅黑 Light" panose="020B0502040204020203" charset="-122"/>
+                <a:ea typeface="微软雅黑 Light" panose="020B0502040204020203" charset="-122"/>
+                <a:cs typeface="微软雅黑 Light" panose="020B0502040204020203" charset="-122"/>
               </a:rPr>
               <a:t>fgets</a:t>
             </a:r>
             <a:r>
               <a:rPr lang="en-US" altLang="zh-CN" dirty="0">
-                <a:latin typeface="Microsoft YaHei Light" charset="-122"/>
-                <a:ea typeface="Microsoft YaHei Light" charset="-122"/>
-                <a:cs typeface="Microsoft YaHei Light" charset="-122"/>
+                <a:latin typeface="微软雅黑 Light" panose="020B0502040204020203" charset="-122"/>
+                <a:ea typeface="微软雅黑 Light" panose="020B0502040204020203" charset="-122"/>
+                <a:cs typeface="微软雅黑 Light" panose="020B0502040204020203" charset="-122"/>
               </a:rPr>
               <a:t>(</a:t>
             </a:r>
             <a:r>
               <a:rPr lang="en-US" altLang="zh-CN" dirty="0" err="1">
-                <a:latin typeface="Microsoft YaHei Light" charset="-122"/>
-                <a:ea typeface="Microsoft YaHei Light" charset="-122"/>
-                <a:cs typeface="Microsoft YaHei Light" charset="-122"/>
+                <a:latin typeface="微软雅黑 Light" panose="020B0502040204020203" charset="-122"/>
+                <a:ea typeface="微软雅黑 Light" panose="020B0502040204020203" charset="-122"/>
+                <a:cs typeface="微软雅黑 Light" panose="020B0502040204020203" charset="-122"/>
               </a:rPr>
               <a:t>file,length</a:t>
             </a:r>
             <a:r>
               <a:rPr lang="en-US" altLang="zh-CN" dirty="0">
-                <a:latin typeface="Microsoft YaHei Light" charset="-122"/>
-                <a:ea typeface="Microsoft YaHei Light" charset="-122"/>
-                <a:cs typeface="Microsoft YaHei Light" charset="-122"/>
+                <a:latin typeface="微软雅黑 Light" panose="020B0502040204020203" charset="-122"/>
+                <a:ea typeface="微软雅黑 Light" panose="020B0502040204020203" charset="-122"/>
+                <a:cs typeface="微软雅黑 Light" panose="020B0502040204020203" charset="-122"/>
               </a:rPr>
               <a:t>)</a:t>
             </a:r>
+            <a:endParaRPr lang="en-US" altLang="zh-CN" dirty="0">
+              <a:latin typeface="微软雅黑 Light" panose="020B0502040204020203" charset="-122"/>
+              <a:ea typeface="微软雅黑 Light" panose="020B0502040204020203" charset="-122"/>
+              <a:cs typeface="微软雅黑 Light" panose="020B0502040204020203" charset="-122"/>
+            </a:endParaRPr>
           </a:p>
           <a:p>
             <a:pPr marL="0" lvl="0" indent="0">
@@ -8877,80 +8928,80 @@
             </a:pPr>
             <a:r>
               <a:rPr lang="zh-CN" altLang="en-US" dirty="0" smtClean="0">
-                <a:latin typeface="Microsoft YaHei Light" charset="-122"/>
-                <a:ea typeface="Microsoft YaHei Light" charset="-122"/>
-                <a:cs typeface="Microsoft YaHei Light" charset="-122"/>
+                <a:latin typeface="微软雅黑 Light" panose="020B0502040204020203" charset="-122"/>
+                <a:ea typeface="微软雅黑 Light" panose="020B0502040204020203" charset="-122"/>
+                <a:cs typeface="微软雅黑 Light" panose="020B0502040204020203" charset="-122"/>
               </a:rPr>
               <a:t>函数</a:t>
             </a:r>
             <a:r>
               <a:rPr lang="zh-CN" altLang="en-US" dirty="0">
-                <a:latin typeface="Microsoft YaHei Light" charset="-122"/>
-                <a:ea typeface="Microsoft YaHei Light" charset="-122"/>
-                <a:cs typeface="Microsoft YaHei Light" charset="-122"/>
+                <a:latin typeface="微软雅黑 Light" panose="020B0502040204020203" charset="-122"/>
+                <a:ea typeface="微软雅黑 Light" panose="020B0502040204020203" charset="-122"/>
+                <a:cs typeface="微软雅黑 Light" panose="020B0502040204020203" charset="-122"/>
               </a:rPr>
               <a:t>从</a:t>
             </a:r>
             <a:r>
               <a:rPr lang="en-US" altLang="zh-CN" dirty="0">
-                <a:latin typeface="Microsoft YaHei Light" charset="-122"/>
-                <a:ea typeface="Microsoft YaHei Light" charset="-122"/>
-                <a:cs typeface="Microsoft YaHei Light" charset="-122"/>
+                <a:latin typeface="微软雅黑 Light" panose="020B0502040204020203" charset="-122"/>
+                <a:ea typeface="微软雅黑 Light" panose="020B0502040204020203" charset="-122"/>
+                <a:cs typeface="微软雅黑 Light" panose="020B0502040204020203" charset="-122"/>
               </a:rPr>
               <a:t>handle</a:t>
             </a:r>
             <a:r>
               <a:rPr lang="zh-CN" altLang="en-US" dirty="0">
-                <a:latin typeface="Microsoft YaHei Light" charset="-122"/>
-                <a:ea typeface="Microsoft YaHei Light" charset="-122"/>
-                <a:cs typeface="Microsoft YaHei Light" charset="-122"/>
+                <a:latin typeface="微软雅黑 Light" panose="020B0502040204020203" charset="-122"/>
+                <a:ea typeface="微软雅黑 Light" panose="020B0502040204020203" charset="-122"/>
+                <a:cs typeface="微软雅黑 Light" panose="020B0502040204020203" charset="-122"/>
               </a:rPr>
               <a:t>（句柄）指定的资源中读取一行字符，碰到换行符（包括在返回值中）、</a:t>
             </a:r>
             <a:r>
               <a:rPr lang="en-US" altLang="zh-CN" dirty="0">
-                <a:latin typeface="Microsoft YaHei Light" charset="-122"/>
-                <a:ea typeface="Microsoft YaHei Light" charset="-122"/>
-                <a:cs typeface="Microsoft YaHei Light" charset="-122"/>
+                <a:latin typeface="微软雅黑 Light" panose="020B0502040204020203" charset="-122"/>
+                <a:ea typeface="微软雅黑 Light" panose="020B0502040204020203" charset="-122"/>
+                <a:cs typeface="微软雅黑 Light" panose="020B0502040204020203" charset="-122"/>
               </a:rPr>
               <a:t>EOF</a:t>
             </a:r>
             <a:r>
               <a:rPr lang="zh-CN" altLang="en-US" dirty="0">
-                <a:latin typeface="Microsoft YaHei Light" charset="-122"/>
-                <a:ea typeface="Microsoft YaHei Light" charset="-122"/>
-                <a:cs typeface="Microsoft YaHei Light" charset="-122"/>
+                <a:latin typeface="微软雅黑 Light" panose="020B0502040204020203" charset="-122"/>
+                <a:ea typeface="微软雅黑 Light" panose="020B0502040204020203" charset="-122"/>
+                <a:cs typeface="微软雅黑 Light" panose="020B0502040204020203" charset="-122"/>
               </a:rPr>
               <a:t>或者已经读取了</a:t>
             </a:r>
             <a:r>
               <a:rPr lang="en-US" altLang="zh-CN" dirty="0">
-                <a:latin typeface="Microsoft YaHei Light" charset="-122"/>
-                <a:ea typeface="Microsoft YaHei Light" charset="-122"/>
-                <a:cs typeface="Microsoft YaHei Light" charset="-122"/>
+                <a:latin typeface="微软雅黑 Light" panose="020B0502040204020203" charset="-122"/>
+                <a:ea typeface="微软雅黑 Light" panose="020B0502040204020203" charset="-122"/>
+                <a:cs typeface="微软雅黑 Light" panose="020B0502040204020203" charset="-122"/>
               </a:rPr>
               <a:t>length-1</a:t>
             </a:r>
             <a:r>
               <a:rPr lang="zh-CN" altLang="en-US" dirty="0">
-                <a:latin typeface="Microsoft YaHei Light" charset="-122"/>
-                <a:ea typeface="Microsoft YaHei Light" charset="-122"/>
-                <a:cs typeface="Microsoft YaHei Light" charset="-122"/>
+                <a:latin typeface="微软雅黑 Light" panose="020B0502040204020203" charset="-122"/>
+                <a:ea typeface="微软雅黑 Light" panose="020B0502040204020203" charset="-122"/>
+                <a:cs typeface="微软雅黑 Light" panose="020B0502040204020203" charset="-122"/>
               </a:rPr>
               <a:t>字节后停止（看先碰到哪一种情况）</a:t>
             </a:r>
             <a:r>
               <a:rPr lang="zh-CN" altLang="en-US" dirty="0" smtClean="0">
-                <a:latin typeface="Microsoft YaHei Light" charset="-122"/>
-                <a:ea typeface="Microsoft YaHei Light" charset="-122"/>
-                <a:cs typeface="Microsoft YaHei Light" charset="-122"/>
+                <a:latin typeface="微软雅黑 Light" panose="020B0502040204020203" charset="-122"/>
+                <a:ea typeface="微软雅黑 Light" panose="020B0502040204020203" charset="-122"/>
+                <a:cs typeface="微软雅黑 Light" panose="020B0502040204020203" charset="-122"/>
               </a:rPr>
               <a:t>。</a:t>
             </a:r>
             <a:endParaRPr lang="en-US" altLang="zh-CN" dirty="0" smtClean="0">
-              <a:latin typeface="Microsoft YaHei Light" charset="-122"/>
-              <a:ea typeface="Microsoft YaHei Light" charset="-122"/>
-              <a:cs typeface="Microsoft YaHei Light" charset="-122"/>
+              <a:latin typeface="微软雅黑 Light" panose="020B0502040204020203" charset="-122"/>
+              <a:ea typeface="微软雅黑 Light" panose="020B0502040204020203" charset="-122"/>
+              <a:cs typeface="微软雅黑 Light" panose="020B0502040204020203" charset="-122"/>
             </a:endParaRPr>
           </a:p>
           <a:p>
@@ -8966,9 +9017,9 @@
               <a:buNone/>
             </a:pPr>
             <a:endParaRPr lang="en-US" altLang="zh-CN" dirty="0">
-              <a:latin typeface="Microsoft YaHei Light" charset="-122"/>
-              <a:ea typeface="Microsoft YaHei Light" charset="-122"/>
-              <a:cs typeface="Microsoft YaHei Light" charset="-122"/>
+              <a:latin typeface="微软雅黑 Light" panose="020B0502040204020203" charset="-122"/>
+              <a:ea typeface="微软雅黑 Light" panose="020B0502040204020203" charset="-122"/>
+              <a:cs typeface="微软雅黑 Light" panose="020B0502040204020203" charset="-122"/>
             </a:endParaRPr>
           </a:p>
           <a:p>
@@ -8985,44 +9036,49 @@
             </a:pPr>
             <a:r>
               <a:rPr lang="en-US" altLang="zh-CN" dirty="0">
-                <a:latin typeface="Microsoft YaHei Light" charset="-122"/>
-                <a:ea typeface="Microsoft YaHei Light" charset="-122"/>
-                <a:cs typeface="Microsoft YaHei Light" charset="-122"/>
+                <a:latin typeface="微软雅黑 Light" panose="020B0502040204020203" charset="-122"/>
+                <a:ea typeface="微软雅黑 Light" panose="020B0502040204020203" charset="-122"/>
+                <a:cs typeface="微软雅黑 Light" panose="020B0502040204020203" charset="-122"/>
               </a:rPr>
               <a:t>$</a:t>
             </a:r>
             <a:r>
               <a:rPr lang="en-US" altLang="zh-CN" dirty="0" err="1">
-                <a:latin typeface="Microsoft YaHei Light" charset="-122"/>
-                <a:ea typeface="Microsoft YaHei Light" charset="-122"/>
-                <a:cs typeface="Microsoft YaHei Light" charset="-122"/>
+                <a:latin typeface="微软雅黑 Light" panose="020B0502040204020203" charset="-122"/>
+                <a:ea typeface="微软雅黑 Light" panose="020B0502040204020203" charset="-122"/>
+                <a:cs typeface="微软雅黑 Light" panose="020B0502040204020203" charset="-122"/>
               </a:rPr>
               <a:t>filePath</a:t>
             </a:r>
             <a:r>
               <a:rPr lang="en-US" altLang="zh-CN" dirty="0">
-                <a:latin typeface="Microsoft YaHei Light" charset="-122"/>
-                <a:ea typeface="Microsoft YaHei Light" charset="-122"/>
-                <a:cs typeface="Microsoft YaHei Light" charset="-122"/>
+                <a:latin typeface="微软雅黑 Light" panose="020B0502040204020203" charset="-122"/>
+                <a:ea typeface="微软雅黑 Light" panose="020B0502040204020203" charset="-122"/>
+                <a:cs typeface="微软雅黑 Light" panose="020B0502040204020203" charset="-122"/>
               </a:rPr>
               <a:t> = "</a:t>
             </a:r>
             <a:r>
               <a:rPr lang="en-US" altLang="zh-CN" dirty="0" err="1">
-                <a:latin typeface="Microsoft YaHei Light" charset="-122"/>
-                <a:ea typeface="Microsoft YaHei Light" charset="-122"/>
-                <a:cs typeface="Microsoft YaHei Light" charset="-122"/>
+                <a:latin typeface="微软雅黑 Light" panose="020B0502040204020203" charset="-122"/>
+                <a:ea typeface="微软雅黑 Light" panose="020B0502040204020203" charset="-122"/>
+                <a:cs typeface="微软雅黑 Light" panose="020B0502040204020203" charset="-122"/>
               </a:rPr>
               <a:t>test.txt</a:t>
             </a:r>
             <a:r>
               <a:rPr lang="en-US" altLang="zh-CN" dirty="0">
-                <a:latin typeface="Microsoft YaHei Light" charset="-122"/>
-                <a:ea typeface="Microsoft YaHei Light" charset="-122"/>
-                <a:cs typeface="Microsoft YaHei Light" charset="-122"/>
+                <a:latin typeface="微软雅黑 Light" panose="020B0502040204020203" charset="-122"/>
+                <a:ea typeface="微软雅黑 Light" panose="020B0502040204020203" charset="-122"/>
+                <a:cs typeface="微软雅黑 Light" panose="020B0502040204020203" charset="-122"/>
               </a:rPr>
               <a:t> ";</a:t>
             </a:r>
+            <a:endParaRPr lang="en-US" altLang="zh-CN" dirty="0">
+              <a:latin typeface="微软雅黑 Light" panose="020B0502040204020203" charset="-122"/>
+              <a:ea typeface="微软雅黑 Light" panose="020B0502040204020203" charset="-122"/>
+              <a:cs typeface="微软雅黑 Light" panose="020B0502040204020203" charset="-122"/>
+            </a:endParaRPr>
           </a:p>
           <a:p>
             <a:pPr marL="0" lvl="0" indent="0">
@@ -9038,24 +9094,24 @@
             </a:pPr>
             <a:r>
               <a:rPr lang="en-US" altLang="zh-CN" dirty="0">
-                <a:latin typeface="Microsoft YaHei Light" charset="-122"/>
-                <a:ea typeface="Microsoft YaHei Light" charset="-122"/>
-                <a:cs typeface="Microsoft YaHei Light" charset="-122"/>
+                <a:latin typeface="微软雅黑 Light" panose="020B0502040204020203" charset="-122"/>
+                <a:ea typeface="微软雅黑 Light" panose="020B0502040204020203" charset="-122"/>
+                <a:cs typeface="微软雅黑 Light" panose="020B0502040204020203" charset="-122"/>
               </a:rPr>
               <a:t>// </a:t>
             </a:r>
             <a:r>
               <a:rPr lang="zh-CN" altLang="en-US" dirty="0">
-                <a:latin typeface="Microsoft YaHei Light" charset="-122"/>
-                <a:ea typeface="Microsoft YaHei Light" charset="-122"/>
-                <a:cs typeface="Microsoft YaHei Light" charset="-122"/>
+                <a:latin typeface="微软雅黑 Light" panose="020B0502040204020203" charset="-122"/>
+                <a:ea typeface="微软雅黑 Light" panose="020B0502040204020203" charset="-122"/>
+                <a:cs typeface="微软雅黑 Light" panose="020B0502040204020203" charset="-122"/>
               </a:rPr>
               <a:t>打开文件</a:t>
             </a:r>
             <a:endParaRPr lang="en-US" altLang="zh-CN" dirty="0">
-              <a:latin typeface="Microsoft YaHei Light" charset="-122"/>
-              <a:ea typeface="Microsoft YaHei Light" charset="-122"/>
-              <a:cs typeface="Microsoft YaHei Light" charset="-122"/>
+              <a:latin typeface="微软雅黑 Light" panose="020B0502040204020203" charset="-122"/>
+              <a:ea typeface="微软雅黑 Light" panose="020B0502040204020203" charset="-122"/>
+              <a:cs typeface="微软雅黑 Light" panose="020B0502040204020203" charset="-122"/>
             </a:endParaRPr>
           </a:p>
           <a:p>
@@ -9072,60 +9128,65 @@
             </a:pPr>
             <a:r>
               <a:rPr lang="en-US" altLang="zh-CN" dirty="0">
-                <a:latin typeface="Microsoft YaHei Light" charset="-122"/>
-                <a:ea typeface="Microsoft YaHei Light" charset="-122"/>
-                <a:cs typeface="Microsoft YaHei Light" charset="-122"/>
+                <a:latin typeface="微软雅黑 Light" panose="020B0502040204020203" charset="-122"/>
+                <a:ea typeface="微软雅黑 Light" panose="020B0502040204020203" charset="-122"/>
+                <a:cs typeface="微软雅黑 Light" panose="020B0502040204020203" charset="-122"/>
               </a:rPr>
               <a:t>$</a:t>
             </a:r>
             <a:r>
               <a:rPr lang="en-US" altLang="zh-CN" dirty="0" err="1">
-                <a:latin typeface="Microsoft YaHei Light" charset="-122"/>
-                <a:ea typeface="Microsoft YaHei Light" charset="-122"/>
-                <a:cs typeface="Microsoft YaHei Light" charset="-122"/>
+                <a:latin typeface="微软雅黑 Light" panose="020B0502040204020203" charset="-122"/>
+                <a:ea typeface="微软雅黑 Light" panose="020B0502040204020203" charset="-122"/>
+                <a:cs typeface="微软雅黑 Light" panose="020B0502040204020203" charset="-122"/>
               </a:rPr>
               <a:t>fileHandle</a:t>
             </a:r>
             <a:r>
               <a:rPr lang="en-US" altLang="zh-CN" dirty="0">
-                <a:latin typeface="Microsoft YaHei Light" charset="-122"/>
-                <a:ea typeface="Microsoft YaHei Light" charset="-122"/>
-                <a:cs typeface="Microsoft YaHei Light" charset="-122"/>
+                <a:latin typeface="微软雅黑 Light" panose="020B0502040204020203" charset="-122"/>
+                <a:ea typeface="微软雅黑 Light" panose="020B0502040204020203" charset="-122"/>
+                <a:cs typeface="微软雅黑 Light" panose="020B0502040204020203" charset="-122"/>
               </a:rPr>
               <a:t> = </a:t>
             </a:r>
             <a:r>
               <a:rPr lang="en-US" altLang="zh-CN" dirty="0" err="1">
-                <a:latin typeface="Microsoft YaHei Light" charset="-122"/>
-                <a:ea typeface="Microsoft YaHei Light" charset="-122"/>
-                <a:cs typeface="Microsoft YaHei Light" charset="-122"/>
+                <a:latin typeface="微软雅黑 Light" panose="020B0502040204020203" charset="-122"/>
+                <a:ea typeface="微软雅黑 Light" panose="020B0502040204020203" charset="-122"/>
+                <a:cs typeface="微软雅黑 Light" panose="020B0502040204020203" charset="-122"/>
               </a:rPr>
               <a:t>fopen</a:t>
             </a:r>
             <a:r>
               <a:rPr lang="en-US" altLang="zh-CN" dirty="0">
-                <a:latin typeface="Microsoft YaHei Light" charset="-122"/>
-                <a:ea typeface="Microsoft YaHei Light" charset="-122"/>
-                <a:cs typeface="Microsoft YaHei Light" charset="-122"/>
+                <a:latin typeface="微软雅黑 Light" panose="020B0502040204020203" charset="-122"/>
+                <a:ea typeface="微软雅黑 Light" panose="020B0502040204020203" charset="-122"/>
+                <a:cs typeface="微软雅黑 Light" panose="020B0502040204020203" charset="-122"/>
               </a:rPr>
               <a:t>($</a:t>
             </a:r>
             <a:r>
               <a:rPr lang="en-US" altLang="zh-CN" dirty="0" err="1">
-                <a:latin typeface="Microsoft YaHei Light" charset="-122"/>
-                <a:ea typeface="Microsoft YaHei Light" charset="-122"/>
-                <a:cs typeface="Microsoft YaHei Light" charset="-122"/>
+                <a:latin typeface="微软雅黑 Light" panose="020B0502040204020203" charset="-122"/>
+                <a:ea typeface="微软雅黑 Light" panose="020B0502040204020203" charset="-122"/>
+                <a:cs typeface="微软雅黑 Light" panose="020B0502040204020203" charset="-122"/>
               </a:rPr>
               <a:t>filePath</a:t>
             </a:r>
             <a:r>
               <a:rPr lang="en-US" altLang="zh-CN" dirty="0">
-                <a:latin typeface="Microsoft YaHei Light" charset="-122"/>
-                <a:ea typeface="Microsoft YaHei Light" charset="-122"/>
-                <a:cs typeface="Microsoft YaHei Light" charset="-122"/>
+                <a:latin typeface="微软雅黑 Light" panose="020B0502040204020203" charset="-122"/>
+                <a:ea typeface="微软雅黑 Light" panose="020B0502040204020203" charset="-122"/>
+                <a:cs typeface="微软雅黑 Light" panose="020B0502040204020203" charset="-122"/>
               </a:rPr>
               <a:t>, "r");</a:t>
             </a:r>
+            <a:endParaRPr lang="en-US" altLang="zh-CN" dirty="0">
+              <a:latin typeface="微软雅黑 Light" panose="020B0502040204020203" charset="-122"/>
+              <a:ea typeface="微软雅黑 Light" panose="020B0502040204020203" charset="-122"/>
+              <a:cs typeface="微软雅黑 Light" panose="020B0502040204020203" charset="-122"/>
+            </a:endParaRPr>
           </a:p>
           <a:p>
             <a:pPr marL="0" lvl="0" indent="0">
@@ -9140,9 +9201,9 @@
               <a:buNone/>
             </a:pPr>
             <a:endParaRPr lang="en-US" altLang="zh-CN" dirty="0">
-              <a:latin typeface="Microsoft YaHei Light" charset="-122"/>
-              <a:ea typeface="Microsoft YaHei Light" charset="-122"/>
-              <a:cs typeface="Microsoft YaHei Light" charset="-122"/>
+              <a:latin typeface="微软雅黑 Light" panose="020B0502040204020203" charset="-122"/>
+              <a:ea typeface="微软雅黑 Light" panose="020B0502040204020203" charset="-122"/>
+              <a:cs typeface="微软雅黑 Light" panose="020B0502040204020203" charset="-122"/>
             </a:endParaRPr>
           </a:p>
           <a:p>
@@ -9159,40 +9220,40 @@
             </a:pPr>
             <a:r>
               <a:rPr lang="en-US" altLang="zh-CN" dirty="0">
-                <a:latin typeface="Microsoft YaHei Light" charset="-122"/>
-                <a:ea typeface="Microsoft YaHei Light" charset="-122"/>
-                <a:cs typeface="Microsoft YaHei Light" charset="-122"/>
+                <a:latin typeface="微软雅黑 Light" panose="020B0502040204020203" charset="-122"/>
+                <a:ea typeface="微软雅黑 Light" panose="020B0502040204020203" charset="-122"/>
+                <a:cs typeface="微软雅黑 Light" panose="020B0502040204020203" charset="-122"/>
               </a:rPr>
               <a:t>//</a:t>
             </a:r>
             <a:r>
               <a:rPr lang="en-US" altLang="zh-CN" dirty="0" err="1">
-                <a:latin typeface="Microsoft YaHei Light" charset="-122"/>
-                <a:ea typeface="Microsoft YaHei Light" charset="-122"/>
-                <a:cs typeface="Microsoft YaHei Light" charset="-122"/>
+                <a:latin typeface="微软雅黑 Light" panose="020B0502040204020203" charset="-122"/>
+                <a:ea typeface="微软雅黑 Light" panose="020B0502040204020203" charset="-122"/>
+                <a:cs typeface="微软雅黑 Light" panose="020B0502040204020203" charset="-122"/>
               </a:rPr>
               <a:t>fgets</a:t>
             </a:r>
             <a:r>
               <a:rPr lang="en-US" altLang="zh-CN" dirty="0">
-                <a:latin typeface="Microsoft YaHei Light" charset="-122"/>
-                <a:ea typeface="Microsoft YaHei Light" charset="-122"/>
-                <a:cs typeface="Microsoft YaHei Light" charset="-122"/>
+                <a:latin typeface="微软雅黑 Light" panose="020B0502040204020203" charset="-122"/>
+                <a:ea typeface="微软雅黑 Light" panose="020B0502040204020203" charset="-122"/>
+                <a:cs typeface="微软雅黑 Light" panose="020B0502040204020203" charset="-122"/>
               </a:rPr>
               <a:t>()</a:t>
             </a:r>
             <a:r>
               <a:rPr lang="zh-CN" altLang="en-US" dirty="0">
-                <a:latin typeface="Microsoft YaHei Light" charset="-122"/>
-                <a:ea typeface="Microsoft YaHei Light" charset="-122"/>
-                <a:cs typeface="Microsoft YaHei Light" charset="-122"/>
+                <a:latin typeface="微软雅黑 Light" panose="020B0502040204020203" charset="-122"/>
+                <a:ea typeface="微软雅黑 Light" panose="020B0502040204020203" charset="-122"/>
+                <a:cs typeface="微软雅黑 Light" panose="020B0502040204020203" charset="-122"/>
               </a:rPr>
               <a:t>从句柄中指定的资源中按某一标准读取一行字符。</a:t>
             </a:r>
             <a:endParaRPr lang="en-US" altLang="zh-CN" dirty="0">
-              <a:latin typeface="Microsoft YaHei Light" charset="-122"/>
-              <a:ea typeface="Microsoft YaHei Light" charset="-122"/>
-              <a:cs typeface="Microsoft YaHei Light" charset="-122"/>
+              <a:latin typeface="微软雅黑 Light" panose="020B0502040204020203" charset="-122"/>
+              <a:ea typeface="微软雅黑 Light" panose="020B0502040204020203" charset="-122"/>
+              <a:cs typeface="微软雅黑 Light" panose="020B0502040204020203" charset="-122"/>
             </a:endParaRPr>
           </a:p>
           <a:p>
@@ -9209,60 +9270,65 @@
             </a:pPr>
             <a:r>
               <a:rPr lang="en-US" altLang="zh-CN" dirty="0">
-                <a:latin typeface="Microsoft YaHei Light" charset="-122"/>
-                <a:ea typeface="Microsoft YaHei Light" charset="-122"/>
-                <a:cs typeface="Microsoft YaHei Light" charset="-122"/>
+                <a:latin typeface="微软雅黑 Light" panose="020B0502040204020203" charset="-122"/>
+                <a:ea typeface="微软雅黑 Light" panose="020B0502040204020203" charset="-122"/>
+                <a:cs typeface="微软雅黑 Light" panose="020B0502040204020203" charset="-122"/>
               </a:rPr>
               <a:t>while ($</a:t>
             </a:r>
             <a:r>
               <a:rPr lang="en-US" altLang="zh-CN" dirty="0" err="1">
-                <a:latin typeface="Microsoft YaHei Light" charset="-122"/>
-                <a:ea typeface="Microsoft YaHei Light" charset="-122"/>
-                <a:cs typeface="Microsoft YaHei Light" charset="-122"/>
+                <a:latin typeface="微软雅黑 Light" panose="020B0502040204020203" charset="-122"/>
+                <a:ea typeface="微软雅黑 Light" panose="020B0502040204020203" charset="-122"/>
+                <a:cs typeface="微软雅黑 Light" panose="020B0502040204020203" charset="-122"/>
               </a:rPr>
               <a:t>str</a:t>
             </a:r>
             <a:r>
               <a:rPr lang="en-US" altLang="zh-CN" dirty="0">
-                <a:latin typeface="Microsoft YaHei Light" charset="-122"/>
-                <a:ea typeface="Microsoft YaHei Light" charset="-122"/>
-                <a:cs typeface="Microsoft YaHei Light" charset="-122"/>
+                <a:latin typeface="微软雅黑 Light" panose="020B0502040204020203" charset="-122"/>
+                <a:ea typeface="微软雅黑 Light" panose="020B0502040204020203" charset="-122"/>
+                <a:cs typeface="微软雅黑 Light" panose="020B0502040204020203" charset="-122"/>
               </a:rPr>
               <a:t> = </a:t>
             </a:r>
             <a:r>
               <a:rPr lang="en-US" altLang="zh-CN" dirty="0" err="1">
-                <a:latin typeface="Microsoft YaHei Light" charset="-122"/>
-                <a:ea typeface="Microsoft YaHei Light" charset="-122"/>
-                <a:cs typeface="Microsoft YaHei Light" charset="-122"/>
+                <a:latin typeface="微软雅黑 Light" panose="020B0502040204020203" charset="-122"/>
+                <a:ea typeface="微软雅黑 Light" panose="020B0502040204020203" charset="-122"/>
+                <a:cs typeface="微软雅黑 Light" panose="020B0502040204020203" charset="-122"/>
               </a:rPr>
               <a:t>fgets</a:t>
             </a:r>
             <a:r>
               <a:rPr lang="en-US" altLang="zh-CN" dirty="0">
-                <a:latin typeface="Microsoft YaHei Light" charset="-122"/>
-                <a:ea typeface="Microsoft YaHei Light" charset="-122"/>
-                <a:cs typeface="Microsoft YaHei Light" charset="-122"/>
+                <a:latin typeface="微软雅黑 Light" panose="020B0502040204020203" charset="-122"/>
+                <a:ea typeface="微软雅黑 Light" panose="020B0502040204020203" charset="-122"/>
+                <a:cs typeface="微软雅黑 Light" panose="020B0502040204020203" charset="-122"/>
               </a:rPr>
               <a:t>($</a:t>
             </a:r>
             <a:r>
               <a:rPr lang="en-US" altLang="zh-CN" dirty="0" err="1">
-                <a:latin typeface="Microsoft YaHei Light" charset="-122"/>
-                <a:ea typeface="Microsoft YaHei Light" charset="-122"/>
-                <a:cs typeface="Microsoft YaHei Light" charset="-122"/>
+                <a:latin typeface="微软雅黑 Light" panose="020B0502040204020203" charset="-122"/>
+                <a:ea typeface="微软雅黑 Light" panose="020B0502040204020203" charset="-122"/>
+                <a:cs typeface="微软雅黑 Light" panose="020B0502040204020203" charset="-122"/>
               </a:rPr>
               <a:t>fileHandle</a:t>
             </a:r>
             <a:r>
               <a:rPr lang="en-US" altLang="zh-CN" dirty="0">
-                <a:latin typeface="Microsoft YaHei Light" charset="-122"/>
-                <a:ea typeface="Microsoft YaHei Light" charset="-122"/>
-                <a:cs typeface="Microsoft YaHei Light" charset="-122"/>
+                <a:latin typeface="微软雅黑 Light" panose="020B0502040204020203" charset="-122"/>
+                <a:ea typeface="微软雅黑 Light" panose="020B0502040204020203" charset="-122"/>
+                <a:cs typeface="微软雅黑 Light" panose="020B0502040204020203" charset="-122"/>
               </a:rPr>
               <a:t>)) {</a:t>
             </a:r>
+            <a:endParaRPr lang="en-US" altLang="zh-CN" dirty="0">
+              <a:latin typeface="微软雅黑 Light" panose="020B0502040204020203" charset="-122"/>
+              <a:ea typeface="微软雅黑 Light" panose="020B0502040204020203" charset="-122"/>
+              <a:cs typeface="微软雅黑 Light" panose="020B0502040204020203" charset="-122"/>
+            </a:endParaRPr>
           </a:p>
           <a:p>
             <a:pPr marL="0" lvl="0" indent="0">
@@ -9278,24 +9344,24 @@
             </a:pPr>
             <a:r>
               <a:rPr lang="en-US" altLang="zh-CN" dirty="0">
-                <a:latin typeface="Microsoft YaHei Light" charset="-122"/>
-                <a:ea typeface="Microsoft YaHei Light" charset="-122"/>
-                <a:cs typeface="Microsoft YaHei Light" charset="-122"/>
+                <a:latin typeface="微软雅黑 Light" panose="020B0502040204020203" charset="-122"/>
+                <a:ea typeface="微软雅黑 Light" panose="020B0502040204020203" charset="-122"/>
+                <a:cs typeface="微软雅黑 Light" panose="020B0502040204020203" charset="-122"/>
               </a:rPr>
               <a:t>     //</a:t>
             </a:r>
             <a:r>
               <a:rPr lang="zh-CN" altLang="en-US" dirty="0">
-                <a:latin typeface="Microsoft YaHei Light" charset="-122"/>
-                <a:ea typeface="Microsoft YaHei Light" charset="-122"/>
-                <a:cs typeface="Microsoft YaHei Light" charset="-122"/>
+                <a:latin typeface="微软雅黑 Light" panose="020B0502040204020203" charset="-122"/>
+                <a:ea typeface="微软雅黑 Light" panose="020B0502040204020203" charset="-122"/>
+                <a:cs typeface="微软雅黑 Light" panose="020B0502040204020203" charset="-122"/>
               </a:rPr>
               <a:t>遍历读取全部内容</a:t>
             </a:r>
             <a:endParaRPr lang="en-US" altLang="zh-CN" dirty="0">
-              <a:latin typeface="Microsoft YaHei Light" charset="-122"/>
-              <a:ea typeface="Microsoft YaHei Light" charset="-122"/>
-              <a:cs typeface="Microsoft YaHei Light" charset="-122"/>
+              <a:latin typeface="微软雅黑 Light" panose="020B0502040204020203" charset="-122"/>
+              <a:ea typeface="微软雅黑 Light" panose="020B0502040204020203" charset="-122"/>
+              <a:cs typeface="微软雅黑 Light" panose="020B0502040204020203" charset="-122"/>
             </a:endParaRPr>
           </a:p>
           <a:p>
@@ -9312,36 +9378,41 @@
             </a:pPr>
             <a:r>
               <a:rPr lang="zh-CN" altLang="en-US" dirty="0">
-                <a:latin typeface="Microsoft YaHei Light" charset="-122"/>
-                <a:ea typeface="Microsoft YaHei Light" charset="-122"/>
-                <a:cs typeface="Microsoft YaHei Light" charset="-122"/>
+                <a:latin typeface="微软雅黑 Light" panose="020B0502040204020203" charset="-122"/>
+                <a:ea typeface="微软雅黑 Light" panose="020B0502040204020203" charset="-122"/>
+                <a:cs typeface="微软雅黑 Light" panose="020B0502040204020203" charset="-122"/>
               </a:rPr>
               <a:t>    </a:t>
             </a:r>
             <a:r>
               <a:rPr lang="en-US" altLang="zh-CN" dirty="0">
-                <a:latin typeface="Microsoft YaHei Light" charset="-122"/>
-                <a:ea typeface="Microsoft YaHei Light" charset="-122"/>
-                <a:cs typeface="Microsoft YaHei Light" charset="-122"/>
+                <a:latin typeface="微软雅黑 Light" panose="020B0502040204020203" charset="-122"/>
+                <a:ea typeface="微软雅黑 Light" panose="020B0502040204020203" charset="-122"/>
+                <a:cs typeface="微软雅黑 Light" panose="020B0502040204020203" charset="-122"/>
               </a:rPr>
               <a:t>echo $</a:t>
             </a:r>
             <a:r>
               <a:rPr lang="en-US" altLang="zh-CN" dirty="0" err="1">
-                <a:latin typeface="Microsoft YaHei Light" charset="-122"/>
-                <a:ea typeface="Microsoft YaHei Light" charset="-122"/>
-                <a:cs typeface="Microsoft YaHei Light" charset="-122"/>
+                <a:latin typeface="微软雅黑 Light" panose="020B0502040204020203" charset="-122"/>
+                <a:ea typeface="微软雅黑 Light" panose="020B0502040204020203" charset="-122"/>
+                <a:cs typeface="微软雅黑 Light" panose="020B0502040204020203" charset="-122"/>
               </a:rPr>
               <a:t>str</a:t>
             </a:r>
             <a:r>
               <a:rPr lang="en-US" altLang="zh-CN" dirty="0">
-                <a:latin typeface="Microsoft YaHei Light" charset="-122"/>
-                <a:ea typeface="Microsoft YaHei Light" charset="-122"/>
-                <a:cs typeface="Microsoft YaHei Light" charset="-122"/>
+                <a:latin typeface="微软雅黑 Light" panose="020B0502040204020203" charset="-122"/>
+                <a:ea typeface="微软雅黑 Light" panose="020B0502040204020203" charset="-122"/>
+                <a:cs typeface="微软雅黑 Light" panose="020B0502040204020203" charset="-122"/>
               </a:rPr>
               <a:t>;</a:t>
             </a:r>
+            <a:endParaRPr lang="en-US" altLang="zh-CN" dirty="0">
+              <a:latin typeface="微软雅黑 Light" panose="020B0502040204020203" charset="-122"/>
+              <a:ea typeface="微软雅黑 Light" panose="020B0502040204020203" charset="-122"/>
+              <a:cs typeface="微软雅黑 Light" panose="020B0502040204020203" charset="-122"/>
+            </a:endParaRPr>
           </a:p>
           <a:p>
             <a:pPr marL="0" lvl="0" indent="0">
@@ -9357,12 +9428,17 @@
             </a:pPr>
             <a:r>
               <a:rPr lang="en-US" altLang="zh-CN" dirty="0">
-                <a:latin typeface="Microsoft YaHei Light" charset="-122"/>
-                <a:ea typeface="Microsoft YaHei Light" charset="-122"/>
-                <a:cs typeface="Microsoft YaHei Light" charset="-122"/>
+                <a:latin typeface="微软雅黑 Light" panose="020B0502040204020203" charset="-122"/>
+                <a:ea typeface="微软雅黑 Light" panose="020B0502040204020203" charset="-122"/>
+                <a:cs typeface="微软雅黑 Light" panose="020B0502040204020203" charset="-122"/>
               </a:rPr>
               <a:t>}</a:t>
             </a:r>
+            <a:endParaRPr lang="en-US" altLang="zh-CN" dirty="0">
+              <a:latin typeface="微软雅黑 Light" panose="020B0502040204020203" charset="-122"/>
+              <a:ea typeface="微软雅黑 Light" panose="020B0502040204020203" charset="-122"/>
+              <a:cs typeface="微软雅黑 Light" panose="020B0502040204020203" charset="-122"/>
+            </a:endParaRPr>
           </a:p>
           <a:p>
             <a:pPr marL="0" lvl="0" indent="0">
@@ -9377,19 +9453,14 @@
               <a:buNone/>
             </a:pPr>
             <a:endParaRPr lang="en-US" altLang="zh-CN" dirty="0" smtClean="0">
-              <a:latin typeface="Microsoft YaHei Light" charset="-122"/>
-              <a:ea typeface="Microsoft YaHei Light" charset="-122"/>
-              <a:cs typeface="Microsoft YaHei Light" charset="-122"/>
+              <a:latin typeface="微软雅黑 Light" panose="020B0502040204020203" charset="-122"/>
+              <a:ea typeface="微软雅黑 Light" panose="020B0502040204020203" charset="-122"/>
+              <a:cs typeface="微软雅黑 Light" panose="020B0502040204020203" charset="-122"/>
             </a:endParaRPr>
           </a:p>
         </p:txBody>
       </p:sp>
     </p:spTree>
-    <p:extLst>
-      <p:ext uri="{BB962C8B-B14F-4D97-AF65-F5344CB8AC3E}">
-        <p14:creationId xmlns:p14="http://schemas.microsoft.com/office/powerpoint/2010/main" val="1795574102"/>
-      </p:ext>
-    </p:extLst>
   </p:cSld>
   <p:clrMapOvr>
     <a:masterClrMapping/>
@@ -9443,16 +9514,16 @@
           <a:p>
             <a:r>
               <a:rPr lang="en-US" altLang="zh-CN" dirty="0" err="1">
-                <a:latin typeface="Microsoft YaHei" charset="-122"/>
-                <a:ea typeface="Microsoft YaHei" charset="-122"/>
-                <a:cs typeface="Microsoft YaHei" charset="-122"/>
+                <a:latin typeface="微软雅黑" panose="020B0503020204020204" charset="-122"/>
+                <a:ea typeface="微软雅黑" panose="020B0503020204020204" charset="-122"/>
+                <a:cs typeface="微软雅黑" panose="020B0503020204020204" charset="-122"/>
               </a:rPr>
               <a:t>file_get_contents</a:t>
             </a:r>
             <a:endParaRPr lang="en-US" dirty="0">
-              <a:latin typeface="Microsoft YaHei" charset="-122"/>
-              <a:ea typeface="Microsoft YaHei" charset="-122"/>
-              <a:cs typeface="Microsoft YaHei" charset="-122"/>
+              <a:latin typeface="微软雅黑" panose="020B0503020204020204" charset="-122"/>
+              <a:ea typeface="微软雅黑" panose="020B0503020204020204" charset="-122"/>
+              <a:cs typeface="微软雅黑" panose="020B0503020204020204" charset="-122"/>
             </a:endParaRPr>
           </a:p>
         </p:txBody>
@@ -9487,42 +9558,37 @@
             </a:pPr>
             <a:r>
               <a:rPr lang="en-US" altLang="zh-CN" dirty="0" err="1" smtClean="0">
-                <a:latin typeface="Microsoft YaHei Light" charset="-122"/>
-                <a:ea typeface="Microsoft YaHei Light" charset="-122"/>
-                <a:cs typeface="Microsoft YaHei Light" charset="-122"/>
+                <a:latin typeface="微软雅黑 Light" panose="020B0502040204020203" charset="-122"/>
+                <a:ea typeface="微软雅黑 Light" panose="020B0502040204020203" charset="-122"/>
+                <a:cs typeface="微软雅黑 Light" panose="020B0502040204020203" charset="-122"/>
               </a:rPr>
               <a:t>file_get_contents</a:t>
             </a:r>
             <a:r>
               <a:rPr lang="en-US" altLang="zh-CN" dirty="0" smtClean="0">
-                <a:latin typeface="Microsoft YaHei Light" charset="-122"/>
-                <a:ea typeface="Microsoft YaHei Light" charset="-122"/>
-                <a:cs typeface="Microsoft YaHei Light" charset="-122"/>
+                <a:latin typeface="微软雅黑 Light" panose="020B0502040204020203" charset="-122"/>
+                <a:ea typeface="微软雅黑 Light" panose="020B0502040204020203" charset="-122"/>
+                <a:cs typeface="微软雅黑 Light" panose="020B0502040204020203" charset="-122"/>
               </a:rPr>
               <a:t>() </a:t>
             </a:r>
             <a:r>
               <a:rPr lang="zh-CN" altLang="en-US" dirty="0" smtClean="0">
-                <a:latin typeface="Microsoft YaHei Light" charset="-122"/>
-                <a:ea typeface="Microsoft YaHei Light" charset="-122"/>
-                <a:cs typeface="Microsoft YaHei Light" charset="-122"/>
+                <a:latin typeface="微软雅黑 Light" panose="020B0502040204020203" charset="-122"/>
+                <a:ea typeface="微软雅黑 Light" panose="020B0502040204020203" charset="-122"/>
+                <a:cs typeface="微软雅黑 Light" panose="020B0502040204020203" charset="-122"/>
               </a:rPr>
               <a:t>函数获取文件全部内容</a:t>
             </a:r>
             <a:endParaRPr lang="en-US" altLang="zh-CN" dirty="0" smtClean="0">
-              <a:latin typeface="Microsoft YaHei Light" charset="-122"/>
-              <a:ea typeface="Microsoft YaHei Light" charset="-122"/>
-              <a:cs typeface="Microsoft YaHei Light" charset="-122"/>
+              <a:latin typeface="微软雅黑 Light" panose="020B0502040204020203" charset="-122"/>
+              <a:ea typeface="微软雅黑 Light" panose="020B0502040204020203" charset="-122"/>
+              <a:cs typeface="微软雅黑 Light" panose="020B0502040204020203" charset="-122"/>
             </a:endParaRPr>
           </a:p>
         </p:txBody>
       </p:sp>
     </p:spTree>
-    <p:extLst>
-      <p:ext uri="{BB962C8B-B14F-4D97-AF65-F5344CB8AC3E}">
-        <p14:creationId xmlns:p14="http://schemas.microsoft.com/office/powerpoint/2010/main" val="1969239011"/>
-      </p:ext>
-    </p:extLst>
   </p:cSld>
   <p:clrMapOvr>
     <a:masterClrMapping/>
@@ -9576,16 +9642,16 @@
           <a:p>
             <a:r>
               <a:rPr lang="zh-CN" altLang="en-US" dirty="0" smtClean="0">
-                <a:latin typeface="Microsoft YaHei" charset="-122"/>
-                <a:ea typeface="Microsoft YaHei" charset="-122"/>
-                <a:cs typeface="Microsoft YaHei" charset="-122"/>
+                <a:latin typeface="微软雅黑" panose="020B0503020204020204" charset="-122"/>
+                <a:ea typeface="微软雅黑" panose="020B0503020204020204" charset="-122"/>
+                <a:cs typeface="微软雅黑" panose="020B0503020204020204" charset="-122"/>
               </a:rPr>
               <a:t>写入文件</a:t>
             </a:r>
             <a:endParaRPr lang="en-US" dirty="0">
-              <a:latin typeface="Microsoft YaHei" charset="-122"/>
-              <a:ea typeface="Microsoft YaHei" charset="-122"/>
-              <a:cs typeface="Microsoft YaHei" charset="-122"/>
+              <a:latin typeface="微软雅黑" panose="020B0503020204020204" charset="-122"/>
+              <a:ea typeface="微软雅黑" panose="020B0503020204020204" charset="-122"/>
+              <a:cs typeface="微软雅黑" panose="020B0503020204020204" charset="-122"/>
             </a:endParaRPr>
           </a:p>
         </p:txBody>
@@ -9620,36 +9686,41 @@
             </a:pPr>
             <a:r>
               <a:rPr lang="en-US" altLang="zh-CN" dirty="0" err="1">
-                <a:latin typeface="Microsoft YaHei Light" charset="-122"/>
-                <a:ea typeface="Microsoft YaHei Light" charset="-122"/>
-                <a:cs typeface="Microsoft YaHei Light" charset="-122"/>
+                <a:latin typeface="微软雅黑 Light" panose="020B0502040204020203" charset="-122"/>
+                <a:ea typeface="微软雅黑 Light" panose="020B0502040204020203" charset="-122"/>
+                <a:cs typeface="微软雅黑 Light" panose="020B0502040204020203" charset="-122"/>
               </a:rPr>
               <a:t>fwrite</a:t>
             </a:r>
             <a:r>
               <a:rPr lang="en-US" altLang="zh-CN" dirty="0">
-                <a:latin typeface="Microsoft YaHei Light" charset="-122"/>
-                <a:ea typeface="Microsoft YaHei Light" charset="-122"/>
-                <a:cs typeface="Microsoft YaHei Light" charset="-122"/>
+                <a:latin typeface="微软雅黑 Light" panose="020B0502040204020203" charset="-122"/>
+                <a:ea typeface="微软雅黑 Light" panose="020B0502040204020203" charset="-122"/>
+                <a:cs typeface="微软雅黑 Light" panose="020B0502040204020203" charset="-122"/>
               </a:rPr>
               <a:t>(</a:t>
             </a:r>
             <a:r>
               <a:rPr lang="en-US" altLang="zh-CN" dirty="0" err="1">
-                <a:latin typeface="Microsoft YaHei Light" charset="-122"/>
-                <a:ea typeface="Microsoft YaHei Light" charset="-122"/>
-                <a:cs typeface="Microsoft YaHei Light" charset="-122"/>
+                <a:latin typeface="微软雅黑 Light" panose="020B0502040204020203" charset="-122"/>
+                <a:ea typeface="微软雅黑 Light" panose="020B0502040204020203" charset="-122"/>
+                <a:cs typeface="微软雅黑 Light" panose="020B0502040204020203" charset="-122"/>
               </a:rPr>
               <a:t>file,string,length</a:t>
             </a:r>
             <a:r>
               <a:rPr lang="en-US" altLang="zh-CN" dirty="0">
-                <a:latin typeface="Microsoft YaHei Light" charset="-122"/>
-                <a:ea typeface="Microsoft YaHei Light" charset="-122"/>
-                <a:cs typeface="Microsoft YaHei Light" charset="-122"/>
+                <a:latin typeface="微软雅黑 Light" panose="020B0502040204020203" charset="-122"/>
+                <a:ea typeface="微软雅黑 Light" panose="020B0502040204020203" charset="-122"/>
+                <a:cs typeface="微软雅黑 Light" panose="020B0502040204020203" charset="-122"/>
               </a:rPr>
               <a:t>)</a:t>
             </a:r>
+            <a:endParaRPr lang="en-US" altLang="zh-CN" dirty="0">
+              <a:latin typeface="微软雅黑 Light" panose="020B0502040204020203" charset="-122"/>
+              <a:ea typeface="微软雅黑 Light" panose="020B0502040204020203" charset="-122"/>
+              <a:cs typeface="微软雅黑 Light" panose="020B0502040204020203" charset="-122"/>
+            </a:endParaRPr>
           </a:p>
           <a:p>
             <a:pPr marL="0" lvl="0" indent="0">
@@ -9665,88 +9736,88 @@
             </a:pPr>
             <a:r>
               <a:rPr lang="zh-CN" altLang="en-US" dirty="0" smtClean="0">
-                <a:latin typeface="Microsoft YaHei Light" charset="-122"/>
-                <a:ea typeface="Microsoft YaHei Light" charset="-122"/>
-                <a:cs typeface="Microsoft YaHei Light" charset="-122"/>
+                <a:latin typeface="微软雅黑 Light" panose="020B0502040204020203" charset="-122"/>
+                <a:ea typeface="微软雅黑 Light" panose="020B0502040204020203" charset="-122"/>
+                <a:cs typeface="微软雅黑 Light" panose="020B0502040204020203" charset="-122"/>
               </a:rPr>
               <a:t>将</a:t>
             </a:r>
             <a:r>
               <a:rPr lang="zh-CN" altLang="en-US" dirty="0">
-                <a:latin typeface="Microsoft YaHei Light" charset="-122"/>
-                <a:ea typeface="Microsoft YaHei Light" charset="-122"/>
-                <a:cs typeface="Microsoft YaHei Light" charset="-122"/>
+                <a:latin typeface="微软雅黑 Light" panose="020B0502040204020203" charset="-122"/>
+                <a:ea typeface="微软雅黑 Light" panose="020B0502040204020203" charset="-122"/>
+                <a:cs typeface="微软雅黑 Light" panose="020B0502040204020203" charset="-122"/>
               </a:rPr>
               <a:t>内容写入到打开的文件中，如果指定</a:t>
             </a:r>
             <a:r>
               <a:rPr lang="en-US" altLang="zh-CN" dirty="0">
-                <a:latin typeface="Microsoft YaHei Light" charset="-122"/>
-                <a:ea typeface="Microsoft YaHei Light" charset="-122"/>
-                <a:cs typeface="Microsoft YaHei Light" charset="-122"/>
+                <a:latin typeface="微软雅黑 Light" panose="020B0502040204020203" charset="-122"/>
+                <a:ea typeface="微软雅黑 Light" panose="020B0502040204020203" charset="-122"/>
+                <a:cs typeface="微软雅黑 Light" panose="020B0502040204020203" charset="-122"/>
               </a:rPr>
               <a:t>length</a:t>
             </a:r>
             <a:r>
               <a:rPr lang="zh-CN" altLang="en-US" dirty="0">
-                <a:latin typeface="Microsoft YaHei Light" charset="-122"/>
-                <a:ea typeface="Microsoft YaHei Light" charset="-122"/>
-                <a:cs typeface="Microsoft YaHei Light" charset="-122"/>
+                <a:latin typeface="微软雅黑 Light" panose="020B0502040204020203" charset="-122"/>
+                <a:ea typeface="微软雅黑 Light" panose="020B0502040204020203" charset="-122"/>
+                <a:cs typeface="微软雅黑 Light" panose="020B0502040204020203" charset="-122"/>
               </a:rPr>
               <a:t>参数，将在写入</a:t>
             </a:r>
             <a:r>
               <a:rPr lang="en-US" altLang="zh-CN" dirty="0">
-                <a:latin typeface="Microsoft YaHei Light" charset="-122"/>
-                <a:ea typeface="Microsoft YaHei Light" charset="-122"/>
-                <a:cs typeface="Microsoft YaHei Light" charset="-122"/>
+                <a:latin typeface="微软雅黑 Light" panose="020B0502040204020203" charset="-122"/>
+                <a:ea typeface="微软雅黑 Light" panose="020B0502040204020203" charset="-122"/>
+                <a:cs typeface="微软雅黑 Light" panose="020B0502040204020203" charset="-122"/>
               </a:rPr>
               <a:t>length</a:t>
             </a:r>
             <a:r>
               <a:rPr lang="zh-CN" altLang="en-US" dirty="0">
-                <a:latin typeface="Microsoft YaHei Light" charset="-122"/>
-                <a:ea typeface="Microsoft YaHei Light" charset="-122"/>
-                <a:cs typeface="Microsoft YaHei Light" charset="-122"/>
+                <a:latin typeface="微软雅黑 Light" panose="020B0502040204020203" charset="-122"/>
+                <a:ea typeface="微软雅黑 Light" panose="020B0502040204020203" charset="-122"/>
+                <a:cs typeface="微软雅黑 Light" panose="020B0502040204020203" charset="-122"/>
               </a:rPr>
               <a:t>个字符时停止，成功</a:t>
             </a:r>
             <a:r>
               <a:rPr lang="zh-CN" altLang="en-US" dirty="0" smtClean="0">
-                <a:latin typeface="Microsoft YaHei Light" charset="-122"/>
-                <a:ea typeface="Microsoft YaHei Light" charset="-122"/>
-                <a:cs typeface="Microsoft YaHei Light" charset="-122"/>
+                <a:latin typeface="微软雅黑 Light" panose="020B0502040204020203" charset="-122"/>
+                <a:ea typeface="微软雅黑 Light" panose="020B0502040204020203" charset="-122"/>
+                <a:cs typeface="微软雅黑 Light" panose="020B0502040204020203" charset="-122"/>
               </a:rPr>
               <a:t>返回字</a:t>
             </a:r>
             <a:r>
               <a:rPr lang="zh-CN" altLang="en-US" dirty="0">
-                <a:latin typeface="Microsoft YaHei Light" charset="-122"/>
-                <a:ea typeface="Microsoft YaHei Light" charset="-122"/>
-                <a:cs typeface="Microsoft YaHei Light" charset="-122"/>
+                <a:latin typeface="微软雅黑 Light" panose="020B0502040204020203" charset="-122"/>
+                <a:ea typeface="微软雅黑 Light" panose="020B0502040204020203" charset="-122"/>
+                <a:cs typeface="微软雅黑 Light" panose="020B0502040204020203" charset="-122"/>
               </a:rPr>
               <a:t>节数，失败返回</a:t>
             </a:r>
             <a:r>
               <a:rPr lang="en-US" altLang="zh-CN" dirty="0">
-                <a:latin typeface="Microsoft YaHei Light" charset="-122"/>
-                <a:ea typeface="Microsoft YaHei Light" charset="-122"/>
-                <a:cs typeface="Microsoft YaHei Light" charset="-122"/>
+                <a:latin typeface="微软雅黑 Light" panose="020B0502040204020203" charset="-122"/>
+                <a:ea typeface="微软雅黑 Light" panose="020B0502040204020203" charset="-122"/>
+                <a:cs typeface="微软雅黑 Light" panose="020B0502040204020203" charset="-122"/>
               </a:rPr>
               <a:t>false</a:t>
             </a:r>
             <a:r>
               <a:rPr lang="zh-CN" altLang="en-US" dirty="0" smtClean="0">
-                <a:latin typeface="Microsoft YaHei Light" charset="-122"/>
-                <a:ea typeface="Microsoft YaHei Light" charset="-122"/>
-                <a:cs typeface="Microsoft YaHei Light" charset="-122"/>
+                <a:latin typeface="微软雅黑 Light" panose="020B0502040204020203" charset="-122"/>
+                <a:ea typeface="微软雅黑 Light" panose="020B0502040204020203" charset="-122"/>
+                <a:cs typeface="微软雅黑 Light" panose="020B0502040204020203" charset="-122"/>
               </a:rPr>
               <a:t>。</a:t>
             </a:r>
             <a:endParaRPr lang="en-US" altLang="zh-CN" dirty="0" smtClean="0">
-              <a:latin typeface="Microsoft YaHei Light" charset="-122"/>
-              <a:ea typeface="Microsoft YaHei Light" charset="-122"/>
-              <a:cs typeface="Microsoft YaHei Light" charset="-122"/>
+              <a:latin typeface="微软雅黑 Light" panose="020B0502040204020203" charset="-122"/>
+              <a:ea typeface="微软雅黑 Light" panose="020B0502040204020203" charset="-122"/>
+              <a:cs typeface="微软雅黑 Light" panose="020B0502040204020203" charset="-122"/>
             </a:endParaRPr>
           </a:p>
           <a:p>
@@ -9762,9 +9833,9 @@
               <a:buNone/>
             </a:pPr>
             <a:endParaRPr lang="en-US" altLang="zh-CN" dirty="0">
-              <a:latin typeface="Microsoft YaHei Light" charset="-122"/>
-              <a:ea typeface="Microsoft YaHei Light" charset="-122"/>
-              <a:cs typeface="Microsoft YaHei Light" charset="-122"/>
+              <a:latin typeface="微软雅黑 Light" panose="020B0502040204020203" charset="-122"/>
+              <a:ea typeface="微软雅黑 Light" panose="020B0502040204020203" charset="-122"/>
+              <a:cs typeface="微软雅黑 Light" panose="020B0502040204020203" charset="-122"/>
             </a:endParaRPr>
           </a:p>
           <a:p>
@@ -9781,82 +9852,77 @@
             </a:pPr>
             <a:r>
               <a:rPr lang="en-US" altLang="zh-CN" dirty="0" err="1">
-                <a:latin typeface="Microsoft YaHei Light" charset="-122"/>
-                <a:ea typeface="Microsoft YaHei Light" charset="-122"/>
-                <a:cs typeface="Microsoft YaHei Light" charset="-122"/>
+                <a:latin typeface="微软雅黑 Light" panose="020B0502040204020203" charset="-122"/>
+                <a:ea typeface="微软雅黑 Light" panose="020B0502040204020203" charset="-122"/>
+                <a:cs typeface="微软雅黑 Light" panose="020B0502040204020203" charset="-122"/>
               </a:rPr>
               <a:t>fwrite</a:t>
             </a:r>
             <a:r>
               <a:rPr lang="en-US" altLang="zh-CN" dirty="0">
-                <a:latin typeface="Microsoft YaHei Light" charset="-122"/>
-                <a:ea typeface="Microsoft YaHei Light" charset="-122"/>
-                <a:cs typeface="Microsoft YaHei Light" charset="-122"/>
+                <a:latin typeface="微软雅黑 Light" panose="020B0502040204020203" charset="-122"/>
+                <a:ea typeface="微软雅黑 Light" panose="020B0502040204020203" charset="-122"/>
+                <a:cs typeface="微软雅黑 Light" panose="020B0502040204020203" charset="-122"/>
               </a:rPr>
               <a:t>($</a:t>
             </a:r>
             <a:r>
               <a:rPr lang="en-US" altLang="zh-CN" dirty="0" err="1">
-                <a:latin typeface="Microsoft YaHei Light" charset="-122"/>
-                <a:ea typeface="Microsoft YaHei Light" charset="-122"/>
-                <a:cs typeface="Microsoft YaHei Light" charset="-122"/>
+                <a:latin typeface="微软雅黑 Light" panose="020B0502040204020203" charset="-122"/>
+                <a:ea typeface="微软雅黑 Light" panose="020B0502040204020203" charset="-122"/>
+                <a:cs typeface="微软雅黑 Light" panose="020B0502040204020203" charset="-122"/>
               </a:rPr>
               <a:t>fileHandle</a:t>
             </a:r>
             <a:r>
               <a:rPr lang="en-US" altLang="zh-CN" dirty="0">
-                <a:latin typeface="Microsoft YaHei Light" charset="-122"/>
-                <a:ea typeface="Microsoft YaHei Light" charset="-122"/>
-                <a:cs typeface="Microsoft YaHei Light" charset="-122"/>
+                <a:latin typeface="微软雅黑 Light" panose="020B0502040204020203" charset="-122"/>
+                <a:ea typeface="微软雅黑 Light" panose="020B0502040204020203" charset="-122"/>
+                <a:cs typeface="微软雅黑 Light" panose="020B0502040204020203" charset="-122"/>
               </a:rPr>
               <a:t>, "\</a:t>
             </a:r>
             <a:r>
               <a:rPr lang="en-US" altLang="zh-CN" dirty="0" err="1">
-                <a:latin typeface="Microsoft YaHei Light" charset="-122"/>
-                <a:ea typeface="Microsoft YaHei Light" charset="-122"/>
-                <a:cs typeface="Microsoft YaHei Light" charset="-122"/>
+                <a:latin typeface="微软雅黑 Light" panose="020B0502040204020203" charset="-122"/>
+                <a:ea typeface="微软雅黑 Light" panose="020B0502040204020203" charset="-122"/>
+                <a:cs typeface="微软雅黑 Light" panose="020B0502040204020203" charset="-122"/>
               </a:rPr>
               <a:t>nhello</a:t>
             </a:r>
             <a:r>
               <a:rPr lang="en-US" altLang="zh-CN" dirty="0">
-                <a:latin typeface="Microsoft YaHei Light" charset="-122"/>
-                <a:ea typeface="Microsoft YaHei Light" charset="-122"/>
-                <a:cs typeface="Microsoft YaHei Light" charset="-122"/>
+                <a:latin typeface="微软雅黑 Light" panose="020B0502040204020203" charset="-122"/>
+                <a:ea typeface="微软雅黑 Light" panose="020B0502040204020203" charset="-122"/>
+                <a:cs typeface="微软雅黑 Light" panose="020B0502040204020203" charset="-122"/>
               </a:rPr>
               <a:t> world, \</a:t>
             </a:r>
             <a:r>
               <a:rPr lang="en-US" altLang="zh-CN" dirty="0" err="1">
-                <a:latin typeface="Microsoft YaHei Light" charset="-122"/>
-                <a:ea typeface="Microsoft YaHei Light" charset="-122"/>
-                <a:cs typeface="Microsoft YaHei Light" charset="-122"/>
+                <a:latin typeface="微软雅黑 Light" panose="020B0502040204020203" charset="-122"/>
+                <a:ea typeface="微软雅黑 Light" panose="020B0502040204020203" charset="-122"/>
+                <a:cs typeface="微软雅黑 Light" panose="020B0502040204020203" charset="-122"/>
               </a:rPr>
               <a:t>nhello</a:t>
             </a:r>
             <a:r>
               <a:rPr lang="en-US" altLang="zh-CN" dirty="0">
-                <a:latin typeface="Microsoft YaHei Light" charset="-122"/>
-                <a:ea typeface="Microsoft YaHei Light" charset="-122"/>
-                <a:cs typeface="Microsoft YaHei Light" charset="-122"/>
+                <a:latin typeface="微软雅黑 Light" panose="020B0502040204020203" charset="-122"/>
+                <a:ea typeface="微软雅黑 Light" panose="020B0502040204020203" charset="-122"/>
+                <a:cs typeface="微软雅黑 Light" panose="020B0502040204020203" charset="-122"/>
               </a:rPr>
               <a:t>");</a:t>
             </a:r>
             <a:endParaRPr lang="en-US" altLang="zh-CN" dirty="0" smtClean="0">
-              <a:latin typeface="Microsoft YaHei Light" charset="-122"/>
-              <a:ea typeface="Microsoft YaHei Light" charset="-122"/>
-              <a:cs typeface="Microsoft YaHei Light" charset="-122"/>
+              <a:latin typeface="微软雅黑 Light" panose="020B0502040204020203" charset="-122"/>
+              <a:ea typeface="微软雅黑 Light" panose="020B0502040204020203" charset="-122"/>
+              <a:cs typeface="微软雅黑 Light" panose="020B0502040204020203" charset="-122"/>
             </a:endParaRPr>
           </a:p>
         </p:txBody>
       </p:sp>
     </p:spTree>
-    <p:extLst>
-      <p:ext uri="{BB962C8B-B14F-4D97-AF65-F5344CB8AC3E}">
-        <p14:creationId xmlns:p14="http://schemas.microsoft.com/office/powerpoint/2010/main" val="1604864860"/>
-      </p:ext>
-    </p:extLst>
   </p:cSld>
   <p:clrMapOvr>
     <a:masterClrMapping/>
@@ -9914,7 +9980,7 @@
     </a:clrScheme>
     <a:fontScheme name="Gallery">
       <a:majorFont>
-        <a:latin typeface="Gill Sans MT" panose="020B0502020104020203"/>
+        <a:latin typeface="Gill Sans MT"/>
         <a:ea typeface=""/>
         <a:cs typeface=""/>
         <a:font script="Jpan" typeface="游ゴシック Light"/>
@@ -9949,7 +10015,7 @@
         <a:font script="Geor" typeface="Sylfaen"/>
       </a:majorFont>
       <a:minorFont>
-        <a:latin typeface="Gill Sans MT" panose="020B0502020104020203"/>
+        <a:latin typeface="Gill Sans MT"/>
         <a:ea typeface=""/>
         <a:cs typeface=""/>
         <a:font script="Jpan" typeface="游ゴシック"/>
@@ -10114,11 +10180,9 @@
       </a:bgFillStyleLst>
     </a:fmtScheme>
   </a:themeElements>
-  <a:objectDefaults/>
-  <a:extraClrSchemeLst/>
   <a:extLst>
     <a:ext uri="{05A4C25C-085E-4340-85A3-A5531E510DB2}">
-      <thm15:themeFamily xmlns:thm15="http://schemas.microsoft.com/office/thememl/2012/main" name="Gallery" id="{BBFCD31E-59A1-489D-B089-A3EAD7CAE12E}" vid="{F5E91637-A7B6-4E27-B710-77DA7014EE1E}"/>
+      <thm15:themeFamily xmlns:thm15="http://schemas.microsoft.com/office/thememl/2012/main" name="Office Theme" id="{62F939B6-93AF-4DB8-9C6B-D6C7DFDC589F}" vid="{4A3C46E8-61CC-4603-A589-7422A47A8E4A}"/>
     </a:ext>
   </a:extLst>
 </a:theme>
@@ -10167,7 +10231,7 @@
     </a:clrScheme>
     <a:fontScheme name="Office">
       <a:majorFont>
-        <a:latin typeface="Calibri Light" panose="020F0302020204030204"/>
+        <a:latin typeface="Calibri Light"/>
         <a:ea typeface=""/>
         <a:cs typeface=""/>
         <a:font script="Jpan" typeface="Yu Gothic Light"/>
@@ -10202,7 +10266,7 @@
         <a:font script="Geor" typeface="Sylfaen"/>
       </a:majorFont>
       <a:minorFont>
-        <a:latin typeface="Calibri" panose="020F0502020204030204"/>
+        <a:latin typeface="Calibri"/>
         <a:ea typeface=""/>
         <a:cs typeface=""/>
         <a:font script="Jpan" typeface="Yu Gothic"/>
@@ -10375,8 +10439,6 @@
       </a:bgFillStyleLst>
     </a:fmtScheme>
   </a:themeElements>
-  <a:objectDefaults/>
-  <a:extraClrSchemeLst/>
   <a:extLst>
     <a:ext uri="{05A4C25C-085E-4340-85A3-A5531E510DB2}">
       <thm15:themeFamily xmlns:thm15="http://schemas.microsoft.com/office/thememl/2012/main" name="Office Theme" id="{62F939B6-93AF-4DB8-9C6B-D6C7DFDC589F}" vid="{4A3C46E8-61CC-4603-A589-7422A47A8E4A}"/>
